--- a/Chapitre2/Chapitre 2.pptx
+++ b/Chapitre2/Chapitre 2.pptx
@@ -5,7 +5,7 @@
     <p:sldMasterId id="2147483726" r:id="rId1"/>
   </p:sldMasterIdLst>
   <p:notesMasterIdLst>
-    <p:notesMasterId r:id="rId44"/>
+    <p:notesMasterId r:id="rId45"/>
   </p:notesMasterIdLst>
   <p:sldIdLst>
     <p:sldId id="256" r:id="rId2"/>
@@ -17,39 +17,40 @@
     <p:sldId id="264" r:id="rId8"/>
     <p:sldId id="265" r:id="rId9"/>
     <p:sldId id="266" r:id="rId10"/>
-    <p:sldId id="268" r:id="rId11"/>
-    <p:sldId id="272" r:id="rId12"/>
-    <p:sldId id="271" r:id="rId13"/>
-    <p:sldId id="270" r:id="rId14"/>
-    <p:sldId id="273" r:id="rId15"/>
-    <p:sldId id="274" r:id="rId16"/>
-    <p:sldId id="275" r:id="rId17"/>
-    <p:sldId id="277" r:id="rId18"/>
-    <p:sldId id="276" r:id="rId19"/>
-    <p:sldId id="278" r:id="rId20"/>
-    <p:sldId id="279" r:id="rId21"/>
-    <p:sldId id="282" r:id="rId22"/>
-    <p:sldId id="281" r:id="rId23"/>
-    <p:sldId id="287" r:id="rId24"/>
-    <p:sldId id="289" r:id="rId25"/>
-    <p:sldId id="288" r:id="rId26"/>
-    <p:sldId id="290" r:id="rId27"/>
-    <p:sldId id="291" r:id="rId28"/>
-    <p:sldId id="292" r:id="rId29"/>
-    <p:sldId id="293" r:id="rId30"/>
-    <p:sldId id="294" r:id="rId31"/>
-    <p:sldId id="295" r:id="rId32"/>
-    <p:sldId id="297" r:id="rId33"/>
-    <p:sldId id="296" r:id="rId34"/>
-    <p:sldId id="298" r:id="rId35"/>
-    <p:sldId id="299" r:id="rId36"/>
-    <p:sldId id="300" r:id="rId37"/>
-    <p:sldId id="301" r:id="rId38"/>
-    <p:sldId id="302" r:id="rId39"/>
-    <p:sldId id="303" r:id="rId40"/>
-    <p:sldId id="304" r:id="rId41"/>
-    <p:sldId id="305" r:id="rId42"/>
-    <p:sldId id="306" r:id="rId43"/>
+    <p:sldId id="290" r:id="rId11"/>
+    <p:sldId id="293" r:id="rId12"/>
+    <p:sldId id="268" r:id="rId13"/>
+    <p:sldId id="272" r:id="rId14"/>
+    <p:sldId id="271" r:id="rId15"/>
+    <p:sldId id="270" r:id="rId16"/>
+    <p:sldId id="273" r:id="rId17"/>
+    <p:sldId id="274" r:id="rId18"/>
+    <p:sldId id="275" r:id="rId19"/>
+    <p:sldId id="277" r:id="rId20"/>
+    <p:sldId id="276" r:id="rId21"/>
+    <p:sldId id="278" r:id="rId22"/>
+    <p:sldId id="279" r:id="rId23"/>
+    <p:sldId id="282" r:id="rId24"/>
+    <p:sldId id="307" r:id="rId25"/>
+    <p:sldId id="281" r:id="rId26"/>
+    <p:sldId id="287" r:id="rId27"/>
+    <p:sldId id="289" r:id="rId28"/>
+    <p:sldId id="288" r:id="rId29"/>
+    <p:sldId id="291" r:id="rId30"/>
+    <p:sldId id="292" r:id="rId31"/>
+    <p:sldId id="294" r:id="rId32"/>
+    <p:sldId id="295" r:id="rId33"/>
+    <p:sldId id="297" r:id="rId34"/>
+    <p:sldId id="296" r:id="rId35"/>
+    <p:sldId id="298" r:id="rId36"/>
+    <p:sldId id="299" r:id="rId37"/>
+    <p:sldId id="300" r:id="rId38"/>
+    <p:sldId id="301" r:id="rId39"/>
+    <p:sldId id="302" r:id="rId40"/>
+    <p:sldId id="303" r:id="rId41"/>
+    <p:sldId id="304" r:id="rId42"/>
+    <p:sldId id="305" r:id="rId43"/>
+    <p:sldId id="306" r:id="rId44"/>
   </p:sldIdLst>
   <p:sldSz cx="12192000" cy="6858000"/>
   <p:notesSz cx="6858000" cy="9144000"/>
@@ -249,7 +250,7 @@
           <a:p>
             <a:fld id="{FF69D57C-5ECF-4FB9-9860-78AE21D51D51}" type="datetimeFigureOut">
               <a:rPr lang="en-US" smtClean="0"/>
-              <a:t>8/15/2024</a:t>
+              <a:t>8/26/2024</a:t>
             </a:fld>
             <a:endParaRPr lang="en-US"/>
           </a:p>
@@ -645,10 +646,6 @@
           <a:bodyPr/>
           <a:lstStyle/>
           <a:p>
-            <a:r>
-              <a:rPr lang="fr-CA" dirty="0"/>
-              <a:t>Fin 2.2 Ici</a:t>
-            </a:r>
             <a:endParaRPr lang="en-US" dirty="0"/>
           </a:p>
         </p:txBody>
@@ -670,7 +667,7 @@
           <a:p>
             <a:fld id="{09399795-C431-4114-99A3-5C85BAD88382}" type="slidenum">
               <a:rPr lang="en-US" smtClean="0"/>
-              <a:t>14</a:t>
+              <a:t>11</a:t>
             </a:fld>
             <a:endParaRPr lang="en-US"/>
           </a:p>
@@ -679,7 +676,7 @@
     </p:spTree>
     <p:extLst>
       <p:ext uri="{BB962C8B-B14F-4D97-AF65-F5344CB8AC3E}">
-        <p14:creationId xmlns:p14="http://schemas.microsoft.com/office/powerpoint/2010/main" val="1119842095"/>
+        <p14:creationId xmlns:p14="http://schemas.microsoft.com/office/powerpoint/2010/main" val="2916819550"/>
       </p:ext>
     </p:extLst>
   </p:cSld>
@@ -733,14 +730,6 @@
           <a:bodyPr/>
           <a:lstStyle/>
           <a:p>
-            <a:r>
-              <a:rPr lang="fr-CA" dirty="0"/>
-              <a:t>Faire Exemple dans live dans le </a:t>
-            </a:r>
-            <a:r>
-              <a:rPr lang="fr-CA" dirty="0" err="1"/>
-              <a:t>jupyter</a:t>
-            </a:r>
             <a:endParaRPr lang="en-US" dirty="0"/>
           </a:p>
         </p:txBody>
@@ -762,7 +751,7 @@
           <a:p>
             <a:fld id="{09399795-C431-4114-99A3-5C85BAD88382}" type="slidenum">
               <a:rPr lang="en-US" smtClean="0"/>
-              <a:t>26</a:t>
+              <a:t>12</a:t>
             </a:fld>
             <a:endParaRPr lang="en-US"/>
           </a:p>
@@ -771,7 +760,7 @@
     </p:spTree>
     <p:extLst>
       <p:ext uri="{BB962C8B-B14F-4D97-AF65-F5344CB8AC3E}">
-        <p14:creationId xmlns:p14="http://schemas.microsoft.com/office/powerpoint/2010/main" val="2304774534"/>
+        <p14:creationId xmlns:p14="http://schemas.microsoft.com/office/powerpoint/2010/main" val="400240508"/>
       </p:ext>
     </p:extLst>
   </p:cSld>
@@ -825,6 +814,10 @@
           <a:bodyPr/>
           <a:lstStyle/>
           <a:p>
+            <a:r>
+              <a:rPr lang="fr-CA" dirty="0"/>
+              <a:t>Fin 2.2 Ici</a:t>
+            </a:r>
             <a:endParaRPr lang="en-US" dirty="0"/>
           </a:p>
         </p:txBody>
@@ -846,7 +839,7 @@
           <a:p>
             <a:fld id="{09399795-C431-4114-99A3-5C85BAD88382}" type="slidenum">
               <a:rPr lang="en-US" smtClean="0"/>
-              <a:t>27</a:t>
+              <a:t>16</a:t>
             </a:fld>
             <a:endParaRPr lang="en-US"/>
           </a:p>
@@ -855,7 +848,7 @@
     </p:spTree>
     <p:extLst>
       <p:ext uri="{BB962C8B-B14F-4D97-AF65-F5344CB8AC3E}">
-        <p14:creationId xmlns:p14="http://schemas.microsoft.com/office/powerpoint/2010/main" val="2429079636"/>
+        <p14:creationId xmlns:p14="http://schemas.microsoft.com/office/powerpoint/2010/main" val="1119842095"/>
       </p:ext>
     </p:extLst>
   </p:cSld>
@@ -909,6 +902,10 @@
           <a:bodyPr/>
           <a:lstStyle/>
           <a:p>
+            <a:r>
+              <a:rPr lang="fr-CA" dirty="0"/>
+              <a:t>Exemple, on entre 6 et le résultat est 6.0</a:t>
+            </a:r>
             <a:endParaRPr lang="en-US" dirty="0"/>
           </a:p>
         </p:txBody>
@@ -930,7 +927,7 @@
           <a:p>
             <a:fld id="{09399795-C431-4114-99A3-5C85BAD88382}" type="slidenum">
               <a:rPr lang="en-US" smtClean="0"/>
-              <a:t>28</a:t>
+              <a:t>24</a:t>
             </a:fld>
             <a:endParaRPr lang="en-US"/>
           </a:p>
@@ -939,7 +936,7 @@
     </p:spTree>
     <p:extLst>
       <p:ext uri="{BB962C8B-B14F-4D97-AF65-F5344CB8AC3E}">
-        <p14:creationId xmlns:p14="http://schemas.microsoft.com/office/powerpoint/2010/main" val="3342465224"/>
+        <p14:creationId xmlns:p14="http://schemas.microsoft.com/office/powerpoint/2010/main" val="3443528821"/>
       </p:ext>
     </p:extLst>
   </p:cSld>
@@ -1023,7 +1020,7 @@
     </p:spTree>
     <p:extLst>
       <p:ext uri="{BB962C8B-B14F-4D97-AF65-F5344CB8AC3E}">
-        <p14:creationId xmlns:p14="http://schemas.microsoft.com/office/powerpoint/2010/main" val="1835959914"/>
+        <p14:creationId xmlns:p14="http://schemas.microsoft.com/office/powerpoint/2010/main" val="2429079636"/>
       </p:ext>
     </p:extLst>
   </p:cSld>
@@ -1077,50 +1074,6 @@
           <a:bodyPr/>
           <a:lstStyle/>
           <a:p>
-            <a:r>
-              <a:rPr lang="fr-CA" dirty="0"/>
-              <a:t>NOTER la précision dans round est facultative bien spécifier.</a:t>
-            </a:r>
-            <a:br>
-              <a:rPr lang="fr-CA" dirty="0"/>
-            </a:br>
-            <a:br>
-              <a:rPr lang="fr-CA" dirty="0"/>
-            </a:br>
-            <a:r>
-              <a:rPr lang="fr-CA" dirty="0"/>
-              <a:t>Si le temps faire des exemples avec </a:t>
-            </a:r>
-            <a:r>
-              <a:rPr lang="fr-CA" dirty="0" err="1"/>
-              <a:t>éleves</a:t>
-            </a:r>
-            <a:r>
-              <a:rPr lang="fr-CA" dirty="0"/>
-              <a:t> en mode </a:t>
-            </a:r>
-            <a:r>
-              <a:rPr lang="fr-CA" dirty="0" err="1"/>
-              <a:t>intéractif</a:t>
-            </a:r>
-            <a:endParaRPr lang="fr-CA" dirty="0"/>
-          </a:p>
-          <a:p>
-            <a:endParaRPr lang="fr-CA" dirty="0"/>
-          </a:p>
-          <a:p>
-            <a:r>
-              <a:rPr lang="fr-CA" dirty="0"/>
-              <a:t>AJOUT de type dans le tableau, on peut expliquer help() et </a:t>
-            </a:r>
-            <a:r>
-              <a:rPr lang="fr-CA" dirty="0" err="1"/>
-              <a:t>dir</a:t>
-            </a:r>
-            <a:r>
-              <a:rPr lang="fr-CA" dirty="0"/>
-              <a:t>(), mais honnêtement elles sont vraiment moins utile.</a:t>
-            </a:r>
             <a:endParaRPr lang="en-US" dirty="0"/>
           </a:p>
         </p:txBody>
@@ -1151,7 +1104,7 @@
     </p:spTree>
     <p:extLst>
       <p:ext uri="{BB962C8B-B14F-4D97-AF65-F5344CB8AC3E}">
-        <p14:creationId xmlns:p14="http://schemas.microsoft.com/office/powerpoint/2010/main" val="2030727524"/>
+        <p14:creationId xmlns:p14="http://schemas.microsoft.com/office/powerpoint/2010/main" val="3342465224"/>
       </p:ext>
     </p:extLst>
   </p:cSld>
@@ -1207,7 +1160,47 @@
           <a:p>
             <a:r>
               <a:rPr lang="fr-CA" dirty="0"/>
-              <a:t>Expliquer que math est un module avec d’autres fonction et comme d’autres module ou bibliothèque existante la documentation est disponible très facilement en ligne.</a:t>
+              <a:t>NOTER la précision dans round est facultative bien spécifier.</a:t>
+            </a:r>
+            <a:br>
+              <a:rPr lang="fr-CA" dirty="0"/>
+            </a:br>
+            <a:br>
+              <a:rPr lang="fr-CA" dirty="0"/>
+            </a:br>
+            <a:r>
+              <a:rPr lang="fr-CA" dirty="0"/>
+              <a:t>Si le temps faire des exemples avec </a:t>
+            </a:r>
+            <a:r>
+              <a:rPr lang="fr-CA" dirty="0" err="1"/>
+              <a:t>éleves</a:t>
+            </a:r>
+            <a:r>
+              <a:rPr lang="fr-CA" dirty="0"/>
+              <a:t> en mode </a:t>
+            </a:r>
+            <a:r>
+              <a:rPr lang="fr-CA" dirty="0" err="1"/>
+              <a:t>intéractif</a:t>
+            </a:r>
+            <a:endParaRPr lang="fr-CA" dirty="0"/>
+          </a:p>
+          <a:p>
+            <a:endParaRPr lang="fr-CA" dirty="0"/>
+          </a:p>
+          <a:p>
+            <a:r>
+              <a:rPr lang="fr-CA" dirty="0"/>
+              <a:t>AJOUT de type dans le tableau, on peut expliquer help() et </a:t>
+            </a:r>
+            <a:r>
+              <a:rPr lang="fr-CA" dirty="0" err="1"/>
+              <a:t>dir</a:t>
+            </a:r>
+            <a:r>
+              <a:rPr lang="fr-CA" dirty="0"/>
+              <a:t>(), mais honnêtement elles sont vraiment moins utile.</a:t>
             </a:r>
             <a:endParaRPr lang="en-US" dirty="0"/>
           </a:p>
@@ -1239,7 +1232,7 @@
     </p:spTree>
     <p:extLst>
       <p:ext uri="{BB962C8B-B14F-4D97-AF65-F5344CB8AC3E}">
-        <p14:creationId xmlns:p14="http://schemas.microsoft.com/office/powerpoint/2010/main" val="1519078359"/>
+        <p14:creationId xmlns:p14="http://schemas.microsoft.com/office/powerpoint/2010/main" val="2030727524"/>
       </p:ext>
     </p:extLst>
   </p:cSld>
@@ -1327,7 +1320,7 @@
     </p:spTree>
     <p:extLst>
       <p:ext uri="{BB962C8B-B14F-4D97-AF65-F5344CB8AC3E}">
-        <p14:creationId xmlns:p14="http://schemas.microsoft.com/office/powerpoint/2010/main" val="250768879"/>
+        <p14:creationId xmlns:p14="http://schemas.microsoft.com/office/powerpoint/2010/main" val="1519078359"/>
       </p:ext>
     </p:extLst>
   </p:cSld>
@@ -1381,6 +1374,10 @@
           <a:bodyPr/>
           <a:lstStyle/>
           <a:p>
+            <a:r>
+              <a:rPr lang="fr-CA" dirty="0"/>
+              <a:t>Expliquer que math est un module avec d’autres fonction et comme d’autres module ou bibliothèque existante la documentation est disponible très facilement en ligne.</a:t>
+            </a:r>
             <a:endParaRPr lang="en-US" dirty="0"/>
           </a:p>
         </p:txBody>
@@ -1411,7 +1408,7 @@
     </p:spTree>
     <p:extLst>
       <p:ext uri="{BB962C8B-B14F-4D97-AF65-F5344CB8AC3E}">
-        <p14:creationId xmlns:p14="http://schemas.microsoft.com/office/powerpoint/2010/main" val="892725786"/>
+        <p14:creationId xmlns:p14="http://schemas.microsoft.com/office/powerpoint/2010/main" val="250768879"/>
       </p:ext>
     </p:extLst>
   </p:cSld>
@@ -1465,10 +1462,7 @@
           <a:bodyPr/>
           <a:lstStyle/>
           <a:p>
-            <a:r>
-              <a:rPr lang="fr-CA" dirty="0"/>
-              <a:t>Lorsque nous avons un traitement qui se répète souvent dans notre code, nous pouvons créer nos propres fonctions (par exemple, une fonction pour faire vieillir une personne).</a:t>
-            </a:r>
+            <a:endParaRPr lang="en-US" dirty="0"/>
           </a:p>
         </p:txBody>
       </p:sp>
@@ -1498,7 +1492,7 @@
     </p:spTree>
     <p:extLst>
       <p:ext uri="{BB962C8B-B14F-4D97-AF65-F5344CB8AC3E}">
-        <p14:creationId xmlns:p14="http://schemas.microsoft.com/office/powerpoint/2010/main" val="540907441"/>
+        <p14:creationId xmlns:p14="http://schemas.microsoft.com/office/powerpoint/2010/main" val="892725786"/>
       </p:ext>
     </p:extLst>
   </p:cSld>
@@ -1641,9 +1635,8 @@
           <a:p>
             <a:r>
               <a:rPr lang="fr-CA" dirty="0"/>
-              <a:t>Erreur gauche nom non représentatif et à droite la séparation </a:t>
-            </a:r>
-            <a:endParaRPr lang="en-US" dirty="0"/>
+              <a:t>Lorsque nous avons un traitement qui se répète souvent dans notre code, nous pouvons créer nos propres fonctions (par exemple, une fonction pour faire vieillir une personne).</a:t>
+            </a:r>
           </a:p>
         </p:txBody>
       </p:sp>
@@ -1664,7 +1657,7 @@
           <a:p>
             <a:fld id="{09399795-C431-4114-99A3-5C85BAD88382}" type="slidenum">
               <a:rPr lang="en-US" smtClean="0"/>
-              <a:t>36</a:t>
+              <a:t>35</a:t>
             </a:fld>
             <a:endParaRPr lang="en-US"/>
           </a:p>
@@ -1673,7 +1666,7 @@
     </p:spTree>
     <p:extLst>
       <p:ext uri="{BB962C8B-B14F-4D97-AF65-F5344CB8AC3E}">
-        <p14:creationId xmlns:p14="http://schemas.microsoft.com/office/powerpoint/2010/main" val="4018839171"/>
+        <p14:creationId xmlns:p14="http://schemas.microsoft.com/office/powerpoint/2010/main" val="540907441"/>
       </p:ext>
     </p:extLst>
   </p:cSld>
@@ -1729,11 +1722,7 @@
           <a:p>
             <a:r>
               <a:rPr lang="fr-CA" dirty="0"/>
-              <a:t>Exemple où on a une fonction qui modifie la valeur de x mais x n’est pas modifier à l’extérieur de la </a:t>
-            </a:r>
-            <a:r>
-              <a:rPr lang="fr-CA" dirty="0" err="1"/>
-              <a:t>fonciton</a:t>
+              <a:t>Erreur gauche nom non représentatif et à droite la séparation </a:t>
             </a:r>
             <a:endParaRPr lang="en-US" dirty="0"/>
           </a:p>
@@ -1765,7 +1754,7 @@
     </p:spTree>
     <p:extLst>
       <p:ext uri="{BB962C8B-B14F-4D97-AF65-F5344CB8AC3E}">
-        <p14:creationId xmlns:p14="http://schemas.microsoft.com/office/powerpoint/2010/main" val="3958448814"/>
+        <p14:creationId xmlns:p14="http://schemas.microsoft.com/office/powerpoint/2010/main" val="4018839171"/>
       </p:ext>
     </p:extLst>
   </p:cSld>
@@ -1821,7 +1810,11 @@
           <a:p>
             <a:r>
               <a:rPr lang="fr-CA" dirty="0"/>
-              <a:t>Je ne parle pas des tests unitaires mais je crois qu’on peut en parler plus tard lorsqu’ils vont faire des fonctions plus complexes</a:t>
+              <a:t>Exemple où on a une fonction qui modifie la valeur de x mais x n’est pas modifier à l’extérieur de la </a:t>
+            </a:r>
+            <a:r>
+              <a:rPr lang="fr-CA" dirty="0" err="1"/>
+              <a:t>fonciton</a:t>
             </a:r>
             <a:endParaRPr lang="en-US" dirty="0"/>
           </a:p>
@@ -1853,7 +1846,7 @@
     </p:spTree>
     <p:extLst>
       <p:ext uri="{BB962C8B-B14F-4D97-AF65-F5344CB8AC3E}">
-        <p14:creationId xmlns:p14="http://schemas.microsoft.com/office/powerpoint/2010/main" val="3342407908"/>
+        <p14:creationId xmlns:p14="http://schemas.microsoft.com/office/powerpoint/2010/main" val="3958448814"/>
       </p:ext>
     </p:extLst>
   </p:cSld>
@@ -1909,7 +1902,7 @@
           <a:p>
             <a:r>
               <a:rPr lang="fr-CA" dirty="0"/>
-              <a:t>Mentionné que normalement nous avons plusieurs tests de plusieurs fonctions.</a:t>
+              <a:t>Je ne parle pas des tests unitaires mais je crois qu’on peut en parler plus tard lorsqu’ils vont faire des fonctions plus complexes</a:t>
             </a:r>
             <a:endParaRPr lang="en-US" dirty="0"/>
           </a:p>
@@ -1941,7 +1934,7 @@
     </p:spTree>
     <p:extLst>
       <p:ext uri="{BB962C8B-B14F-4D97-AF65-F5344CB8AC3E}">
-        <p14:creationId xmlns:p14="http://schemas.microsoft.com/office/powerpoint/2010/main" val="2861759482"/>
+        <p14:creationId xmlns:p14="http://schemas.microsoft.com/office/powerpoint/2010/main" val="3342407908"/>
       </p:ext>
     </p:extLst>
   </p:cSld>
@@ -1997,13 +1990,7 @@
           <a:p>
             <a:r>
               <a:rPr lang="fr-CA" dirty="0"/>
-              <a:t>DERNIÈRE SLIDE</a:t>
-            </a:r>
-          </a:p>
-          <a:p>
-            <a:r>
-              <a:rPr lang="fr-CA" dirty="0"/>
-              <a:t>NB: Dire on a vue des fonctions relativement simples, mais on vont devenir plus complexe avec le temps avec différents types de variables, des tableaux, etc.</a:t>
+              <a:t>Mentionné que normalement nous avons plusieurs tests de plusieurs fonctions.</a:t>
             </a:r>
             <a:endParaRPr lang="en-US" dirty="0"/>
           </a:p>
@@ -2026,7 +2013,101 @@
           <a:p>
             <a:fld id="{09399795-C431-4114-99A3-5C85BAD88382}" type="slidenum">
               <a:rPr lang="en-US" smtClean="0"/>
-              <a:t>42</a:t>
+              <a:t>40</a:t>
+            </a:fld>
+            <a:endParaRPr lang="en-US"/>
+          </a:p>
+        </p:txBody>
+      </p:sp>
+    </p:spTree>
+    <p:extLst>
+      <p:ext uri="{BB962C8B-B14F-4D97-AF65-F5344CB8AC3E}">
+        <p14:creationId xmlns:p14="http://schemas.microsoft.com/office/powerpoint/2010/main" val="2861759482"/>
+      </p:ext>
+    </p:extLst>
+  </p:cSld>
+  <p:clrMapOvr>
+    <a:masterClrMapping/>
+  </p:clrMapOvr>
+</p:notes>
+</file>
+
+<file path=ppt/notesSlides/notesSlide25.xml><?xml version="1.0" encoding="utf-8"?>
+<p:notes xmlns:a="http://schemas.openxmlformats.org/drawingml/2006/main" xmlns:r="http://schemas.openxmlformats.org/officeDocument/2006/relationships" xmlns:p="http://schemas.openxmlformats.org/presentationml/2006/main">
+  <p:cSld>
+    <p:spTree>
+      <p:nvGrpSpPr>
+        <p:cNvPr id="1" name=""/>
+        <p:cNvGrpSpPr/>
+        <p:nvPr/>
+      </p:nvGrpSpPr>
+      <p:grpSpPr>
+        <a:xfrm>
+          <a:off x="0" y="0"/>
+          <a:ext cx="0" cy="0"/>
+          <a:chOff x="0" y="0"/>
+          <a:chExt cx="0" cy="0"/>
+        </a:xfrm>
+      </p:grpSpPr>
+      <p:sp>
+        <p:nvSpPr>
+          <p:cNvPr id="2" name="Espace réservé de l'image des diapositives 1"/>
+          <p:cNvSpPr>
+            <a:spLocks noGrp="1" noRot="1" noChangeAspect="1"/>
+          </p:cNvSpPr>
+          <p:nvPr>
+            <p:ph type="sldImg"/>
+          </p:nvPr>
+        </p:nvSpPr>
+        <p:spPr/>
+      </p:sp>
+      <p:sp>
+        <p:nvSpPr>
+          <p:cNvPr id="3" name="Espace réservé des notes 2"/>
+          <p:cNvSpPr>
+            <a:spLocks noGrp="1"/>
+          </p:cNvSpPr>
+          <p:nvPr>
+            <p:ph type="body" idx="1"/>
+          </p:nvPr>
+        </p:nvSpPr>
+        <p:spPr/>
+        <p:txBody>
+          <a:bodyPr/>
+          <a:lstStyle/>
+          <a:p>
+            <a:r>
+              <a:rPr lang="fr-CA" dirty="0"/>
+              <a:t>DERNIÈRE SLIDE</a:t>
+            </a:r>
+          </a:p>
+          <a:p>
+            <a:r>
+              <a:rPr lang="fr-CA" dirty="0"/>
+              <a:t>NB: Dire on a vue des fonctions relativement simples, mais on vont devenir plus complexe avec le temps avec différents types de variables, des tableaux, etc.</a:t>
+            </a:r>
+            <a:endParaRPr lang="en-US" dirty="0"/>
+          </a:p>
+        </p:txBody>
+      </p:sp>
+      <p:sp>
+        <p:nvSpPr>
+          <p:cNvPr id="4" name="Espace réservé du numéro de diapositive 3"/>
+          <p:cNvSpPr>
+            <a:spLocks noGrp="1"/>
+          </p:cNvSpPr>
+          <p:nvPr>
+            <p:ph type="sldNum" sz="quarter" idx="5"/>
+          </p:nvPr>
+        </p:nvSpPr>
+        <p:spPr/>
+        <p:txBody>
+          <a:bodyPr/>
+          <a:lstStyle/>
+          <a:p>
+            <a:fld id="{09399795-C431-4114-99A3-5C85BAD88382}" type="slidenum">
+              <a:rPr lang="en-US" smtClean="0"/>
+              <a:t>43</a:t>
             </a:fld>
             <a:endParaRPr lang="en-US"/>
           </a:p>
@@ -2663,6 +2744,14 @@
           <a:bodyPr/>
           <a:lstStyle/>
           <a:p>
+            <a:r>
+              <a:rPr lang="fr-CA" dirty="0"/>
+              <a:t>Faire Exemple dans live dans le </a:t>
+            </a:r>
+            <a:r>
+              <a:rPr lang="fr-CA" dirty="0" err="1"/>
+              <a:t>jupyter</a:t>
+            </a:r>
             <a:endParaRPr lang="en-US" dirty="0"/>
           </a:p>
         </p:txBody>
@@ -2693,7 +2782,7 @@
     </p:spTree>
     <p:extLst>
       <p:ext uri="{BB962C8B-B14F-4D97-AF65-F5344CB8AC3E}">
-        <p14:creationId xmlns:p14="http://schemas.microsoft.com/office/powerpoint/2010/main" val="400240508"/>
+        <p14:creationId xmlns:p14="http://schemas.microsoft.com/office/powerpoint/2010/main" val="2487438553"/>
       </p:ext>
     </p:extLst>
   </p:cSld>
@@ -2929,7 +3018,7 @@
           <a:p>
             <a:fld id="{F16294A4-E971-45CE-B34C-E57B9B2082D5}" type="datetime1">
               <a:rPr lang="en-US" smtClean="0"/>
-              <a:t>8/19/2024</a:t>
+              <a:t>8/26/2024</a:t>
             </a:fld>
             <a:endParaRPr lang="en-US"/>
           </a:p>
@@ -3137,7 +3226,7 @@
           <a:p>
             <a:fld id="{1BDE3D72-9CB9-4F45-A6AE-712E5EB93481}" type="datetime1">
               <a:rPr lang="en-US" smtClean="0"/>
-              <a:t>8/19/2024</a:t>
+              <a:t>8/26/2024</a:t>
             </a:fld>
             <a:endParaRPr lang="en-US"/>
           </a:p>
@@ -3393,7 +3482,7 @@
           <a:p>
             <a:fld id="{E36FF6D5-E221-40CE-BBF9-CA6C02FEE4B3}" type="datetime1">
               <a:rPr lang="en-US" smtClean="0"/>
-              <a:t>8/19/2024</a:t>
+              <a:t>8/26/2024</a:t>
             </a:fld>
             <a:endParaRPr lang="en-US"/>
           </a:p>
@@ -3563,7 +3652,7 @@
           <a:p>
             <a:fld id="{06AC2554-1CB4-4425-B765-0FDEBF3962F8}" type="datetime1">
               <a:rPr lang="en-US" smtClean="0"/>
-              <a:t>8/19/2024</a:t>
+              <a:t>8/26/2024</a:t>
             </a:fld>
             <a:endParaRPr lang="en-US"/>
           </a:p>
@@ -3906,7 +3995,7 @@
           <a:p>
             <a:fld id="{9DA37D44-02F6-4C65-9BF9-190C2E063CF7}" type="datetime1">
               <a:rPr lang="en-US" smtClean="0"/>
-              <a:t>8/19/2024</a:t>
+              <a:t>8/26/2024</a:t>
             </a:fld>
             <a:endParaRPr lang="en-US"/>
           </a:p>
@@ -4181,7 +4270,7 @@
           <a:p>
             <a:fld id="{DDB8907B-315C-489B-9F6E-E74C169F8469}" type="datetime1">
               <a:rPr lang="en-US" smtClean="0"/>
-              <a:t>8/19/2024</a:t>
+              <a:t>8/26/2024</a:t>
             </a:fld>
             <a:endParaRPr lang="en-US"/>
           </a:p>
@@ -4560,7 +4649,7 @@
           <a:p>
             <a:fld id="{15C09D99-C0E7-4EB3-8F72-35E05528B657}" type="datetime1">
               <a:rPr lang="en-US" smtClean="0"/>
-              <a:t>8/19/2024</a:t>
+              <a:t>8/26/2024</a:t>
             </a:fld>
             <a:endParaRPr lang="en-US"/>
           </a:p>
@@ -4678,7 +4767,7 @@
           <a:p>
             <a:fld id="{EEC504ED-F43A-4FCE-8586-710A563134C2}" type="datetime1">
               <a:rPr lang="en-US" smtClean="0"/>
-              <a:t>8/19/2024</a:t>
+              <a:t>8/26/2024</a:t>
             </a:fld>
             <a:endParaRPr lang="en-US"/>
           </a:p>
@@ -4849,7 +4938,7 @@
           <a:p>
             <a:fld id="{20BD3828-86D2-46A5-B43B-C7EC437EF259}" type="datetime1">
               <a:rPr lang="en-US" smtClean="0"/>
-              <a:t>8/19/2024</a:t>
+              <a:t>8/26/2024</a:t>
             </a:fld>
             <a:endParaRPr lang="en-US"/>
           </a:p>
@@ -5203,7 +5292,7 @@
           <a:p>
             <a:fld id="{0FC6C7FC-0EA0-4E6A-978A-A5CC49A96831}" type="datetime1">
               <a:rPr lang="en-US" smtClean="0"/>
-              <a:t>8/19/2024</a:t>
+              <a:t>8/26/2024</a:t>
             </a:fld>
             <a:endParaRPr lang="en-US"/>
           </a:p>
@@ -5580,7 +5669,7 @@
           <a:p>
             <a:fld id="{26170E69-9284-442A-B50A-109C98F29F92}" type="datetime1">
               <a:rPr lang="en-US" smtClean="0"/>
-              <a:t>8/19/2024</a:t>
+              <a:t>8/26/2024</a:t>
             </a:fld>
             <a:endParaRPr lang="en-US"/>
           </a:p>
@@ -5867,7 +5956,7 @@
           <a:p>
             <a:fld id="{897331A0-F7E4-4665-A77A-D2C815627E54}" type="datetime1">
               <a:rPr lang="en-US" smtClean="0"/>
-              <a:t>8/19/2024</a:t>
+              <a:t>8/26/2024</a:t>
             </a:fld>
             <a:endParaRPr lang="en-US"/>
           </a:p>
@@ -6607,6 +6696,765 @@
           <p:cNvPr id="2" name="Titre 1">
             <a:extLst>
               <a:ext uri="{FF2B5EF4-FFF2-40B4-BE49-F238E27FC236}">
+                <a16:creationId xmlns:a16="http://schemas.microsoft.com/office/drawing/2014/main" id="{7D5BB864-7BA5-53D6-CBFA-32B3875B8D7C}"/>
+              </a:ext>
+            </a:extLst>
+          </p:cNvPr>
+          <p:cNvSpPr>
+            <a:spLocks noGrp="1"/>
+          </p:cNvSpPr>
+          <p:nvPr>
+            <p:ph type="title"/>
+          </p:nvPr>
+        </p:nvSpPr>
+        <p:spPr/>
+        <p:txBody>
+          <a:bodyPr/>
+          <a:lstStyle/>
+          <a:p>
+            <a:r>
+              <a:rPr lang="fr-CA" dirty="0"/>
+              <a:t>La fonction input()</a:t>
+            </a:r>
+            <a:endParaRPr lang="en-US" dirty="0"/>
+          </a:p>
+        </p:txBody>
+      </p:sp>
+      <p:sp>
+        <p:nvSpPr>
+          <p:cNvPr id="3" name="Espace réservé du contenu 2">
+            <a:extLst>
+              <a:ext uri="{FF2B5EF4-FFF2-40B4-BE49-F238E27FC236}">
+                <a16:creationId xmlns:a16="http://schemas.microsoft.com/office/drawing/2014/main" id="{3A5C2E54-7DB2-EBF3-9D2B-D65219435956}"/>
+              </a:ext>
+            </a:extLst>
+          </p:cNvPr>
+          <p:cNvSpPr>
+            <a:spLocks noGrp="1"/>
+          </p:cNvSpPr>
+          <p:nvPr>
+            <p:ph idx="1"/>
+          </p:nvPr>
+        </p:nvSpPr>
+        <p:spPr/>
+        <p:txBody>
+          <a:bodyPr>
+            <a:normAutofit/>
+          </a:bodyPr>
+          <a:lstStyle/>
+          <a:p>
+            <a:r>
+              <a:rPr lang="fr-CA" sz="2400" dirty="0"/>
+              <a:t>La fonction </a:t>
+            </a:r>
+            <a:r>
+              <a:rPr lang="fr-CA" sz="2400" b="1" dirty="0"/>
+              <a:t>input() permet d’entrer de l’information à partir de la console </a:t>
+            </a:r>
+            <a:r>
+              <a:rPr lang="fr-CA" sz="2400" dirty="0"/>
+              <a:t>dans un programme en cours d’exécution.</a:t>
+            </a:r>
+            <a:endParaRPr lang="en-US" sz="2400" dirty="0"/>
+          </a:p>
+        </p:txBody>
+      </p:sp>
+      <p:pic>
+        <p:nvPicPr>
+          <p:cNvPr id="5" name="Image 4">
+            <a:extLst>
+              <a:ext uri="{FF2B5EF4-FFF2-40B4-BE49-F238E27FC236}">
+                <a16:creationId xmlns:a16="http://schemas.microsoft.com/office/drawing/2014/main" id="{9E04C2BD-18BA-B017-23D7-5AD067CC9B1B}"/>
+              </a:ext>
+            </a:extLst>
+          </p:cNvPr>
+          <p:cNvPicPr>
+            <a:picLocks noChangeAspect="1"/>
+          </p:cNvPicPr>
+          <p:nvPr/>
+        </p:nvPicPr>
+        <p:blipFill>
+          <a:blip r:embed="rId3"/>
+          <a:stretch>
+            <a:fillRect/>
+          </a:stretch>
+        </p:blipFill>
+        <p:spPr>
+          <a:xfrm>
+            <a:off x="2951806" y="2737964"/>
+            <a:ext cx="5523980" cy="2154005"/>
+          </a:xfrm>
+          <a:prstGeom prst="rect">
+            <a:avLst/>
+          </a:prstGeom>
+        </p:spPr>
+      </p:pic>
+      <p:pic>
+        <p:nvPicPr>
+          <p:cNvPr id="9" name="Image 8">
+            <a:extLst>
+              <a:ext uri="{FF2B5EF4-FFF2-40B4-BE49-F238E27FC236}">
+                <a16:creationId xmlns:a16="http://schemas.microsoft.com/office/drawing/2014/main" id="{1C498D23-10B2-95E6-5D19-5BAE6ED7B285}"/>
+              </a:ext>
+            </a:extLst>
+          </p:cNvPr>
+          <p:cNvPicPr>
+            <a:picLocks noChangeAspect="1"/>
+          </p:cNvPicPr>
+          <p:nvPr/>
+        </p:nvPicPr>
+        <p:blipFill>
+          <a:blip r:embed="rId4"/>
+          <a:stretch>
+            <a:fillRect/>
+          </a:stretch>
+        </p:blipFill>
+        <p:spPr>
+          <a:xfrm>
+            <a:off x="2425202" y="5402132"/>
+            <a:ext cx="7341596" cy="710067"/>
+          </a:xfrm>
+          <a:prstGeom prst="rect">
+            <a:avLst/>
+          </a:prstGeom>
+        </p:spPr>
+      </p:pic>
+      <p:sp>
+        <p:nvSpPr>
+          <p:cNvPr id="10" name="Flèche : angle droit 9">
+            <a:extLst>
+              <a:ext uri="{FF2B5EF4-FFF2-40B4-BE49-F238E27FC236}">
+                <a16:creationId xmlns:a16="http://schemas.microsoft.com/office/drawing/2014/main" id="{AAA4D628-2FC7-B40D-C03C-43BDA2998749}"/>
+              </a:ext>
+            </a:extLst>
+          </p:cNvPr>
+          <p:cNvSpPr/>
+          <p:nvPr/>
+        </p:nvSpPr>
+        <p:spPr>
+          <a:xfrm rot="10800000">
+            <a:off x="2425202" y="2921912"/>
+            <a:ext cx="993010" cy="2480220"/>
+          </a:xfrm>
+          <a:prstGeom prst="bentUpArrow">
+            <a:avLst>
+              <a:gd name="adj1" fmla="val 8780"/>
+              <a:gd name="adj2" fmla="val 25000"/>
+              <a:gd name="adj3" fmla="val 25000"/>
+            </a:avLst>
+          </a:prstGeom>
+        </p:spPr>
+        <p:style>
+          <a:lnRef idx="2">
+            <a:schemeClr val="accent1">
+              <a:shade val="15000"/>
+            </a:schemeClr>
+          </a:lnRef>
+          <a:fillRef idx="1">
+            <a:schemeClr val="accent1"/>
+          </a:fillRef>
+          <a:effectRef idx="0">
+            <a:schemeClr val="accent1"/>
+          </a:effectRef>
+          <a:fontRef idx="minor">
+            <a:schemeClr val="lt1"/>
+          </a:fontRef>
+        </p:style>
+        <p:txBody>
+          <a:bodyPr rtlCol="0" anchor="ctr"/>
+          <a:lstStyle/>
+          <a:p>
+            <a:pPr algn="ctr"/>
+            <a:endParaRPr lang="en-US"/>
+          </a:p>
+        </p:txBody>
+      </p:sp>
+      <p:sp>
+        <p:nvSpPr>
+          <p:cNvPr id="12" name="Espace réservé du numéro de diapositive 11">
+            <a:extLst>
+              <a:ext uri="{FF2B5EF4-FFF2-40B4-BE49-F238E27FC236}">
+                <a16:creationId xmlns:a16="http://schemas.microsoft.com/office/drawing/2014/main" id="{19D9CD0E-54C8-C461-4483-59B8E7C32C68}"/>
+              </a:ext>
+            </a:extLst>
+          </p:cNvPr>
+          <p:cNvSpPr>
+            <a:spLocks noGrp="1"/>
+          </p:cNvSpPr>
+          <p:nvPr>
+            <p:ph type="sldNum" sz="quarter" idx="12"/>
+          </p:nvPr>
+        </p:nvSpPr>
+        <p:spPr/>
+        <p:txBody>
+          <a:bodyPr/>
+          <a:lstStyle/>
+          <a:p>
+            <a:fld id="{A2A60F54-5110-435E-A473-0EC8A1832DD2}" type="slidenum">
+              <a:rPr lang="en-US" smtClean="0"/>
+              <a:t>10</a:t>
+            </a:fld>
+            <a:endParaRPr lang="en-US"/>
+          </a:p>
+        </p:txBody>
+      </p:sp>
+    </p:spTree>
+    <p:extLst>
+      <p:ext uri="{BB962C8B-B14F-4D97-AF65-F5344CB8AC3E}">
+        <p14:creationId xmlns:p14="http://schemas.microsoft.com/office/powerpoint/2010/main" val="1221822500"/>
+      </p:ext>
+    </p:extLst>
+  </p:cSld>
+  <p:clrMapOvr>
+    <a:masterClrMapping/>
+  </p:clrMapOvr>
+  <mc:AlternateContent xmlns:mc="http://schemas.openxmlformats.org/markup-compatibility/2006" xmlns:p159="http://schemas.microsoft.com/office/powerpoint/2015/09/main">
+    <mc:Choice Requires="p159">
+      <p:transition xmlns:p14="http://schemas.microsoft.com/office/powerpoint/2010/main" spd="slow" p14:dur="2000">
+        <p159:morph option="byObject"/>
+      </p:transition>
+    </mc:Choice>
+    <mc:Fallback xmlns="">
+      <p:transition spd="slow">
+        <p:fade/>
+      </p:transition>
+    </mc:Fallback>
+  </mc:AlternateContent>
+</p:sld>
+</file>
+
+<file path=ppt/slides/slide11.xml><?xml version="1.0" encoding="utf-8"?>
+<p:sld xmlns:a="http://schemas.openxmlformats.org/drawingml/2006/main" xmlns:r="http://schemas.openxmlformats.org/officeDocument/2006/relationships" xmlns:p="http://schemas.openxmlformats.org/presentationml/2006/main">
+  <p:cSld>
+    <p:spTree>
+      <p:nvGrpSpPr>
+        <p:cNvPr id="1" name=""/>
+        <p:cNvGrpSpPr/>
+        <p:nvPr/>
+      </p:nvGrpSpPr>
+      <p:grpSpPr>
+        <a:xfrm>
+          <a:off x="0" y="0"/>
+          <a:ext cx="0" cy="0"/>
+          <a:chOff x="0" y="0"/>
+          <a:chExt cx="0" cy="0"/>
+        </a:xfrm>
+      </p:grpSpPr>
+      <p:sp>
+        <p:nvSpPr>
+          <p:cNvPr id="2" name="Titre 1">
+            <a:extLst>
+              <a:ext uri="{FF2B5EF4-FFF2-40B4-BE49-F238E27FC236}">
+                <a16:creationId xmlns:a16="http://schemas.microsoft.com/office/drawing/2014/main" id="{7D5BB864-7BA5-53D6-CBFA-32B3875B8D7C}"/>
+              </a:ext>
+            </a:extLst>
+          </p:cNvPr>
+          <p:cNvSpPr>
+            <a:spLocks noGrp="1"/>
+          </p:cNvSpPr>
+          <p:nvPr>
+            <p:ph type="title"/>
+          </p:nvPr>
+        </p:nvSpPr>
+        <p:spPr/>
+        <p:txBody>
+          <a:bodyPr/>
+          <a:lstStyle/>
+          <a:p>
+            <a:r>
+              <a:rPr lang="fr-CA" dirty="0"/>
+              <a:t>La fonction </a:t>
+            </a:r>
+            <a:r>
+              <a:rPr lang="fr-CA" dirty="0" err="1"/>
+              <a:t>print</a:t>
+            </a:r>
+            <a:r>
+              <a:rPr lang="fr-CA" dirty="0"/>
+              <a:t>()</a:t>
+            </a:r>
+            <a:endParaRPr lang="en-US" dirty="0"/>
+          </a:p>
+        </p:txBody>
+      </p:sp>
+      <p:sp>
+        <p:nvSpPr>
+          <p:cNvPr id="3" name="Espace réservé du contenu 2">
+            <a:extLst>
+              <a:ext uri="{FF2B5EF4-FFF2-40B4-BE49-F238E27FC236}">
+                <a16:creationId xmlns:a16="http://schemas.microsoft.com/office/drawing/2014/main" id="{3A5C2E54-7DB2-EBF3-9D2B-D65219435956}"/>
+              </a:ext>
+            </a:extLst>
+          </p:cNvPr>
+          <p:cNvSpPr>
+            <a:spLocks noGrp="1"/>
+          </p:cNvSpPr>
+          <p:nvPr>
+            <p:ph idx="1"/>
+          </p:nvPr>
+        </p:nvSpPr>
+        <p:spPr>
+          <a:xfrm>
+            <a:off x="1097280" y="1845734"/>
+            <a:ext cx="10058400" cy="505048"/>
+          </a:xfrm>
+        </p:spPr>
+        <p:txBody>
+          <a:bodyPr>
+            <a:normAutofit/>
+          </a:bodyPr>
+          <a:lstStyle/>
+          <a:p>
+            <a:r>
+              <a:rPr lang="fr-CA" sz="2400" dirty="0"/>
+              <a:t>La fonction </a:t>
+            </a:r>
+            <a:r>
+              <a:rPr lang="fr-CA" sz="2400" dirty="0" err="1"/>
+              <a:t>print</a:t>
+            </a:r>
+            <a:r>
+              <a:rPr lang="fr-CA" sz="2400" dirty="0"/>
+              <a:t>() permet également d’afficher plusieurs résultats.</a:t>
+            </a:r>
+            <a:endParaRPr lang="en-US" sz="2400" dirty="0"/>
+          </a:p>
+        </p:txBody>
+      </p:sp>
+      <p:pic>
+        <p:nvPicPr>
+          <p:cNvPr id="5" name="Image 4">
+            <a:extLst>
+              <a:ext uri="{FF2B5EF4-FFF2-40B4-BE49-F238E27FC236}">
+                <a16:creationId xmlns:a16="http://schemas.microsoft.com/office/drawing/2014/main" id="{4BDF3AA7-AE47-1B9C-B999-2681F403C40B}"/>
+              </a:ext>
+            </a:extLst>
+          </p:cNvPr>
+          <p:cNvPicPr>
+            <a:picLocks noChangeAspect="1"/>
+          </p:cNvPicPr>
+          <p:nvPr/>
+        </p:nvPicPr>
+        <p:blipFill>
+          <a:blip r:embed="rId3"/>
+          <a:stretch>
+            <a:fillRect/>
+          </a:stretch>
+        </p:blipFill>
+        <p:spPr>
+          <a:xfrm>
+            <a:off x="3003514" y="2350782"/>
+            <a:ext cx="6184971" cy="1187410"/>
+          </a:xfrm>
+          <a:prstGeom prst="rect">
+            <a:avLst/>
+          </a:prstGeom>
+        </p:spPr>
+      </p:pic>
+      <p:sp>
+        <p:nvSpPr>
+          <p:cNvPr id="8" name="Espace réservé du contenu 2">
+            <a:extLst>
+              <a:ext uri="{FF2B5EF4-FFF2-40B4-BE49-F238E27FC236}">
+                <a16:creationId xmlns:a16="http://schemas.microsoft.com/office/drawing/2014/main" id="{4FC8A46A-B023-78EE-6806-F300942CFE0D}"/>
+              </a:ext>
+            </a:extLst>
+          </p:cNvPr>
+          <p:cNvSpPr txBox="1">
+            <a:spLocks/>
+          </p:cNvSpPr>
+          <p:nvPr/>
+        </p:nvSpPr>
+        <p:spPr>
+          <a:xfrm>
+            <a:off x="914400" y="3756596"/>
+            <a:ext cx="10241280" cy="1073312"/>
+          </a:xfrm>
+          <a:prstGeom prst="rect">
+            <a:avLst/>
+          </a:prstGeom>
+        </p:spPr>
+        <p:txBody>
+          <a:bodyPr vert="horz" lIns="0" tIns="45720" rIns="0" bIns="45720" rtlCol="0">
+            <a:normAutofit lnSpcReduction="10000"/>
+          </a:bodyPr>
+          <a:lstStyle>
+            <a:lvl1pPr marL="91440" indent="-91440" algn="l" defTabSz="914400" rtl="0" eaLnBrk="1" latinLnBrk="0" hangingPunct="1">
+              <a:lnSpc>
+                <a:spcPct val="90000"/>
+              </a:lnSpc>
+              <a:spcBef>
+                <a:spcPts val="1200"/>
+              </a:spcBef>
+              <a:spcAft>
+                <a:spcPts val="200"/>
+              </a:spcAft>
+              <a:buClr>
+                <a:schemeClr val="accent1"/>
+              </a:buClr>
+              <a:buSzPct val="100000"/>
+              <a:buFont typeface="Calibri" panose="020F0502020204030204" pitchFamily="34" charset="0"/>
+              <a:buChar char=" "/>
+              <a:defRPr sz="2000" kern="1200">
+                <a:solidFill>
+                  <a:schemeClr val="tx1">
+                    <a:lumMod val="75000"/>
+                    <a:lumOff val="25000"/>
+                  </a:schemeClr>
+                </a:solidFill>
+                <a:latin typeface="+mn-lt"/>
+                <a:ea typeface="+mn-ea"/>
+                <a:cs typeface="+mn-cs"/>
+              </a:defRPr>
+            </a:lvl1pPr>
+            <a:lvl2pPr marL="384048" indent="-182880" algn="l" defTabSz="914400" rtl="0" eaLnBrk="1" latinLnBrk="0" hangingPunct="1">
+              <a:lnSpc>
+                <a:spcPct val="90000"/>
+              </a:lnSpc>
+              <a:spcBef>
+                <a:spcPts val="200"/>
+              </a:spcBef>
+              <a:spcAft>
+                <a:spcPts val="400"/>
+              </a:spcAft>
+              <a:buClr>
+                <a:schemeClr val="accent1"/>
+              </a:buClr>
+              <a:buFont typeface="Calibri" pitchFamily="34" charset="0"/>
+              <a:buChar char="◦"/>
+              <a:defRPr sz="1800" kern="1200">
+                <a:solidFill>
+                  <a:schemeClr val="tx1">
+                    <a:lumMod val="75000"/>
+                    <a:lumOff val="25000"/>
+                  </a:schemeClr>
+                </a:solidFill>
+                <a:latin typeface="+mn-lt"/>
+                <a:ea typeface="+mn-ea"/>
+                <a:cs typeface="+mn-cs"/>
+              </a:defRPr>
+            </a:lvl2pPr>
+            <a:lvl3pPr marL="566928" indent="-182880" algn="l" defTabSz="914400" rtl="0" eaLnBrk="1" latinLnBrk="0" hangingPunct="1">
+              <a:lnSpc>
+                <a:spcPct val="90000"/>
+              </a:lnSpc>
+              <a:spcBef>
+                <a:spcPts val="200"/>
+              </a:spcBef>
+              <a:spcAft>
+                <a:spcPts val="400"/>
+              </a:spcAft>
+              <a:buClr>
+                <a:schemeClr val="accent1"/>
+              </a:buClr>
+              <a:buFont typeface="Calibri" pitchFamily="34" charset="0"/>
+              <a:buChar char="◦"/>
+              <a:defRPr sz="1400" kern="1200">
+                <a:solidFill>
+                  <a:schemeClr val="tx1">
+                    <a:lumMod val="75000"/>
+                    <a:lumOff val="25000"/>
+                  </a:schemeClr>
+                </a:solidFill>
+                <a:latin typeface="+mn-lt"/>
+                <a:ea typeface="+mn-ea"/>
+                <a:cs typeface="+mn-cs"/>
+              </a:defRPr>
+            </a:lvl3pPr>
+            <a:lvl4pPr marL="749808" indent="-182880" algn="l" defTabSz="914400" rtl="0" eaLnBrk="1" latinLnBrk="0" hangingPunct="1">
+              <a:lnSpc>
+                <a:spcPct val="90000"/>
+              </a:lnSpc>
+              <a:spcBef>
+                <a:spcPts val="200"/>
+              </a:spcBef>
+              <a:spcAft>
+                <a:spcPts val="400"/>
+              </a:spcAft>
+              <a:buClr>
+                <a:schemeClr val="accent1"/>
+              </a:buClr>
+              <a:buFont typeface="Calibri" pitchFamily="34" charset="0"/>
+              <a:buChar char="◦"/>
+              <a:defRPr sz="1400" kern="1200">
+                <a:solidFill>
+                  <a:schemeClr val="tx1">
+                    <a:lumMod val="75000"/>
+                    <a:lumOff val="25000"/>
+                  </a:schemeClr>
+                </a:solidFill>
+                <a:latin typeface="+mn-lt"/>
+                <a:ea typeface="+mn-ea"/>
+                <a:cs typeface="+mn-cs"/>
+              </a:defRPr>
+            </a:lvl4pPr>
+            <a:lvl5pPr marL="932688" indent="-182880" algn="l" defTabSz="914400" rtl="0" eaLnBrk="1" latinLnBrk="0" hangingPunct="1">
+              <a:lnSpc>
+                <a:spcPct val="90000"/>
+              </a:lnSpc>
+              <a:spcBef>
+                <a:spcPts val="200"/>
+              </a:spcBef>
+              <a:spcAft>
+                <a:spcPts val="400"/>
+              </a:spcAft>
+              <a:buClr>
+                <a:schemeClr val="accent1"/>
+              </a:buClr>
+              <a:buFont typeface="Calibri" pitchFamily="34" charset="0"/>
+              <a:buChar char="◦"/>
+              <a:defRPr sz="1400" kern="1200">
+                <a:solidFill>
+                  <a:schemeClr val="tx1">
+                    <a:lumMod val="75000"/>
+                    <a:lumOff val="25000"/>
+                  </a:schemeClr>
+                </a:solidFill>
+                <a:latin typeface="+mn-lt"/>
+                <a:ea typeface="+mn-ea"/>
+                <a:cs typeface="+mn-cs"/>
+              </a:defRPr>
+            </a:lvl5pPr>
+            <a:lvl6pPr marL="1100000" indent="-228600" algn="l" defTabSz="914400" rtl="0" eaLnBrk="1" latinLnBrk="0" hangingPunct="1">
+              <a:lnSpc>
+                <a:spcPct val="90000"/>
+              </a:lnSpc>
+              <a:spcBef>
+                <a:spcPts val="200"/>
+              </a:spcBef>
+              <a:spcAft>
+                <a:spcPts val="400"/>
+              </a:spcAft>
+              <a:buClr>
+                <a:schemeClr val="accent1"/>
+              </a:buClr>
+              <a:buFont typeface="Calibri" pitchFamily="34" charset="0"/>
+              <a:buChar char="◦"/>
+              <a:defRPr sz="1400" kern="1200">
+                <a:solidFill>
+                  <a:schemeClr val="tx1">
+                    <a:lumMod val="75000"/>
+                    <a:lumOff val="25000"/>
+                  </a:schemeClr>
+                </a:solidFill>
+                <a:latin typeface="+mn-lt"/>
+                <a:ea typeface="+mn-ea"/>
+                <a:cs typeface="+mn-cs"/>
+              </a:defRPr>
+            </a:lvl6pPr>
+            <a:lvl7pPr marL="1300000" indent="-228600" algn="l" defTabSz="914400" rtl="0" eaLnBrk="1" latinLnBrk="0" hangingPunct="1">
+              <a:lnSpc>
+                <a:spcPct val="90000"/>
+              </a:lnSpc>
+              <a:spcBef>
+                <a:spcPts val="200"/>
+              </a:spcBef>
+              <a:spcAft>
+                <a:spcPts val="400"/>
+              </a:spcAft>
+              <a:buClr>
+                <a:schemeClr val="accent1"/>
+              </a:buClr>
+              <a:buFont typeface="Calibri" pitchFamily="34" charset="0"/>
+              <a:buChar char="◦"/>
+              <a:defRPr sz="1400" kern="1200">
+                <a:solidFill>
+                  <a:schemeClr val="tx1">
+                    <a:lumMod val="75000"/>
+                    <a:lumOff val="25000"/>
+                  </a:schemeClr>
+                </a:solidFill>
+                <a:latin typeface="+mn-lt"/>
+                <a:ea typeface="+mn-ea"/>
+                <a:cs typeface="+mn-cs"/>
+              </a:defRPr>
+            </a:lvl7pPr>
+            <a:lvl8pPr marL="1500000" indent="-228600" algn="l" defTabSz="914400" rtl="0" eaLnBrk="1" latinLnBrk="0" hangingPunct="1">
+              <a:lnSpc>
+                <a:spcPct val="90000"/>
+              </a:lnSpc>
+              <a:spcBef>
+                <a:spcPts val="200"/>
+              </a:spcBef>
+              <a:spcAft>
+                <a:spcPts val="400"/>
+              </a:spcAft>
+              <a:buClr>
+                <a:schemeClr val="accent1"/>
+              </a:buClr>
+              <a:buFont typeface="Calibri" pitchFamily="34" charset="0"/>
+              <a:buChar char="◦"/>
+              <a:defRPr sz="1400" kern="1200">
+                <a:solidFill>
+                  <a:schemeClr val="tx1">
+                    <a:lumMod val="75000"/>
+                    <a:lumOff val="25000"/>
+                  </a:schemeClr>
+                </a:solidFill>
+                <a:latin typeface="+mn-lt"/>
+                <a:ea typeface="+mn-ea"/>
+                <a:cs typeface="+mn-cs"/>
+              </a:defRPr>
+            </a:lvl8pPr>
+            <a:lvl9pPr marL="1700000" indent="-228600" algn="l" defTabSz="914400" rtl="0" eaLnBrk="1" latinLnBrk="0" hangingPunct="1">
+              <a:lnSpc>
+                <a:spcPct val="90000"/>
+              </a:lnSpc>
+              <a:spcBef>
+                <a:spcPts val="200"/>
+              </a:spcBef>
+              <a:spcAft>
+                <a:spcPts val="400"/>
+              </a:spcAft>
+              <a:buClr>
+                <a:schemeClr val="accent1"/>
+              </a:buClr>
+              <a:buFont typeface="Calibri" pitchFamily="34" charset="0"/>
+              <a:buChar char="◦"/>
+              <a:defRPr sz="1400" kern="1200">
+                <a:solidFill>
+                  <a:schemeClr val="tx1">
+                    <a:lumMod val="75000"/>
+                    <a:lumOff val="25000"/>
+                  </a:schemeClr>
+                </a:solidFill>
+                <a:latin typeface="+mn-lt"/>
+                <a:ea typeface="+mn-ea"/>
+                <a:cs typeface="+mn-cs"/>
+              </a:defRPr>
+            </a:lvl9pPr>
+          </a:lstStyle>
+          <a:p>
+            <a:r>
+              <a:rPr lang="fr-CA" sz="2400" dirty="0"/>
+              <a:t>Vous pouvez également utiliser les chaînes de caractères formatés, appelées </a:t>
+            </a:r>
+            <a:r>
+              <a:rPr lang="fr-CA" sz="2400" b="1" dirty="0"/>
+              <a:t>f-strings</a:t>
+            </a:r>
+            <a:r>
+              <a:rPr lang="fr-CA" sz="2400" dirty="0"/>
+              <a:t>. Ces </a:t>
+            </a:r>
+            <a:r>
+              <a:rPr lang="fr-CA" sz="2400" b="1" dirty="0"/>
+              <a:t>chaînes de caractères permettent qu’on y insère directement des variables</a:t>
+            </a:r>
+            <a:r>
+              <a:rPr lang="fr-CA" sz="2400" dirty="0"/>
+              <a:t>.</a:t>
+            </a:r>
+            <a:endParaRPr lang="en-US" sz="2400" dirty="0"/>
+          </a:p>
+        </p:txBody>
+      </p:sp>
+      <p:pic>
+        <p:nvPicPr>
+          <p:cNvPr id="10" name="Image 9">
+            <a:extLst>
+              <a:ext uri="{FF2B5EF4-FFF2-40B4-BE49-F238E27FC236}">
+                <a16:creationId xmlns:a16="http://schemas.microsoft.com/office/drawing/2014/main" id="{998B37A8-985D-1C81-4EAE-17BA9C8D3621}"/>
+              </a:ext>
+            </a:extLst>
+          </p:cNvPr>
+          <p:cNvPicPr>
+            <a:picLocks noChangeAspect="1"/>
+          </p:cNvPicPr>
+          <p:nvPr/>
+        </p:nvPicPr>
+        <p:blipFill>
+          <a:blip r:embed="rId4"/>
+          <a:stretch>
+            <a:fillRect/>
+          </a:stretch>
+        </p:blipFill>
+        <p:spPr>
+          <a:xfrm>
+            <a:off x="2970766" y="4724400"/>
+            <a:ext cx="6217719" cy="1174210"/>
+          </a:xfrm>
+          <a:prstGeom prst="rect">
+            <a:avLst/>
+          </a:prstGeom>
+        </p:spPr>
+      </p:pic>
+      <p:sp>
+        <p:nvSpPr>
+          <p:cNvPr id="12" name="Espace réservé du numéro de diapositive 11">
+            <a:extLst>
+              <a:ext uri="{FF2B5EF4-FFF2-40B4-BE49-F238E27FC236}">
+                <a16:creationId xmlns:a16="http://schemas.microsoft.com/office/drawing/2014/main" id="{D1A9E247-7BCF-3A6D-DC4A-2F124C5C1143}"/>
+              </a:ext>
+            </a:extLst>
+          </p:cNvPr>
+          <p:cNvSpPr>
+            <a:spLocks noGrp="1"/>
+          </p:cNvSpPr>
+          <p:nvPr>
+            <p:ph type="sldNum" sz="quarter" idx="12"/>
+          </p:nvPr>
+        </p:nvSpPr>
+        <p:spPr/>
+        <p:txBody>
+          <a:bodyPr/>
+          <a:lstStyle/>
+          <a:p>
+            <a:fld id="{A2A60F54-5110-435E-A473-0EC8A1832DD2}" type="slidenum">
+              <a:rPr lang="en-US" smtClean="0"/>
+              <a:t>11</a:t>
+            </a:fld>
+            <a:endParaRPr lang="en-US"/>
+          </a:p>
+        </p:txBody>
+      </p:sp>
+    </p:spTree>
+    <p:extLst>
+      <p:ext uri="{BB962C8B-B14F-4D97-AF65-F5344CB8AC3E}">
+        <p14:creationId xmlns:p14="http://schemas.microsoft.com/office/powerpoint/2010/main" val="1714980159"/>
+      </p:ext>
+    </p:extLst>
+  </p:cSld>
+  <p:clrMapOvr>
+    <a:masterClrMapping/>
+  </p:clrMapOvr>
+  <mc:AlternateContent xmlns:mc="http://schemas.openxmlformats.org/markup-compatibility/2006" xmlns:p159="http://schemas.microsoft.com/office/powerpoint/2015/09/main">
+    <mc:Choice Requires="p159">
+      <p:transition xmlns:p14="http://schemas.microsoft.com/office/powerpoint/2010/main" spd="slow" p14:dur="2000">
+        <p159:morph option="byObject"/>
+      </p:transition>
+    </mc:Choice>
+    <mc:Fallback xmlns="">
+      <p:transition spd="slow">
+        <p:fade/>
+      </p:transition>
+    </mc:Fallback>
+  </mc:AlternateContent>
+</p:sld>
+</file>
+
+<file path=ppt/slides/slide12.xml><?xml version="1.0" encoding="utf-8"?>
+<p:sld xmlns:a="http://schemas.openxmlformats.org/drawingml/2006/main" xmlns:r="http://schemas.openxmlformats.org/officeDocument/2006/relationships" xmlns:p="http://schemas.openxmlformats.org/presentationml/2006/main">
+  <p:cSld>
+    <p:spTree>
+      <p:nvGrpSpPr>
+        <p:cNvPr id="1" name=""/>
+        <p:cNvGrpSpPr/>
+        <p:nvPr/>
+      </p:nvGrpSpPr>
+      <p:grpSpPr>
+        <a:xfrm>
+          <a:off x="0" y="0"/>
+          <a:ext cx="0" cy="0"/>
+          <a:chOff x="0" y="0"/>
+          <a:chExt cx="0" cy="0"/>
+        </a:xfrm>
+      </p:grpSpPr>
+      <p:sp>
+        <p:nvSpPr>
+          <p:cNvPr id="2" name="Titre 1">
+            <a:extLst>
+              <a:ext uri="{FF2B5EF4-FFF2-40B4-BE49-F238E27FC236}">
                 <a16:creationId xmlns:a16="http://schemas.microsoft.com/office/drawing/2014/main" id="{9784BC06-1F57-4EFC-ACEE-EDBB8ACDFE81}"/>
               </a:ext>
             </a:extLst>
@@ -6712,8 +7560,8 @@
           </a:p>
         </p:txBody>
       </p:sp>
-      <mc:AlternateContent xmlns:mc="http://schemas.openxmlformats.org/markup-compatibility/2006">
-        <mc:Choice xmlns:a14="http://schemas.microsoft.com/office/drawing/2010/main" Requires="a14">
+      <mc:AlternateContent xmlns:mc="http://schemas.openxmlformats.org/markup-compatibility/2006" xmlns:a14="http://schemas.microsoft.com/office/drawing/2010/main">
+        <mc:Choice Requires="a14">
           <p:graphicFrame>
             <p:nvGraphicFramePr>
               <p:cNvPr id="3" name="Tableau 2">
@@ -7649,7 +8497,7 @@
             </a:graphic>
           </p:graphicFrame>
         </mc:Choice>
-        <mc:Fallback>
+        <mc:Fallback xmlns="">
           <p:graphicFrame>
             <p:nvGraphicFramePr>
               <p:cNvPr id="3" name="Tableau 2">
@@ -8427,7 +9275,7 @@
           <a:p>
             <a:fld id="{A2A60F54-5110-435E-A473-0EC8A1832DD2}" type="slidenum">
               <a:rPr lang="en-US" smtClean="0"/>
-              <a:t>10</a:t>
+              <a:t>12</a:t>
             </a:fld>
             <a:endParaRPr lang="en-US"/>
           </a:p>
@@ -8443,13 +9291,13 @@
   <p:clrMapOvr>
     <a:masterClrMapping/>
   </p:clrMapOvr>
-  <mc:AlternateContent xmlns:mc="http://schemas.openxmlformats.org/markup-compatibility/2006">
-    <mc:Choice xmlns:p159="http://schemas.microsoft.com/office/powerpoint/2015/09/main" Requires="p159">
+  <mc:AlternateContent xmlns:mc="http://schemas.openxmlformats.org/markup-compatibility/2006" xmlns:p159="http://schemas.microsoft.com/office/powerpoint/2015/09/main">
+    <mc:Choice Requires="p159">
       <p:transition xmlns:p14="http://schemas.microsoft.com/office/powerpoint/2010/main" spd="slow" p14:dur="2000">
         <p159:morph option="byObject"/>
       </p:transition>
     </mc:Choice>
-    <mc:Fallback>
+    <mc:Fallback xmlns="">
       <p:transition spd="slow">
         <p:fade/>
       </p:transition>
@@ -8458,7 +9306,7 @@
 </p:sld>
 </file>
 
-<file path=ppt/slides/slide11.xml><?xml version="1.0" encoding="utf-8"?>
+<file path=ppt/slides/slide13.xml><?xml version="1.0" encoding="utf-8"?>
 <p:sld xmlns:a="http://schemas.openxmlformats.org/drawingml/2006/main" xmlns:r="http://schemas.openxmlformats.org/officeDocument/2006/relationships" xmlns:p="http://schemas.openxmlformats.org/presentationml/2006/main">
   <p:cSld>
     <p:spTree>
@@ -9312,8 +10160,8 @@
           </a:graphicData>
         </a:graphic>
       </p:graphicFrame>
-      <mc:AlternateContent xmlns:mc="http://schemas.openxmlformats.org/markup-compatibility/2006">
-        <mc:Choice xmlns:a14="http://schemas.microsoft.com/office/drawing/2010/main" Requires="a14">
+      <mc:AlternateContent xmlns:mc="http://schemas.openxmlformats.org/markup-compatibility/2006" xmlns:a14="http://schemas.microsoft.com/office/drawing/2010/main">
+        <mc:Choice Requires="a14">
           <p:sp>
             <p:nvSpPr>
               <p:cNvPr id="9" name="ZoneTexte 8">
@@ -9342,6 +10190,7 @@
               </a:bodyPr>
               <a:lstStyle/>
               <a:p>
+                <a:pPr/>
                 <a14:m>
                   <m:oMathPara xmlns:m="http://schemas.openxmlformats.org/officeDocument/2006/math">
                     <m:oMathParaPr>
@@ -9462,7 +10311,7 @@
             </p:txBody>
           </p:sp>
         </mc:Choice>
-        <mc:Fallback>
+        <mc:Fallback xmlns="">
           <p:sp>
             <p:nvSpPr>
               <p:cNvPr id="9" name="ZoneTexte 8">
@@ -9566,7 +10415,7 @@
           <a:p>
             <a:fld id="{A2A60F54-5110-435E-A473-0EC8A1832DD2}" type="slidenum">
               <a:rPr lang="en-US" smtClean="0"/>
-              <a:t>11</a:t>
+              <a:t>13</a:t>
             </a:fld>
             <a:endParaRPr lang="en-US"/>
           </a:p>
@@ -9582,13 +10431,13 @@
   <p:clrMapOvr>
     <a:masterClrMapping/>
   </p:clrMapOvr>
-  <mc:AlternateContent xmlns:mc="http://schemas.openxmlformats.org/markup-compatibility/2006">
-    <mc:Choice xmlns:p159="http://schemas.microsoft.com/office/powerpoint/2015/09/main" Requires="p159">
+  <mc:AlternateContent xmlns:mc="http://schemas.openxmlformats.org/markup-compatibility/2006" xmlns:p159="http://schemas.microsoft.com/office/powerpoint/2015/09/main">
+    <mc:Choice Requires="p159">
       <p:transition xmlns:p14="http://schemas.microsoft.com/office/powerpoint/2010/main" spd="slow" p14:dur="2000">
         <p159:morph option="byObject"/>
       </p:transition>
     </mc:Choice>
-    <mc:Fallback>
+    <mc:Fallback xmlns="">
       <p:transition spd="slow">
         <p:fade/>
       </p:transition>
@@ -9597,7 +10446,7 @@
 </p:sld>
 </file>
 
-<file path=ppt/slides/slide12.xml><?xml version="1.0" encoding="utf-8"?>
+<file path=ppt/slides/slide14.xml><?xml version="1.0" encoding="utf-8"?>
 <p:sld xmlns:a="http://schemas.openxmlformats.org/drawingml/2006/main" xmlns:r="http://schemas.openxmlformats.org/officeDocument/2006/relationships" xmlns:p="http://schemas.openxmlformats.org/presentationml/2006/main">
   <p:cSld>
     <p:spTree>
@@ -9731,8 +10580,8 @@
           </a:p>
         </p:txBody>
       </p:sp>
-      <mc:AlternateContent xmlns:mc="http://schemas.openxmlformats.org/markup-compatibility/2006">
-        <mc:Choice xmlns:a14="http://schemas.microsoft.com/office/drawing/2010/main" Requires="a14">
+      <mc:AlternateContent xmlns:mc="http://schemas.openxmlformats.org/markup-compatibility/2006" xmlns:a14="http://schemas.microsoft.com/office/drawing/2010/main">
+        <mc:Choice Requires="a14">
           <p:sp>
             <p:nvSpPr>
               <p:cNvPr id="4" name="ZoneTexte 3">
@@ -9824,7 +10673,7 @@
             </p:txBody>
           </p:sp>
         </mc:Choice>
-        <mc:Fallback>
+        <mc:Fallback xmlns="">
           <p:sp>
             <p:nvSpPr>
               <p:cNvPr id="4" name="ZoneTexte 3">
@@ -9892,7 +10741,7 @@
           <a:p>
             <a:fld id="{A2A60F54-5110-435E-A473-0EC8A1832DD2}" type="slidenum">
               <a:rPr lang="en-US" smtClean="0"/>
-              <a:t>12</a:t>
+              <a:t>14</a:t>
             </a:fld>
             <a:endParaRPr lang="en-US"/>
           </a:p>
@@ -9908,13 +10757,13 @@
   <p:clrMapOvr>
     <a:masterClrMapping/>
   </p:clrMapOvr>
-  <mc:AlternateContent xmlns:mc="http://schemas.openxmlformats.org/markup-compatibility/2006">
-    <mc:Choice xmlns:p159="http://schemas.microsoft.com/office/powerpoint/2015/09/main" Requires="p159">
+  <mc:AlternateContent xmlns:mc="http://schemas.openxmlformats.org/markup-compatibility/2006" xmlns:p159="http://schemas.microsoft.com/office/powerpoint/2015/09/main">
+    <mc:Choice Requires="p159">
       <p:transition xmlns:p14="http://schemas.microsoft.com/office/powerpoint/2010/main" spd="slow" p14:dur="2000">
         <p159:morph option="byObject"/>
       </p:transition>
     </mc:Choice>
-    <mc:Fallback>
+    <mc:Fallback xmlns="">
       <p:transition spd="slow">
         <p:fade/>
       </p:transition>
@@ -9923,7 +10772,7 @@
 </p:sld>
 </file>
 
-<file path=ppt/slides/slide13.xml><?xml version="1.0" encoding="utf-8"?>
+<file path=ppt/slides/slide15.xml><?xml version="1.0" encoding="utf-8"?>
 <p:sld xmlns:a="http://schemas.openxmlformats.org/drawingml/2006/main" xmlns:r="http://schemas.openxmlformats.org/officeDocument/2006/relationships" xmlns:p="http://schemas.openxmlformats.org/presentationml/2006/main">
   <p:cSld>
     <p:spTree>
@@ -10064,8 +10913,8 @@
           </a:prstGeom>
         </p:spPr>
       </p:pic>
-      <mc:AlternateContent xmlns:mc="http://schemas.openxmlformats.org/markup-compatibility/2006">
-        <mc:Choice xmlns:a14="http://schemas.microsoft.com/office/drawing/2010/main" Requires="a14">
+      <mc:AlternateContent xmlns:mc="http://schemas.openxmlformats.org/markup-compatibility/2006" xmlns:a14="http://schemas.microsoft.com/office/drawing/2010/main">
+        <mc:Choice Requires="a14">
           <p:sp>
             <p:nvSpPr>
               <p:cNvPr id="15" name="ZoneTexte 14">
@@ -10157,7 +11006,7 @@
             </p:txBody>
           </p:sp>
         </mc:Choice>
-        <mc:Fallback>
+        <mc:Fallback xmlns="">
           <p:sp>
             <p:nvSpPr>
               <p:cNvPr id="15" name="ZoneTexte 14">
@@ -10225,7 +11074,7 @@
           <a:p>
             <a:fld id="{A2A60F54-5110-435E-A473-0EC8A1832DD2}" type="slidenum">
               <a:rPr lang="en-US" smtClean="0"/>
-              <a:t>13</a:t>
+              <a:t>15</a:t>
             </a:fld>
             <a:endParaRPr lang="en-US"/>
           </a:p>
@@ -10241,13 +11090,13 @@
   <p:clrMapOvr>
     <a:masterClrMapping/>
   </p:clrMapOvr>
-  <mc:AlternateContent xmlns:mc="http://schemas.openxmlformats.org/markup-compatibility/2006">
-    <mc:Choice xmlns:p159="http://schemas.microsoft.com/office/powerpoint/2015/09/main" Requires="p159">
+  <mc:AlternateContent xmlns:mc="http://schemas.openxmlformats.org/markup-compatibility/2006" xmlns:p159="http://schemas.microsoft.com/office/powerpoint/2015/09/main">
+    <mc:Choice Requires="p159">
       <p:transition xmlns:p14="http://schemas.microsoft.com/office/powerpoint/2010/main" spd="slow" p14:dur="2000">
         <p159:morph option="byObject"/>
       </p:transition>
     </mc:Choice>
-    <mc:Fallback>
+    <mc:Fallback xmlns="">
       <p:transition spd="slow">
         <p:fade/>
       </p:transition>
@@ -10256,7 +11105,7 @@
 </p:sld>
 </file>
 
-<file path=ppt/slides/slide14.xml><?xml version="1.0" encoding="utf-8"?>
+<file path=ppt/slides/slide16.xml><?xml version="1.0" encoding="utf-8"?>
 <p:sld xmlns:a="http://schemas.openxmlformats.org/drawingml/2006/main" xmlns:r="http://schemas.openxmlformats.org/officeDocument/2006/relationships" xmlns:p="http://schemas.openxmlformats.org/presentationml/2006/main">
   <p:cSld>
     <p:spTree>
@@ -10367,8 +11216,8 @@
           </a:prstGeom>
         </p:spPr>
       </p:pic>
-      <mc:AlternateContent xmlns:mc="http://schemas.openxmlformats.org/markup-compatibility/2006">
-        <mc:Choice xmlns:a14="http://schemas.microsoft.com/office/drawing/2010/main" Requires="a14">
+      <mc:AlternateContent xmlns:mc="http://schemas.openxmlformats.org/markup-compatibility/2006" xmlns:a14="http://schemas.microsoft.com/office/drawing/2010/main">
+        <mc:Choice Requires="a14">
           <p:sp>
             <p:nvSpPr>
               <p:cNvPr id="12" name="ZoneTexte 11">
@@ -10460,7 +11309,7 @@
             </p:txBody>
           </p:sp>
         </mc:Choice>
-        <mc:Fallback>
+        <mc:Fallback xmlns="">
           <p:sp>
             <p:nvSpPr>
               <p:cNvPr id="12" name="ZoneTexte 11">
@@ -10558,7 +11407,7 @@
           <a:p>
             <a:fld id="{A2A60F54-5110-435E-A473-0EC8A1832DD2}" type="slidenum">
               <a:rPr lang="en-US" smtClean="0"/>
-              <a:t>14</a:t>
+              <a:t>16</a:t>
             </a:fld>
             <a:endParaRPr lang="en-US"/>
           </a:p>
@@ -10574,13 +11423,13 @@
   <p:clrMapOvr>
     <a:masterClrMapping/>
   </p:clrMapOvr>
-  <mc:AlternateContent xmlns:mc="http://schemas.openxmlformats.org/markup-compatibility/2006">
-    <mc:Choice xmlns:p159="http://schemas.microsoft.com/office/powerpoint/2015/09/main" Requires="p159">
+  <mc:AlternateContent xmlns:mc="http://schemas.openxmlformats.org/markup-compatibility/2006" xmlns:p159="http://schemas.microsoft.com/office/powerpoint/2015/09/main">
+    <mc:Choice Requires="p159">
       <p:transition xmlns:p14="http://schemas.microsoft.com/office/powerpoint/2010/main" spd="slow" p14:dur="2000">
         <p159:morph option="byObject"/>
       </p:transition>
     </mc:Choice>
-    <mc:Fallback>
+    <mc:Fallback xmlns="">
       <p:transition spd="slow">
         <p:fade/>
       </p:transition>
@@ -10589,7 +11438,7 @@
 </p:sld>
 </file>
 
-<file path=ppt/slides/slide15.xml><?xml version="1.0" encoding="utf-8"?>
+<file path=ppt/slides/slide17.xml><?xml version="1.0" encoding="utf-8"?>
 <p:sld xmlns:a="http://schemas.openxmlformats.org/drawingml/2006/main" xmlns:r="http://schemas.openxmlformats.org/officeDocument/2006/relationships" xmlns:p="http://schemas.openxmlformats.org/presentationml/2006/main">
   <p:cSld>
     <p:spTree>
@@ -10875,7 +11724,7 @@
           <a:p>
             <a:fld id="{A2A60F54-5110-435E-A473-0EC8A1832DD2}" type="slidenum">
               <a:rPr lang="en-US" smtClean="0"/>
-              <a:t>15</a:t>
+              <a:t>17</a:t>
             </a:fld>
             <a:endParaRPr lang="en-US"/>
           </a:p>
@@ -10891,13 +11740,13 @@
   <p:clrMapOvr>
     <a:masterClrMapping/>
   </p:clrMapOvr>
-  <mc:AlternateContent xmlns:mc="http://schemas.openxmlformats.org/markup-compatibility/2006">
-    <mc:Choice xmlns:p159="http://schemas.microsoft.com/office/powerpoint/2015/09/main" Requires="p159">
+  <mc:AlternateContent xmlns:mc="http://schemas.openxmlformats.org/markup-compatibility/2006" xmlns:p159="http://schemas.microsoft.com/office/powerpoint/2015/09/main">
+    <mc:Choice Requires="p159">
       <p:transition xmlns:p14="http://schemas.microsoft.com/office/powerpoint/2010/main" spd="slow" p14:dur="2000">
         <p159:morph option="byObject"/>
       </p:transition>
     </mc:Choice>
-    <mc:Fallback>
+    <mc:Fallback xmlns="">
       <p:transition spd="slow">
         <p:fade/>
       </p:transition>
@@ -10906,7 +11755,7 @@
 </p:sld>
 </file>
 
-<file path=ppt/slides/slide16.xml><?xml version="1.0" encoding="utf-8"?>
+<file path=ppt/slides/slide18.xml><?xml version="1.0" encoding="utf-8"?>
 <p:sld xmlns:a="http://schemas.openxmlformats.org/drawingml/2006/main" xmlns:r="http://schemas.openxmlformats.org/officeDocument/2006/relationships" xmlns:p="http://schemas.openxmlformats.org/presentationml/2006/main">
   <p:cSld>
     <p:spTree>
@@ -11666,7 +12515,7 @@
           <a:p>
             <a:fld id="{A2A60F54-5110-435E-A473-0EC8A1832DD2}" type="slidenum">
               <a:rPr lang="en-US" smtClean="0"/>
-              <a:t>16</a:t>
+              <a:t>18</a:t>
             </a:fld>
             <a:endParaRPr lang="en-US"/>
           </a:p>
@@ -11682,13 +12531,13 @@
   <p:clrMapOvr>
     <a:masterClrMapping/>
   </p:clrMapOvr>
-  <mc:AlternateContent xmlns:mc="http://schemas.openxmlformats.org/markup-compatibility/2006">
-    <mc:Choice xmlns:p159="http://schemas.microsoft.com/office/powerpoint/2015/09/main" Requires="p159">
+  <mc:AlternateContent xmlns:mc="http://schemas.openxmlformats.org/markup-compatibility/2006" xmlns:p159="http://schemas.microsoft.com/office/powerpoint/2015/09/main">
+    <mc:Choice Requires="p159">
       <p:transition xmlns:p14="http://schemas.microsoft.com/office/powerpoint/2010/main" spd="slow" p14:dur="2000">
         <p159:morph option="byObject"/>
       </p:transition>
     </mc:Choice>
-    <mc:Fallback>
+    <mc:Fallback xmlns="">
       <p:transition spd="slow">
         <p:fade/>
       </p:transition>
@@ -11697,7 +12546,7 @@
 </p:sld>
 </file>
 
-<file path=ppt/slides/slide17.xml><?xml version="1.0" encoding="utf-8"?>
+<file path=ppt/slides/slide19.xml><?xml version="1.0" encoding="utf-8"?>
 <p:sld xmlns:a="http://schemas.openxmlformats.org/drawingml/2006/main" xmlns:r="http://schemas.openxmlformats.org/officeDocument/2006/relationships" xmlns:p="http://schemas.openxmlformats.org/presentationml/2006/main">
   <p:cSld>
     <p:spTree>
@@ -12808,7 +13657,7 @@
           <a:p>
             <a:fld id="{A2A60F54-5110-435E-A473-0EC8A1832DD2}" type="slidenum">
               <a:rPr lang="en-US" smtClean="0"/>
-              <a:t>17</a:t>
+              <a:t>19</a:t>
             </a:fld>
             <a:endParaRPr lang="en-US"/>
           </a:p>
@@ -12824,13 +13673,13 @@
   <p:clrMapOvr>
     <a:masterClrMapping/>
   </p:clrMapOvr>
-  <mc:AlternateContent xmlns:mc="http://schemas.openxmlformats.org/markup-compatibility/2006">
-    <mc:Choice xmlns:p159="http://schemas.microsoft.com/office/powerpoint/2015/09/main" Requires="p159">
+  <mc:AlternateContent xmlns:mc="http://schemas.openxmlformats.org/markup-compatibility/2006" xmlns:p159="http://schemas.microsoft.com/office/powerpoint/2015/09/main">
+    <mc:Choice Requires="p159">
       <p:transition xmlns:p14="http://schemas.microsoft.com/office/powerpoint/2010/main" spd="slow" p14:dur="2000">
         <p159:morph option="byObject"/>
       </p:transition>
     </mc:Choice>
-    <mc:Fallback>
+    <mc:Fallback xmlns="">
       <p:transition spd="slow">
         <p:fade/>
       </p:transition>
@@ -12839,7 +13688,334 @@
 </p:sld>
 </file>
 
-<file path=ppt/slides/slide18.xml><?xml version="1.0" encoding="utf-8"?>
+<file path=ppt/slides/slide2.xml><?xml version="1.0" encoding="utf-8"?>
+<p:sld xmlns:a="http://schemas.openxmlformats.org/drawingml/2006/main" xmlns:r="http://schemas.openxmlformats.org/officeDocument/2006/relationships" xmlns:p="http://schemas.openxmlformats.org/presentationml/2006/main">
+  <p:cSld>
+    <p:spTree>
+      <p:nvGrpSpPr>
+        <p:cNvPr id="1" name=""/>
+        <p:cNvGrpSpPr/>
+        <p:nvPr/>
+      </p:nvGrpSpPr>
+      <p:grpSpPr>
+        <a:xfrm>
+          <a:off x="0" y="0"/>
+          <a:ext cx="0" cy="0"/>
+          <a:chOff x="0" y="0"/>
+          <a:chExt cx="0" cy="0"/>
+        </a:xfrm>
+      </p:grpSpPr>
+      <p:pic>
+        <p:nvPicPr>
+          <p:cNvPr id="20" name="Image 19">
+            <a:extLst>
+              <a:ext uri="{FF2B5EF4-FFF2-40B4-BE49-F238E27FC236}">
+                <a16:creationId xmlns:a16="http://schemas.microsoft.com/office/drawing/2014/main" id="{5D531566-FB4F-8160-C2FB-A18A7F81CE2E}"/>
+              </a:ext>
+            </a:extLst>
+          </p:cNvPr>
+          <p:cNvPicPr>
+            <a:picLocks noChangeAspect="1"/>
+          </p:cNvPicPr>
+          <p:nvPr/>
+        </p:nvPicPr>
+        <p:blipFill rotWithShape="1">
+          <a:blip r:embed="rId3"/>
+          <a:srcRect r="6843" b="30287"/>
+          <a:stretch/>
+        </p:blipFill>
+        <p:spPr>
+          <a:xfrm>
+            <a:off x="5939554" y="2432631"/>
+            <a:ext cx="6149947" cy="1208664"/>
+          </a:xfrm>
+          <a:prstGeom prst="rect">
+            <a:avLst/>
+          </a:prstGeom>
+        </p:spPr>
+      </p:pic>
+      <p:sp>
+        <p:nvSpPr>
+          <p:cNvPr id="2" name="Titre 1">
+            <a:extLst>
+              <a:ext uri="{FF2B5EF4-FFF2-40B4-BE49-F238E27FC236}">
+                <a16:creationId xmlns:a16="http://schemas.microsoft.com/office/drawing/2014/main" id="{BB32E51E-00AD-696E-CD34-DED1398637AB}"/>
+              </a:ext>
+            </a:extLst>
+          </p:cNvPr>
+          <p:cNvSpPr>
+            <a:spLocks noGrp="1"/>
+          </p:cNvSpPr>
+          <p:nvPr>
+            <p:ph type="title"/>
+          </p:nvPr>
+        </p:nvSpPr>
+        <p:spPr/>
+        <p:txBody>
+          <a:bodyPr/>
+          <a:lstStyle/>
+          <a:p>
+            <a:r>
+              <a:rPr lang="fr-CA" dirty="0"/>
+              <a:t>Les éléments constitutifs d’un programme informatique</a:t>
+            </a:r>
+            <a:endParaRPr lang="en-US" dirty="0"/>
+          </a:p>
+        </p:txBody>
+      </p:sp>
+      <p:sp>
+        <p:nvSpPr>
+          <p:cNvPr id="6" name="Espace réservé du contenu 5">
+            <a:extLst>
+              <a:ext uri="{FF2B5EF4-FFF2-40B4-BE49-F238E27FC236}">
+                <a16:creationId xmlns:a16="http://schemas.microsoft.com/office/drawing/2014/main" id="{22698888-9095-55A5-2C02-547497C9D3E9}"/>
+              </a:ext>
+            </a:extLst>
+          </p:cNvPr>
+          <p:cNvSpPr>
+            <a:spLocks noGrp="1"/>
+          </p:cNvSpPr>
+          <p:nvPr>
+            <p:ph idx="1"/>
+          </p:nvPr>
+        </p:nvSpPr>
+        <p:spPr>
+          <a:xfrm>
+            <a:off x="1097280" y="2298888"/>
+            <a:ext cx="4842274" cy="4023360"/>
+          </a:xfrm>
+        </p:spPr>
+        <p:txBody>
+          <a:bodyPr/>
+          <a:lstStyle/>
+          <a:p>
+            <a:r>
+              <a:rPr lang="fr-CA" sz="2400" dirty="0"/>
+              <a:t>1. Un </a:t>
+            </a:r>
+            <a:r>
+              <a:rPr lang="fr-CA" sz="2400" b="1" dirty="0"/>
+              <a:t>programme</a:t>
+            </a:r>
+            <a:r>
+              <a:rPr lang="fr-CA" sz="2400" dirty="0"/>
+              <a:t> informatique est toujours </a:t>
+            </a:r>
+            <a:r>
+              <a:rPr lang="fr-CA" sz="2400" b="1" dirty="0"/>
+              <a:t>exécuté du haut vers le bas</a:t>
+            </a:r>
+            <a:r>
+              <a:rPr lang="fr-CA" sz="2400" dirty="0"/>
+              <a:t>.</a:t>
+            </a:r>
+          </a:p>
+          <a:p>
+            <a:pPr marL="0" indent="0">
+              <a:buNone/>
+            </a:pPr>
+            <a:endParaRPr lang="en-US" dirty="0"/>
+          </a:p>
+        </p:txBody>
+      </p:sp>
+      <p:sp>
+        <p:nvSpPr>
+          <p:cNvPr id="8" name="Flèche : bas 7">
+            <a:extLst>
+              <a:ext uri="{FF2B5EF4-FFF2-40B4-BE49-F238E27FC236}">
+                <a16:creationId xmlns:a16="http://schemas.microsoft.com/office/drawing/2014/main" id="{3D5C81A2-E38D-F845-6608-107A1A893567}"/>
+              </a:ext>
+            </a:extLst>
+          </p:cNvPr>
+          <p:cNvSpPr/>
+          <p:nvPr/>
+        </p:nvSpPr>
+        <p:spPr>
+          <a:xfrm>
+            <a:off x="5939554" y="2472088"/>
+            <a:ext cx="151051" cy="1129750"/>
+          </a:xfrm>
+          <a:prstGeom prst="downArrow">
+            <a:avLst/>
+          </a:prstGeom>
+          <a:solidFill>
+            <a:srgbClr val="00B050"/>
+          </a:solidFill>
+          <a:ln>
+            <a:solidFill>
+              <a:srgbClr val="92D050"/>
+            </a:solidFill>
+          </a:ln>
+        </p:spPr>
+        <p:style>
+          <a:lnRef idx="2">
+            <a:schemeClr val="accent1">
+              <a:shade val="15000"/>
+            </a:schemeClr>
+          </a:lnRef>
+          <a:fillRef idx="1">
+            <a:schemeClr val="accent1"/>
+          </a:fillRef>
+          <a:effectRef idx="0">
+            <a:schemeClr val="accent1"/>
+          </a:effectRef>
+          <a:fontRef idx="minor">
+            <a:schemeClr val="lt1"/>
+          </a:fontRef>
+        </p:style>
+        <p:txBody>
+          <a:bodyPr rtlCol="0" anchor="ctr"/>
+          <a:lstStyle/>
+          <a:p>
+            <a:pPr algn="ctr"/>
+            <a:endParaRPr lang="en-US"/>
+          </a:p>
+        </p:txBody>
+      </p:sp>
+      <p:sp>
+        <p:nvSpPr>
+          <p:cNvPr id="3" name="Espace réservé du numéro de diapositive 2">
+            <a:extLst>
+              <a:ext uri="{FF2B5EF4-FFF2-40B4-BE49-F238E27FC236}">
+                <a16:creationId xmlns:a16="http://schemas.microsoft.com/office/drawing/2014/main" id="{D37F5555-BDA1-CB44-8AB7-AA35170BD73C}"/>
+              </a:ext>
+            </a:extLst>
+          </p:cNvPr>
+          <p:cNvSpPr>
+            <a:spLocks noGrp="1"/>
+          </p:cNvSpPr>
+          <p:nvPr>
+            <p:ph type="sldNum" sz="quarter" idx="12"/>
+          </p:nvPr>
+        </p:nvSpPr>
+        <p:spPr/>
+        <p:txBody>
+          <a:bodyPr/>
+          <a:lstStyle/>
+          <a:p>
+            <a:fld id="{A2A60F54-5110-435E-A473-0EC8A1832DD2}" type="slidenum">
+              <a:rPr lang="en-US" smtClean="0"/>
+              <a:t>2</a:t>
+            </a:fld>
+            <a:endParaRPr lang="en-US"/>
+          </a:p>
+        </p:txBody>
+      </p:sp>
+    </p:spTree>
+    <p:extLst>
+      <p:ext uri="{BB962C8B-B14F-4D97-AF65-F5344CB8AC3E}">
+        <p14:creationId xmlns:p14="http://schemas.microsoft.com/office/powerpoint/2010/main" val="3812802043"/>
+      </p:ext>
+    </p:extLst>
+  </p:cSld>
+  <p:clrMapOvr>
+    <a:masterClrMapping/>
+  </p:clrMapOvr>
+  <mc:AlternateContent xmlns:mc="http://schemas.openxmlformats.org/markup-compatibility/2006" xmlns:p159="http://schemas.microsoft.com/office/powerpoint/2015/09/main">
+    <mc:Choice Requires="p159">
+      <p:transition xmlns:p14="http://schemas.microsoft.com/office/powerpoint/2010/main" spd="slow" p14:dur="2000">
+        <p159:morph option="byObject"/>
+      </p:transition>
+    </mc:Choice>
+    <mc:Fallback xmlns="">
+      <p:transition spd="slow">
+        <p:fade/>
+      </p:transition>
+    </mc:Fallback>
+  </mc:AlternateContent>
+  <p:timing>
+    <p:tnLst>
+      <p:par>
+        <p:cTn id="1" dur="indefinite" restart="never" nodeType="tmRoot">
+          <p:childTnLst>
+            <p:seq concurrent="1" nextAc="seek">
+              <p:cTn id="2" dur="indefinite" nodeType="mainSeq">
+                <p:childTnLst>
+                  <p:par>
+                    <p:cTn id="3" fill="hold">
+                      <p:stCondLst>
+                        <p:cond delay="indefinite"/>
+                        <p:cond evt="onBegin" delay="0">
+                          <p:tn val="2"/>
+                        </p:cond>
+                      </p:stCondLst>
+                      <p:childTnLst>
+                        <p:par>
+                          <p:cTn id="4" fill="hold">
+                            <p:stCondLst>
+                              <p:cond delay="0"/>
+                            </p:stCondLst>
+                            <p:childTnLst>
+                              <p:par>
+                                <p:cTn id="5" presetID="22" presetClass="entr" presetSubtype="1" fill="hold" grpId="0" nodeType="withEffect">
+                                  <p:stCondLst>
+                                    <p:cond delay="0"/>
+                                  </p:stCondLst>
+                                  <p:childTnLst>
+                                    <p:set>
+                                      <p:cBhvr>
+                                        <p:cTn id="6" dur="1" fill="hold">
+                                          <p:stCondLst>
+                                            <p:cond delay="0"/>
+                                          </p:stCondLst>
+                                        </p:cTn>
+                                        <p:tgtEl>
+                                          <p:spTgt spid="8"/>
+                                        </p:tgtEl>
+                                        <p:attrNameLst>
+                                          <p:attrName>style.visibility</p:attrName>
+                                        </p:attrNameLst>
+                                      </p:cBhvr>
+                                      <p:to>
+                                        <p:strVal val="visible"/>
+                                      </p:to>
+                                    </p:set>
+                                    <p:animEffect transition="in" filter="wipe(up)">
+                                      <p:cBhvr>
+                                        <p:cTn id="7" dur="500"/>
+                                        <p:tgtEl>
+                                          <p:spTgt spid="8"/>
+                                        </p:tgtEl>
+                                      </p:cBhvr>
+                                    </p:animEffect>
+                                  </p:childTnLst>
+                                </p:cTn>
+                              </p:par>
+                            </p:childTnLst>
+                          </p:cTn>
+                        </p:par>
+                      </p:childTnLst>
+                    </p:cTn>
+                  </p:par>
+                </p:childTnLst>
+              </p:cTn>
+              <p:prevCondLst>
+                <p:cond evt="onPrev" delay="0">
+                  <p:tgtEl>
+                    <p:sldTgt/>
+                  </p:tgtEl>
+                </p:cond>
+              </p:prevCondLst>
+              <p:nextCondLst>
+                <p:cond evt="onNext" delay="0">
+                  <p:tgtEl>
+                    <p:sldTgt/>
+                  </p:tgtEl>
+                </p:cond>
+              </p:nextCondLst>
+            </p:seq>
+          </p:childTnLst>
+        </p:cTn>
+      </p:par>
+    </p:tnLst>
+    <p:bldLst>
+      <p:bldP spid="8" grpId="0" animBg="1"/>
+    </p:bldLst>
+  </p:timing>
+</p:sld>
+</file>
+
+<file path=ppt/slides/slide20.xml><?xml version="1.0" encoding="utf-8"?>
 <p:sld xmlns:a="http://schemas.openxmlformats.org/drawingml/2006/main" xmlns:r="http://schemas.openxmlformats.org/officeDocument/2006/relationships" xmlns:p="http://schemas.openxmlformats.org/presentationml/2006/main">
   <p:cSld>
     <p:spTree>
@@ -13689,7 +14865,7 @@
           <a:p>
             <a:fld id="{A2A60F54-5110-435E-A473-0EC8A1832DD2}" type="slidenum">
               <a:rPr lang="en-US" smtClean="0"/>
-              <a:t>18</a:t>
+              <a:t>20</a:t>
             </a:fld>
             <a:endParaRPr lang="en-US"/>
           </a:p>
@@ -13705,13 +14881,13 @@
   <p:clrMapOvr>
     <a:masterClrMapping/>
   </p:clrMapOvr>
-  <mc:AlternateContent xmlns:mc="http://schemas.openxmlformats.org/markup-compatibility/2006">
-    <mc:Choice xmlns:p159="http://schemas.microsoft.com/office/powerpoint/2015/09/main" Requires="p159">
+  <mc:AlternateContent xmlns:mc="http://schemas.openxmlformats.org/markup-compatibility/2006" xmlns:p159="http://schemas.microsoft.com/office/powerpoint/2015/09/main">
+    <mc:Choice Requires="p159">
       <p:transition xmlns:p14="http://schemas.microsoft.com/office/powerpoint/2010/main" spd="slow" p14:dur="2000">
         <p159:morph option="byObject"/>
       </p:transition>
     </mc:Choice>
-    <mc:Fallback>
+    <mc:Fallback xmlns="">
       <p:transition spd="slow">
         <p:fade/>
       </p:transition>
@@ -13720,7 +14896,7 @@
 </p:sld>
 </file>
 
-<file path=ppt/slides/slide19.xml><?xml version="1.0" encoding="utf-8"?>
+<file path=ppt/slides/slide21.xml><?xml version="1.0" encoding="utf-8"?>
 <p:sld xmlns:a="http://schemas.openxmlformats.org/drawingml/2006/main" xmlns:r="http://schemas.openxmlformats.org/officeDocument/2006/relationships" xmlns:p="http://schemas.openxmlformats.org/presentationml/2006/main">
   <p:cSld>
     <p:spTree>
@@ -14369,7 +15545,7 @@
           <a:p>
             <a:fld id="{A2A60F54-5110-435E-A473-0EC8A1832DD2}" type="slidenum">
               <a:rPr lang="en-US" smtClean="0"/>
-              <a:t>19</a:t>
+              <a:t>21</a:t>
             </a:fld>
             <a:endParaRPr lang="en-US"/>
           </a:p>
@@ -14379,244 +15555,6 @@
     <p:extLst>
       <p:ext uri="{BB962C8B-B14F-4D97-AF65-F5344CB8AC3E}">
         <p14:creationId xmlns:p14="http://schemas.microsoft.com/office/powerpoint/2010/main" val="2579776282"/>
-      </p:ext>
-    </p:extLst>
-  </p:cSld>
-  <p:clrMapOvr>
-    <a:masterClrMapping/>
-  </p:clrMapOvr>
-  <mc:AlternateContent xmlns:mc="http://schemas.openxmlformats.org/markup-compatibility/2006">
-    <mc:Choice xmlns:p159="http://schemas.microsoft.com/office/powerpoint/2015/09/main" Requires="p159">
-      <p:transition xmlns:p14="http://schemas.microsoft.com/office/powerpoint/2010/main" spd="slow" p14:dur="2000">
-        <p159:morph option="byObject"/>
-      </p:transition>
-    </mc:Choice>
-    <mc:Fallback>
-      <p:transition spd="slow">
-        <p:fade/>
-      </p:transition>
-    </mc:Fallback>
-  </mc:AlternateContent>
-</p:sld>
-</file>
-
-<file path=ppt/slides/slide2.xml><?xml version="1.0" encoding="utf-8"?>
-<p:sld xmlns:a="http://schemas.openxmlformats.org/drawingml/2006/main" xmlns:r="http://schemas.openxmlformats.org/officeDocument/2006/relationships" xmlns:p="http://schemas.openxmlformats.org/presentationml/2006/main">
-  <p:cSld>
-    <p:spTree>
-      <p:nvGrpSpPr>
-        <p:cNvPr id="1" name=""/>
-        <p:cNvGrpSpPr/>
-        <p:nvPr/>
-      </p:nvGrpSpPr>
-      <p:grpSpPr>
-        <a:xfrm>
-          <a:off x="0" y="0"/>
-          <a:ext cx="0" cy="0"/>
-          <a:chOff x="0" y="0"/>
-          <a:chExt cx="0" cy="0"/>
-        </a:xfrm>
-      </p:grpSpPr>
-      <p:pic>
-        <p:nvPicPr>
-          <p:cNvPr id="20" name="Image 19">
-            <a:extLst>
-              <a:ext uri="{FF2B5EF4-FFF2-40B4-BE49-F238E27FC236}">
-                <a16:creationId xmlns:a16="http://schemas.microsoft.com/office/drawing/2014/main" id="{5D531566-FB4F-8160-C2FB-A18A7F81CE2E}"/>
-              </a:ext>
-            </a:extLst>
-          </p:cNvPr>
-          <p:cNvPicPr>
-            <a:picLocks noChangeAspect="1"/>
-          </p:cNvPicPr>
-          <p:nvPr/>
-        </p:nvPicPr>
-        <p:blipFill rotWithShape="1">
-          <a:blip r:embed="rId3"/>
-          <a:srcRect r="6843" b="30287"/>
-          <a:stretch/>
-        </p:blipFill>
-        <p:spPr>
-          <a:xfrm>
-            <a:off x="5939554" y="2432631"/>
-            <a:ext cx="6149947" cy="1208664"/>
-          </a:xfrm>
-          <a:prstGeom prst="rect">
-            <a:avLst/>
-          </a:prstGeom>
-        </p:spPr>
-      </p:pic>
-      <p:sp>
-        <p:nvSpPr>
-          <p:cNvPr id="2" name="Titre 1">
-            <a:extLst>
-              <a:ext uri="{FF2B5EF4-FFF2-40B4-BE49-F238E27FC236}">
-                <a16:creationId xmlns:a16="http://schemas.microsoft.com/office/drawing/2014/main" id="{BB32E51E-00AD-696E-CD34-DED1398637AB}"/>
-              </a:ext>
-            </a:extLst>
-          </p:cNvPr>
-          <p:cNvSpPr>
-            <a:spLocks noGrp="1"/>
-          </p:cNvSpPr>
-          <p:nvPr>
-            <p:ph type="title"/>
-          </p:nvPr>
-        </p:nvSpPr>
-        <p:spPr/>
-        <p:txBody>
-          <a:bodyPr/>
-          <a:lstStyle/>
-          <a:p>
-            <a:r>
-              <a:rPr lang="fr-CA" dirty="0"/>
-              <a:t>Les éléments constitutifs d’un programme informatique</a:t>
-            </a:r>
-            <a:endParaRPr lang="en-US" dirty="0"/>
-          </a:p>
-        </p:txBody>
-      </p:sp>
-      <p:sp>
-        <p:nvSpPr>
-          <p:cNvPr id="6" name="Espace réservé du contenu 5">
-            <a:extLst>
-              <a:ext uri="{FF2B5EF4-FFF2-40B4-BE49-F238E27FC236}">
-                <a16:creationId xmlns:a16="http://schemas.microsoft.com/office/drawing/2014/main" id="{22698888-9095-55A5-2C02-547497C9D3E9}"/>
-              </a:ext>
-            </a:extLst>
-          </p:cNvPr>
-          <p:cNvSpPr>
-            <a:spLocks noGrp="1"/>
-          </p:cNvSpPr>
-          <p:nvPr>
-            <p:ph idx="1"/>
-          </p:nvPr>
-        </p:nvSpPr>
-        <p:spPr>
-          <a:xfrm>
-            <a:off x="1097280" y="2298888"/>
-            <a:ext cx="4842274" cy="4023360"/>
-          </a:xfrm>
-        </p:spPr>
-        <p:txBody>
-          <a:bodyPr/>
-          <a:lstStyle/>
-          <a:p>
-            <a:r>
-              <a:rPr lang="fr-CA" sz="2400" dirty="0"/>
-              <a:t>1. Un </a:t>
-            </a:r>
-            <a:r>
-              <a:rPr lang="fr-CA" sz="2400" b="1" dirty="0"/>
-              <a:t>programme</a:t>
-            </a:r>
-            <a:r>
-              <a:rPr lang="fr-CA" sz="2400" dirty="0"/>
-              <a:t> informatique est toujours </a:t>
-            </a:r>
-            <a:r>
-              <a:rPr lang="fr-CA" sz="2400" b="1" dirty="0"/>
-              <a:t>exécuté du haut vers le bas</a:t>
-            </a:r>
-            <a:r>
-              <a:rPr lang="fr-CA" sz="2400" dirty="0"/>
-              <a:t>.</a:t>
-            </a:r>
-          </a:p>
-          <a:p>
-            <a:pPr marL="0" indent="0">
-              <a:buNone/>
-            </a:pPr>
-            <a:endParaRPr lang="en-US" dirty="0"/>
-          </a:p>
-        </p:txBody>
-      </p:sp>
-      <p:sp>
-        <p:nvSpPr>
-          <p:cNvPr id="8" name="Flèche : bas 7">
-            <a:extLst>
-              <a:ext uri="{FF2B5EF4-FFF2-40B4-BE49-F238E27FC236}">
-                <a16:creationId xmlns:a16="http://schemas.microsoft.com/office/drawing/2014/main" id="{3D5C81A2-E38D-F845-6608-107A1A893567}"/>
-              </a:ext>
-            </a:extLst>
-          </p:cNvPr>
-          <p:cNvSpPr/>
-          <p:nvPr/>
-        </p:nvSpPr>
-        <p:spPr>
-          <a:xfrm>
-            <a:off x="5939554" y="2472088"/>
-            <a:ext cx="151051" cy="1129750"/>
-          </a:xfrm>
-          <a:prstGeom prst="downArrow">
-            <a:avLst/>
-          </a:prstGeom>
-          <a:solidFill>
-            <a:srgbClr val="00B050"/>
-          </a:solidFill>
-          <a:ln>
-            <a:solidFill>
-              <a:srgbClr val="92D050"/>
-            </a:solidFill>
-          </a:ln>
-        </p:spPr>
-        <p:style>
-          <a:lnRef idx="2">
-            <a:schemeClr val="accent1">
-              <a:shade val="15000"/>
-            </a:schemeClr>
-          </a:lnRef>
-          <a:fillRef idx="1">
-            <a:schemeClr val="accent1"/>
-          </a:fillRef>
-          <a:effectRef idx="0">
-            <a:schemeClr val="accent1"/>
-          </a:effectRef>
-          <a:fontRef idx="minor">
-            <a:schemeClr val="lt1"/>
-          </a:fontRef>
-        </p:style>
-        <p:txBody>
-          <a:bodyPr rtlCol="0" anchor="ctr"/>
-          <a:lstStyle/>
-          <a:p>
-            <a:pPr algn="ctr"/>
-            <a:endParaRPr lang="en-US"/>
-          </a:p>
-        </p:txBody>
-      </p:sp>
-      <p:sp>
-        <p:nvSpPr>
-          <p:cNvPr id="3" name="Espace réservé du numéro de diapositive 2">
-            <a:extLst>
-              <a:ext uri="{FF2B5EF4-FFF2-40B4-BE49-F238E27FC236}">
-                <a16:creationId xmlns:a16="http://schemas.microsoft.com/office/drawing/2014/main" id="{D37F5555-BDA1-CB44-8AB7-AA35170BD73C}"/>
-              </a:ext>
-            </a:extLst>
-          </p:cNvPr>
-          <p:cNvSpPr>
-            <a:spLocks noGrp="1"/>
-          </p:cNvSpPr>
-          <p:nvPr>
-            <p:ph type="sldNum" sz="quarter" idx="12"/>
-          </p:nvPr>
-        </p:nvSpPr>
-        <p:spPr/>
-        <p:txBody>
-          <a:bodyPr/>
-          <a:lstStyle/>
-          <a:p>
-            <a:fld id="{A2A60F54-5110-435E-A473-0EC8A1832DD2}" type="slidenum">
-              <a:rPr lang="en-US" smtClean="0"/>
-              <a:t>2</a:t>
-            </a:fld>
-            <a:endParaRPr lang="en-US"/>
-          </a:p>
-        </p:txBody>
-      </p:sp>
-    </p:spTree>
-    <p:extLst>
-      <p:ext uri="{BB962C8B-B14F-4D97-AF65-F5344CB8AC3E}">
-        <p14:creationId xmlns:p14="http://schemas.microsoft.com/office/powerpoint/2010/main" val="3812802043"/>
       </p:ext>
     </p:extLst>
   </p:cSld>
@@ -14635,99 +15573,10 @@
       </p:transition>
     </mc:Fallback>
   </mc:AlternateContent>
-  <p:timing>
-    <p:tnLst>
-      <p:par>
-        <p:cTn id="1" dur="indefinite" restart="never" nodeType="tmRoot">
-          <p:childTnLst>
-            <p:seq concurrent="1" nextAc="seek">
-              <p:cTn id="2" dur="indefinite" nodeType="mainSeq">
-                <p:childTnLst>
-                  <p:par>
-                    <p:cTn id="3" fill="hold">
-                      <p:stCondLst>
-                        <p:cond delay="indefinite"/>
-                        <p:cond evt="onBegin" delay="0">
-                          <p:tn val="2"/>
-                        </p:cond>
-                      </p:stCondLst>
-                      <p:childTnLst>
-                        <p:par>
-                          <p:cTn id="4" fill="hold">
-                            <p:stCondLst>
-                              <p:cond delay="0"/>
-                            </p:stCondLst>
-                            <p:childTnLst>
-                              <p:par>
-                                <p:cTn id="5" presetID="22" presetClass="entr" presetSubtype="1" fill="hold" grpId="0" nodeType="withEffect">
-                                  <p:stCondLst>
-                                    <p:cond delay="0"/>
-                                  </p:stCondLst>
-                                  <p:childTnLst>
-                                    <p:set>
-                                      <p:cBhvr>
-                                        <p:cTn id="6" dur="1" fill="hold">
-                                          <p:stCondLst>
-                                            <p:cond delay="0"/>
-                                          </p:stCondLst>
-                                        </p:cTn>
-                                        <p:tgtEl>
-                                          <p:spTgt spid="8"/>
-                                        </p:tgtEl>
-                                        <p:attrNameLst>
-                                          <p:attrName>style.visibility</p:attrName>
-                                        </p:attrNameLst>
-                                      </p:cBhvr>
-                                      <p:to>
-                                        <p:strVal val="visible"/>
-                                      </p:to>
-                                    </p:set>
-                                    <p:animEffect transition="in" filter="wipe(up)">
-                                      <p:cBhvr>
-                                        <p:cTn id="7" dur="500"/>
-                                        <p:tgtEl>
-                                          <p:spTgt spid="8"/>
-                                        </p:tgtEl>
-                                      </p:cBhvr>
-                                    </p:animEffect>
-                                  </p:childTnLst>
-                                </p:cTn>
-                              </p:par>
-                            </p:childTnLst>
-                          </p:cTn>
-                        </p:par>
-                      </p:childTnLst>
-                    </p:cTn>
-                  </p:par>
-                </p:childTnLst>
-              </p:cTn>
-              <p:prevCondLst>
-                <p:cond evt="onPrev" delay="0">
-                  <p:tgtEl>
-                    <p:sldTgt/>
-                  </p:tgtEl>
-                </p:cond>
-              </p:prevCondLst>
-              <p:nextCondLst>
-                <p:cond evt="onNext" delay="0">
-                  <p:tgtEl>
-                    <p:sldTgt/>
-                  </p:tgtEl>
-                </p:cond>
-              </p:nextCondLst>
-            </p:seq>
-          </p:childTnLst>
-        </p:cTn>
-      </p:par>
-    </p:tnLst>
-    <p:bldLst>
-      <p:bldP spid="8" grpId="0" animBg="1"/>
-    </p:bldLst>
-  </p:timing>
 </p:sld>
 </file>
 
-<file path=ppt/slides/slide20.xml><?xml version="1.0" encoding="utf-8"?>
+<file path=ppt/slides/slide22.xml><?xml version="1.0" encoding="utf-8"?>
 <p:sld xmlns:a="http://schemas.openxmlformats.org/drawingml/2006/main" xmlns:r="http://schemas.openxmlformats.org/officeDocument/2006/relationships" xmlns:p="http://schemas.openxmlformats.org/presentationml/2006/main">
   <p:cSld>
     <p:spTree>
@@ -15163,7 +16012,7 @@
           <a:p>
             <a:fld id="{A2A60F54-5110-435E-A473-0EC8A1832DD2}" type="slidenum">
               <a:rPr lang="en-US" smtClean="0"/>
-              <a:t>20</a:t>
+              <a:t>22</a:t>
             </a:fld>
             <a:endParaRPr lang="en-US"/>
           </a:p>
@@ -15179,13 +16028,13 @@
   <p:clrMapOvr>
     <a:masterClrMapping/>
   </p:clrMapOvr>
-  <mc:AlternateContent xmlns:mc="http://schemas.openxmlformats.org/markup-compatibility/2006">
-    <mc:Choice xmlns:p159="http://schemas.microsoft.com/office/powerpoint/2015/09/main" Requires="p159">
+  <mc:AlternateContent xmlns:mc="http://schemas.openxmlformats.org/markup-compatibility/2006" xmlns:p159="http://schemas.microsoft.com/office/powerpoint/2015/09/main">
+    <mc:Choice Requires="p159">
       <p:transition xmlns:p14="http://schemas.microsoft.com/office/powerpoint/2010/main" spd="slow" p14:dur="2000">
         <p159:morph option="byObject"/>
       </p:transition>
     </mc:Choice>
-    <mc:Fallback>
+    <mc:Fallback xmlns="">
       <p:transition spd="slow">
         <p:fade/>
       </p:transition>
@@ -15194,7 +16043,7 @@
 </p:sld>
 </file>
 
-<file path=ppt/slides/slide21.xml><?xml version="1.0" encoding="utf-8"?>
+<file path=ppt/slides/slide23.xml><?xml version="1.0" encoding="utf-8"?>
 <p:sld xmlns:a="http://schemas.openxmlformats.org/drawingml/2006/main" xmlns:r="http://schemas.openxmlformats.org/officeDocument/2006/relationships" xmlns:p="http://schemas.openxmlformats.org/presentationml/2006/main">
   <p:cSld>
     <p:spTree>
@@ -16393,7 +17242,7 @@
           <a:p>
             <a:fld id="{A2A60F54-5110-435E-A473-0EC8A1832DD2}" type="slidenum">
               <a:rPr lang="en-US" smtClean="0"/>
-              <a:t>21</a:t>
+              <a:t>23</a:t>
             </a:fld>
             <a:endParaRPr lang="en-US"/>
           </a:p>
@@ -16409,13 +17258,13 @@
   <p:clrMapOvr>
     <a:masterClrMapping/>
   </p:clrMapOvr>
-  <mc:AlternateContent xmlns:mc="http://schemas.openxmlformats.org/markup-compatibility/2006">
-    <mc:Choice xmlns:p159="http://schemas.microsoft.com/office/powerpoint/2015/09/main" Requires="p159">
+  <mc:AlternateContent xmlns:mc="http://schemas.openxmlformats.org/markup-compatibility/2006" xmlns:p159="http://schemas.microsoft.com/office/powerpoint/2015/09/main">
+    <mc:Choice Requires="p159">
       <p:transition xmlns:p14="http://schemas.microsoft.com/office/powerpoint/2010/main" spd="slow" p14:dur="2000">
         <p159:morph option="byObject"/>
       </p:transition>
     </mc:Choice>
-    <mc:Fallback>
+    <mc:Fallback xmlns="">
       <p:transition spd="slow">
         <p:fade/>
       </p:transition>
@@ -16424,7 +17273,335 @@
 </p:sld>
 </file>
 
-<file path=ppt/slides/slide22.xml><?xml version="1.0" encoding="utf-8"?>
+<file path=ppt/slides/slide24.xml><?xml version="1.0" encoding="utf-8"?>
+<p:sld xmlns:a="http://schemas.openxmlformats.org/drawingml/2006/main" xmlns:r="http://schemas.openxmlformats.org/officeDocument/2006/relationships" xmlns:p="http://schemas.openxmlformats.org/presentationml/2006/main">
+  <p:cSld>
+    <p:spTree>
+      <p:nvGrpSpPr>
+        <p:cNvPr id="1" name=""/>
+        <p:cNvGrpSpPr/>
+        <p:nvPr/>
+      </p:nvGrpSpPr>
+      <p:grpSpPr>
+        <a:xfrm>
+          <a:off x="0" y="0"/>
+          <a:ext cx="0" cy="0"/>
+          <a:chOff x="0" y="0"/>
+          <a:chExt cx="0" cy="0"/>
+        </a:xfrm>
+      </p:grpSpPr>
+      <p:pic>
+        <p:nvPicPr>
+          <p:cNvPr id="6" name="Image 5">
+            <a:extLst>
+              <a:ext uri="{FF2B5EF4-FFF2-40B4-BE49-F238E27FC236}">
+                <a16:creationId xmlns:a16="http://schemas.microsoft.com/office/drawing/2014/main" id="{A47B5F2A-E704-A5B7-161C-37F9CFA55A21}"/>
+              </a:ext>
+            </a:extLst>
+          </p:cNvPr>
+          <p:cNvPicPr>
+            <a:picLocks noChangeAspect="1"/>
+          </p:cNvPicPr>
+          <p:nvPr/>
+        </p:nvPicPr>
+        <p:blipFill>
+          <a:blip r:embed="rId3"/>
+          <a:stretch>
+            <a:fillRect/>
+          </a:stretch>
+        </p:blipFill>
+        <p:spPr>
+          <a:xfrm>
+            <a:off x="3075129" y="2767465"/>
+            <a:ext cx="7724471" cy="1512277"/>
+          </a:xfrm>
+          <a:prstGeom prst="rect">
+            <a:avLst/>
+          </a:prstGeom>
+        </p:spPr>
+      </p:pic>
+      <p:sp>
+        <p:nvSpPr>
+          <p:cNvPr id="2" name="Titre 1">
+            <a:extLst>
+              <a:ext uri="{FF2B5EF4-FFF2-40B4-BE49-F238E27FC236}">
+                <a16:creationId xmlns:a16="http://schemas.microsoft.com/office/drawing/2014/main" id="{7D5BB864-7BA5-53D6-CBFA-32B3875B8D7C}"/>
+              </a:ext>
+            </a:extLst>
+          </p:cNvPr>
+          <p:cNvSpPr>
+            <a:spLocks noGrp="1"/>
+          </p:cNvSpPr>
+          <p:nvPr>
+            <p:ph type="title"/>
+          </p:nvPr>
+        </p:nvSpPr>
+        <p:spPr/>
+        <p:txBody>
+          <a:bodyPr/>
+          <a:lstStyle/>
+          <a:p>
+            <a:r>
+              <a:rPr lang="fr-CA" dirty="0"/>
+              <a:t>La fonction input()</a:t>
+            </a:r>
+            <a:endParaRPr lang="en-US" dirty="0"/>
+          </a:p>
+        </p:txBody>
+      </p:sp>
+      <p:sp>
+        <p:nvSpPr>
+          <p:cNvPr id="3" name="Espace réservé du contenu 2">
+            <a:extLst>
+              <a:ext uri="{FF2B5EF4-FFF2-40B4-BE49-F238E27FC236}">
+                <a16:creationId xmlns:a16="http://schemas.microsoft.com/office/drawing/2014/main" id="{3A5C2E54-7DB2-EBF3-9D2B-D65219435956}"/>
+              </a:ext>
+            </a:extLst>
+          </p:cNvPr>
+          <p:cNvSpPr>
+            <a:spLocks noGrp="1"/>
+          </p:cNvSpPr>
+          <p:nvPr>
+            <p:ph idx="1"/>
+          </p:nvPr>
+        </p:nvSpPr>
+        <p:spPr/>
+        <p:txBody>
+          <a:bodyPr>
+            <a:normAutofit/>
+          </a:bodyPr>
+          <a:lstStyle/>
+          <a:p>
+            <a:r>
+              <a:rPr lang="fr-FR" sz="2400" dirty="0">
+                <a:solidFill>
+                  <a:srgbClr val="000000"/>
+                </a:solidFill>
+                <a:effectLst/>
+              </a:rPr>
+              <a:t>Vous pouvez également </a:t>
+            </a:r>
+            <a:r>
+              <a:rPr lang="fr-FR" sz="2400" b="1" dirty="0">
+                <a:solidFill>
+                  <a:srgbClr val="000000"/>
+                </a:solidFill>
+                <a:effectLst/>
+              </a:rPr>
+              <a:t>demander aux utilisateurs d’entrer une valeur </a:t>
+            </a:r>
+            <a:r>
+              <a:rPr lang="fr-FR" sz="2400" dirty="0">
+                <a:solidFill>
+                  <a:srgbClr val="000000"/>
+                </a:solidFill>
+                <a:effectLst/>
+              </a:rPr>
+              <a:t>et lui </a:t>
+            </a:r>
+            <a:r>
+              <a:rPr lang="fr-FR" sz="2400" b="1" dirty="0">
+                <a:solidFill>
+                  <a:srgbClr val="000000"/>
+                </a:solidFill>
+                <a:effectLst/>
+              </a:rPr>
+              <a:t>donner le bon type</a:t>
+            </a:r>
+            <a:r>
+              <a:rPr lang="fr-FR" sz="2400" dirty="0">
+                <a:solidFill>
+                  <a:srgbClr val="000000"/>
+                </a:solidFill>
+                <a:effectLst/>
+              </a:rPr>
+              <a:t>.</a:t>
+            </a:r>
+            <a:endParaRPr lang="en-US" sz="2400" dirty="0"/>
+          </a:p>
+        </p:txBody>
+      </p:sp>
+      <p:sp>
+        <p:nvSpPr>
+          <p:cNvPr id="10" name="Flèche : angle droit 9">
+            <a:extLst>
+              <a:ext uri="{FF2B5EF4-FFF2-40B4-BE49-F238E27FC236}">
+                <a16:creationId xmlns:a16="http://schemas.microsoft.com/office/drawing/2014/main" id="{AAA4D628-2FC7-B40D-C03C-43BDA2998749}"/>
+              </a:ext>
+            </a:extLst>
+          </p:cNvPr>
+          <p:cNvSpPr/>
+          <p:nvPr/>
+        </p:nvSpPr>
+        <p:spPr>
+          <a:xfrm rot="10800000">
+            <a:off x="2425202" y="2921912"/>
+            <a:ext cx="993010" cy="2480220"/>
+          </a:xfrm>
+          <a:prstGeom prst="bentUpArrow">
+            <a:avLst>
+              <a:gd name="adj1" fmla="val 8780"/>
+              <a:gd name="adj2" fmla="val 25000"/>
+              <a:gd name="adj3" fmla="val 25000"/>
+            </a:avLst>
+          </a:prstGeom>
+        </p:spPr>
+        <p:style>
+          <a:lnRef idx="2">
+            <a:schemeClr val="accent1">
+              <a:shade val="15000"/>
+            </a:schemeClr>
+          </a:lnRef>
+          <a:fillRef idx="1">
+            <a:schemeClr val="accent1"/>
+          </a:fillRef>
+          <a:effectRef idx="0">
+            <a:schemeClr val="accent1"/>
+          </a:effectRef>
+          <a:fontRef idx="minor">
+            <a:schemeClr val="lt1"/>
+          </a:fontRef>
+        </p:style>
+        <p:txBody>
+          <a:bodyPr rtlCol="0" anchor="ctr"/>
+          <a:lstStyle/>
+          <a:p>
+            <a:pPr algn="ctr"/>
+            <a:endParaRPr lang="en-US"/>
+          </a:p>
+        </p:txBody>
+      </p:sp>
+      <p:sp>
+        <p:nvSpPr>
+          <p:cNvPr id="12" name="Espace réservé du numéro de diapositive 11">
+            <a:extLst>
+              <a:ext uri="{FF2B5EF4-FFF2-40B4-BE49-F238E27FC236}">
+                <a16:creationId xmlns:a16="http://schemas.microsoft.com/office/drawing/2014/main" id="{19D9CD0E-54C8-C461-4483-59B8E7C32C68}"/>
+              </a:ext>
+            </a:extLst>
+          </p:cNvPr>
+          <p:cNvSpPr>
+            <a:spLocks noGrp="1"/>
+          </p:cNvSpPr>
+          <p:nvPr>
+            <p:ph type="sldNum" sz="quarter" idx="12"/>
+          </p:nvPr>
+        </p:nvSpPr>
+        <p:spPr/>
+        <p:txBody>
+          <a:bodyPr/>
+          <a:lstStyle/>
+          <a:p>
+            <a:fld id="{A2A60F54-5110-435E-A473-0EC8A1832DD2}" type="slidenum">
+              <a:rPr lang="en-US" smtClean="0"/>
+              <a:t>24</a:t>
+            </a:fld>
+            <a:endParaRPr lang="en-US"/>
+          </a:p>
+        </p:txBody>
+      </p:sp>
+      <p:pic>
+        <p:nvPicPr>
+          <p:cNvPr id="8" name="Image 7">
+            <a:extLst>
+              <a:ext uri="{FF2B5EF4-FFF2-40B4-BE49-F238E27FC236}">
+                <a16:creationId xmlns:a16="http://schemas.microsoft.com/office/drawing/2014/main" id="{309FF79E-A632-51B0-4FC9-8CB108634A41}"/>
+              </a:ext>
+            </a:extLst>
+          </p:cNvPr>
+          <p:cNvPicPr>
+            <a:picLocks noChangeAspect="1"/>
+          </p:cNvPicPr>
+          <p:nvPr/>
+        </p:nvPicPr>
+        <p:blipFill>
+          <a:blip r:embed="rId4"/>
+          <a:stretch>
+            <a:fillRect/>
+          </a:stretch>
+        </p:blipFill>
+        <p:spPr>
+          <a:xfrm>
+            <a:off x="2244682" y="5439673"/>
+            <a:ext cx="5621502" cy="858841"/>
+          </a:xfrm>
+          <a:prstGeom prst="rect">
+            <a:avLst/>
+          </a:prstGeom>
+        </p:spPr>
+      </p:pic>
+      <p:sp>
+        <p:nvSpPr>
+          <p:cNvPr id="11" name="Flèche : bas 10">
+            <a:extLst>
+              <a:ext uri="{FF2B5EF4-FFF2-40B4-BE49-F238E27FC236}">
+                <a16:creationId xmlns:a16="http://schemas.microsoft.com/office/drawing/2014/main" id="{37499E82-9239-B55B-E5FE-7ECE6C20A139}"/>
+              </a:ext>
+            </a:extLst>
+          </p:cNvPr>
+          <p:cNvSpPr/>
+          <p:nvPr/>
+        </p:nvSpPr>
+        <p:spPr>
+          <a:xfrm>
+            <a:off x="4501662" y="2368062"/>
+            <a:ext cx="550984" cy="529229"/>
+          </a:xfrm>
+          <a:prstGeom prst="downArrow">
+            <a:avLst/>
+          </a:prstGeom>
+        </p:spPr>
+        <p:style>
+          <a:lnRef idx="2">
+            <a:schemeClr val="accent1">
+              <a:shade val="15000"/>
+            </a:schemeClr>
+          </a:lnRef>
+          <a:fillRef idx="1">
+            <a:schemeClr val="accent1"/>
+          </a:fillRef>
+          <a:effectRef idx="0">
+            <a:schemeClr val="accent1"/>
+          </a:effectRef>
+          <a:fontRef idx="minor">
+            <a:schemeClr val="lt1"/>
+          </a:fontRef>
+        </p:style>
+        <p:txBody>
+          <a:bodyPr rtlCol="0" anchor="ctr"/>
+          <a:lstStyle/>
+          <a:p>
+            <a:pPr algn="ctr"/>
+            <a:endParaRPr lang="en-US"/>
+          </a:p>
+        </p:txBody>
+      </p:sp>
+    </p:spTree>
+    <p:extLst>
+      <p:ext uri="{BB962C8B-B14F-4D97-AF65-F5344CB8AC3E}">
+        <p14:creationId xmlns:p14="http://schemas.microsoft.com/office/powerpoint/2010/main" val="1584518207"/>
+      </p:ext>
+    </p:extLst>
+  </p:cSld>
+  <p:clrMapOvr>
+    <a:masterClrMapping/>
+  </p:clrMapOvr>
+  <mc:AlternateContent xmlns:mc="http://schemas.openxmlformats.org/markup-compatibility/2006" xmlns:p159="http://schemas.microsoft.com/office/powerpoint/2015/09/main">
+    <mc:Choice Requires="p159">
+      <p:transition xmlns:p14="http://schemas.microsoft.com/office/powerpoint/2010/main" spd="slow" p14:dur="2000">
+        <p159:morph option="byObject"/>
+      </p:transition>
+    </mc:Choice>
+    <mc:Fallback xmlns="">
+      <p:transition spd="slow">
+        <p:fade/>
+      </p:transition>
+    </mc:Fallback>
+  </mc:AlternateContent>
+</p:sld>
+</file>
+
+<file path=ppt/slides/slide25.xml><?xml version="1.0" encoding="utf-8"?>
 <p:sld xmlns:a="http://schemas.openxmlformats.org/drawingml/2006/main" xmlns:r="http://schemas.openxmlformats.org/officeDocument/2006/relationships" xmlns:p="http://schemas.openxmlformats.org/presentationml/2006/main">
   <p:cSld>
     <p:spTree>
@@ -16969,7 +18146,7 @@
           <a:p>
             <a:fld id="{A2A60F54-5110-435E-A473-0EC8A1832DD2}" type="slidenum">
               <a:rPr lang="en-US" smtClean="0"/>
-              <a:t>22</a:t>
+              <a:t>25</a:t>
             </a:fld>
             <a:endParaRPr lang="en-US"/>
           </a:p>
@@ -16985,13 +18162,13 @@
   <p:clrMapOvr>
     <a:masterClrMapping/>
   </p:clrMapOvr>
-  <mc:AlternateContent xmlns:mc="http://schemas.openxmlformats.org/markup-compatibility/2006">
-    <mc:Choice xmlns:p159="http://schemas.microsoft.com/office/powerpoint/2015/09/main" Requires="p159">
+  <mc:AlternateContent xmlns:mc="http://schemas.openxmlformats.org/markup-compatibility/2006" xmlns:p159="http://schemas.microsoft.com/office/powerpoint/2015/09/main">
+    <mc:Choice Requires="p159">
       <p:transition xmlns:p14="http://schemas.microsoft.com/office/powerpoint/2010/main" spd="slow" p14:dur="2000">
         <p159:morph option="byObject"/>
       </p:transition>
     </mc:Choice>
-    <mc:Fallback>
+    <mc:Fallback xmlns="">
       <p:transition spd="slow">
         <p:fade/>
       </p:transition>
@@ -17000,7 +18177,7 @@
 </p:sld>
 </file>
 
-<file path=ppt/slides/slide23.xml><?xml version="1.0" encoding="utf-8"?>
+<file path=ppt/slides/slide26.xml><?xml version="1.0" encoding="utf-8"?>
 <p:sld xmlns:a="http://schemas.openxmlformats.org/drawingml/2006/main" xmlns:r="http://schemas.openxmlformats.org/officeDocument/2006/relationships" xmlns:p="http://schemas.openxmlformats.org/presentationml/2006/main">
   <p:cSld>
     <p:spTree>
@@ -17794,7 +18971,7 @@
           <a:p>
             <a:fld id="{A2A60F54-5110-435E-A473-0EC8A1832DD2}" type="slidenum">
               <a:rPr lang="en-US" smtClean="0"/>
-              <a:t>23</a:t>
+              <a:t>26</a:t>
             </a:fld>
             <a:endParaRPr lang="en-US"/>
           </a:p>
@@ -17810,13 +18987,13 @@
   <p:clrMapOvr>
     <a:masterClrMapping/>
   </p:clrMapOvr>
-  <mc:AlternateContent xmlns:mc="http://schemas.openxmlformats.org/markup-compatibility/2006">
-    <mc:Choice xmlns:p159="http://schemas.microsoft.com/office/powerpoint/2015/09/main" Requires="p159">
+  <mc:AlternateContent xmlns:mc="http://schemas.openxmlformats.org/markup-compatibility/2006" xmlns:p159="http://schemas.microsoft.com/office/powerpoint/2015/09/main">
+    <mc:Choice Requires="p159">
       <p:transition xmlns:p14="http://schemas.microsoft.com/office/powerpoint/2010/main" spd="slow" p14:dur="2000">
         <p159:morph option="byObject"/>
       </p:transition>
     </mc:Choice>
-    <mc:Fallback>
+    <mc:Fallback xmlns="">
       <p:transition spd="slow">
         <p:fade/>
       </p:transition>
@@ -17825,7 +19002,7 @@
 </p:sld>
 </file>
 
-<file path=ppt/slides/slide24.xml><?xml version="1.0" encoding="utf-8"?>
+<file path=ppt/slides/slide27.xml><?xml version="1.0" encoding="utf-8"?>
 <p:sld xmlns:a="http://schemas.openxmlformats.org/drawingml/2006/main" xmlns:r="http://schemas.openxmlformats.org/officeDocument/2006/relationships" xmlns:p="http://schemas.openxmlformats.org/presentationml/2006/main">
   <p:cSld>
     <p:spTree>
@@ -18286,7 +19463,7 @@
           <a:p>
             <a:fld id="{A2A60F54-5110-435E-A473-0EC8A1832DD2}" type="slidenum">
               <a:rPr lang="en-US" smtClean="0"/>
-              <a:t>24</a:t>
+              <a:t>27</a:t>
             </a:fld>
             <a:endParaRPr lang="en-US"/>
           </a:p>
@@ -18302,13 +19479,13 @@
   <p:clrMapOvr>
     <a:masterClrMapping/>
   </p:clrMapOvr>
-  <mc:AlternateContent xmlns:mc="http://schemas.openxmlformats.org/markup-compatibility/2006">
-    <mc:Choice xmlns:p159="http://schemas.microsoft.com/office/powerpoint/2015/09/main" Requires="p159">
+  <mc:AlternateContent xmlns:mc="http://schemas.openxmlformats.org/markup-compatibility/2006" xmlns:p159="http://schemas.microsoft.com/office/powerpoint/2015/09/main">
+    <mc:Choice Requires="p159">
       <p:transition xmlns:p14="http://schemas.microsoft.com/office/powerpoint/2010/main" spd="slow" p14:dur="2000">
         <p159:morph option="byObject"/>
       </p:transition>
     </mc:Choice>
-    <mc:Fallback>
+    <mc:Fallback xmlns="">
       <p:transition spd="slow">
         <p:fade/>
       </p:transition>
@@ -18317,7 +19494,7 @@
 </p:sld>
 </file>
 
-<file path=ppt/slides/slide25.xml><?xml version="1.0" encoding="utf-8"?>
+<file path=ppt/slides/slide28.xml><?xml version="1.0" encoding="utf-8"?>
 <p:sld xmlns:a="http://schemas.openxmlformats.org/drawingml/2006/main" xmlns:r="http://schemas.openxmlformats.org/officeDocument/2006/relationships" xmlns:p="http://schemas.openxmlformats.org/presentationml/2006/main">
   <p:cSld>
     <p:spTree>
@@ -18844,7 +20021,7 @@
           <a:p>
             <a:fld id="{A2A60F54-5110-435E-A473-0EC8A1832DD2}" type="slidenum">
               <a:rPr lang="en-US" smtClean="0"/>
-              <a:t>25</a:t>
+              <a:t>28</a:t>
             </a:fld>
             <a:endParaRPr lang="en-US"/>
           </a:p>
@@ -18860,13 +20037,13 @@
   <p:clrMapOvr>
     <a:masterClrMapping/>
   </p:clrMapOvr>
-  <mc:AlternateContent xmlns:mc="http://schemas.openxmlformats.org/markup-compatibility/2006">
-    <mc:Choice xmlns:p159="http://schemas.microsoft.com/office/powerpoint/2015/09/main" Requires="p159">
+  <mc:AlternateContent xmlns:mc="http://schemas.openxmlformats.org/markup-compatibility/2006" xmlns:p159="http://schemas.microsoft.com/office/powerpoint/2015/09/main">
+    <mc:Choice Requires="p159">
       <p:transition xmlns:p14="http://schemas.microsoft.com/office/powerpoint/2010/main" spd="slow" p14:dur="2000">
         <p159:morph option="byObject"/>
       </p:transition>
     </mc:Choice>
-    <mc:Fallback>
+    <mc:Fallback xmlns="">
       <p:transition spd="slow">
         <p:fade/>
       </p:transition>
@@ -18875,256 +20052,7 @@
 </p:sld>
 </file>
 
-<file path=ppt/slides/slide26.xml><?xml version="1.0" encoding="utf-8"?>
-<p:sld xmlns:a="http://schemas.openxmlformats.org/drawingml/2006/main" xmlns:r="http://schemas.openxmlformats.org/officeDocument/2006/relationships" xmlns:p="http://schemas.openxmlformats.org/presentationml/2006/main">
-  <p:cSld>
-    <p:spTree>
-      <p:nvGrpSpPr>
-        <p:cNvPr id="1" name=""/>
-        <p:cNvGrpSpPr/>
-        <p:nvPr/>
-      </p:nvGrpSpPr>
-      <p:grpSpPr>
-        <a:xfrm>
-          <a:off x="0" y="0"/>
-          <a:ext cx="0" cy="0"/>
-          <a:chOff x="0" y="0"/>
-          <a:chExt cx="0" cy="0"/>
-        </a:xfrm>
-      </p:grpSpPr>
-      <p:sp>
-        <p:nvSpPr>
-          <p:cNvPr id="2" name="Titre 1">
-            <a:extLst>
-              <a:ext uri="{FF2B5EF4-FFF2-40B4-BE49-F238E27FC236}">
-                <a16:creationId xmlns:a16="http://schemas.microsoft.com/office/drawing/2014/main" id="{7D5BB864-7BA5-53D6-CBFA-32B3875B8D7C}"/>
-              </a:ext>
-            </a:extLst>
-          </p:cNvPr>
-          <p:cNvSpPr>
-            <a:spLocks noGrp="1"/>
-          </p:cNvSpPr>
-          <p:nvPr>
-            <p:ph type="title"/>
-          </p:nvPr>
-        </p:nvSpPr>
-        <p:spPr/>
-        <p:txBody>
-          <a:bodyPr/>
-          <a:lstStyle/>
-          <a:p>
-            <a:r>
-              <a:rPr lang="fr-CA" dirty="0"/>
-              <a:t>La fonction input()</a:t>
-            </a:r>
-            <a:endParaRPr lang="en-US" dirty="0"/>
-          </a:p>
-        </p:txBody>
-      </p:sp>
-      <p:sp>
-        <p:nvSpPr>
-          <p:cNvPr id="3" name="Espace réservé du contenu 2">
-            <a:extLst>
-              <a:ext uri="{FF2B5EF4-FFF2-40B4-BE49-F238E27FC236}">
-                <a16:creationId xmlns:a16="http://schemas.microsoft.com/office/drawing/2014/main" id="{3A5C2E54-7DB2-EBF3-9D2B-D65219435956}"/>
-              </a:ext>
-            </a:extLst>
-          </p:cNvPr>
-          <p:cNvSpPr>
-            <a:spLocks noGrp="1"/>
-          </p:cNvSpPr>
-          <p:nvPr>
-            <p:ph idx="1"/>
-          </p:nvPr>
-        </p:nvSpPr>
-        <p:spPr/>
-        <p:txBody>
-          <a:bodyPr>
-            <a:normAutofit/>
-          </a:bodyPr>
-          <a:lstStyle/>
-          <a:p>
-            <a:r>
-              <a:rPr lang="fr-CA" sz="2400" dirty="0"/>
-              <a:t>La fonction </a:t>
-            </a:r>
-            <a:r>
-              <a:rPr lang="fr-CA" sz="2400" b="1" dirty="0"/>
-              <a:t>input() permet d’entrer de l’information à partir de la console </a:t>
-            </a:r>
-            <a:r>
-              <a:rPr lang="fr-CA" sz="2400" dirty="0"/>
-              <a:t>dans un programme en cours d’exécution.</a:t>
-            </a:r>
-            <a:endParaRPr lang="en-US" sz="2400" dirty="0"/>
-          </a:p>
-        </p:txBody>
-      </p:sp>
-      <p:pic>
-        <p:nvPicPr>
-          <p:cNvPr id="5" name="Image 4">
-            <a:extLst>
-              <a:ext uri="{FF2B5EF4-FFF2-40B4-BE49-F238E27FC236}">
-                <a16:creationId xmlns:a16="http://schemas.microsoft.com/office/drawing/2014/main" id="{9E04C2BD-18BA-B017-23D7-5AD067CC9B1B}"/>
-              </a:ext>
-            </a:extLst>
-          </p:cNvPr>
-          <p:cNvPicPr>
-            <a:picLocks noChangeAspect="1"/>
-          </p:cNvPicPr>
-          <p:nvPr/>
-        </p:nvPicPr>
-        <p:blipFill>
-          <a:blip r:embed="rId3"/>
-          <a:stretch>
-            <a:fillRect/>
-          </a:stretch>
-        </p:blipFill>
-        <p:spPr>
-          <a:xfrm>
-            <a:off x="2951806" y="2737964"/>
-            <a:ext cx="5523980" cy="2154005"/>
-          </a:xfrm>
-          <a:prstGeom prst="rect">
-            <a:avLst/>
-          </a:prstGeom>
-        </p:spPr>
-      </p:pic>
-      <p:pic>
-        <p:nvPicPr>
-          <p:cNvPr id="9" name="Image 8">
-            <a:extLst>
-              <a:ext uri="{FF2B5EF4-FFF2-40B4-BE49-F238E27FC236}">
-                <a16:creationId xmlns:a16="http://schemas.microsoft.com/office/drawing/2014/main" id="{1C498D23-10B2-95E6-5D19-5BAE6ED7B285}"/>
-              </a:ext>
-            </a:extLst>
-          </p:cNvPr>
-          <p:cNvPicPr>
-            <a:picLocks noChangeAspect="1"/>
-          </p:cNvPicPr>
-          <p:nvPr/>
-        </p:nvPicPr>
-        <p:blipFill>
-          <a:blip r:embed="rId4"/>
-          <a:stretch>
-            <a:fillRect/>
-          </a:stretch>
-        </p:blipFill>
-        <p:spPr>
-          <a:xfrm>
-            <a:off x="2425202" y="5402132"/>
-            <a:ext cx="7341596" cy="710067"/>
-          </a:xfrm>
-          <a:prstGeom prst="rect">
-            <a:avLst/>
-          </a:prstGeom>
-        </p:spPr>
-      </p:pic>
-      <p:sp>
-        <p:nvSpPr>
-          <p:cNvPr id="10" name="Flèche : angle droit 9">
-            <a:extLst>
-              <a:ext uri="{FF2B5EF4-FFF2-40B4-BE49-F238E27FC236}">
-                <a16:creationId xmlns:a16="http://schemas.microsoft.com/office/drawing/2014/main" id="{AAA4D628-2FC7-B40D-C03C-43BDA2998749}"/>
-              </a:ext>
-            </a:extLst>
-          </p:cNvPr>
-          <p:cNvSpPr/>
-          <p:nvPr/>
-        </p:nvSpPr>
-        <p:spPr>
-          <a:xfrm rot="10800000">
-            <a:off x="2425202" y="2921912"/>
-            <a:ext cx="993010" cy="2480220"/>
-          </a:xfrm>
-          <a:prstGeom prst="bentUpArrow">
-            <a:avLst>
-              <a:gd name="adj1" fmla="val 8780"/>
-              <a:gd name="adj2" fmla="val 25000"/>
-              <a:gd name="adj3" fmla="val 25000"/>
-            </a:avLst>
-          </a:prstGeom>
-        </p:spPr>
-        <p:style>
-          <a:lnRef idx="2">
-            <a:schemeClr val="accent1">
-              <a:shade val="15000"/>
-            </a:schemeClr>
-          </a:lnRef>
-          <a:fillRef idx="1">
-            <a:schemeClr val="accent1"/>
-          </a:fillRef>
-          <a:effectRef idx="0">
-            <a:schemeClr val="accent1"/>
-          </a:effectRef>
-          <a:fontRef idx="minor">
-            <a:schemeClr val="lt1"/>
-          </a:fontRef>
-        </p:style>
-        <p:txBody>
-          <a:bodyPr rtlCol="0" anchor="ctr"/>
-          <a:lstStyle/>
-          <a:p>
-            <a:pPr algn="ctr"/>
-            <a:endParaRPr lang="en-US"/>
-          </a:p>
-        </p:txBody>
-      </p:sp>
-      <p:sp>
-        <p:nvSpPr>
-          <p:cNvPr id="12" name="Espace réservé du numéro de diapositive 11">
-            <a:extLst>
-              <a:ext uri="{FF2B5EF4-FFF2-40B4-BE49-F238E27FC236}">
-                <a16:creationId xmlns:a16="http://schemas.microsoft.com/office/drawing/2014/main" id="{19D9CD0E-54C8-C461-4483-59B8E7C32C68}"/>
-              </a:ext>
-            </a:extLst>
-          </p:cNvPr>
-          <p:cNvSpPr>
-            <a:spLocks noGrp="1"/>
-          </p:cNvSpPr>
-          <p:nvPr>
-            <p:ph type="sldNum" sz="quarter" idx="12"/>
-          </p:nvPr>
-        </p:nvSpPr>
-        <p:spPr/>
-        <p:txBody>
-          <a:bodyPr/>
-          <a:lstStyle/>
-          <a:p>
-            <a:fld id="{A2A60F54-5110-435E-A473-0EC8A1832DD2}" type="slidenum">
-              <a:rPr lang="en-US" smtClean="0"/>
-              <a:t>26</a:t>
-            </a:fld>
-            <a:endParaRPr lang="en-US"/>
-          </a:p>
-        </p:txBody>
-      </p:sp>
-    </p:spTree>
-    <p:extLst>
-      <p:ext uri="{BB962C8B-B14F-4D97-AF65-F5344CB8AC3E}">
-        <p14:creationId xmlns:p14="http://schemas.microsoft.com/office/powerpoint/2010/main" val="3904722421"/>
-      </p:ext>
-    </p:extLst>
-  </p:cSld>
-  <p:clrMapOvr>
-    <a:masterClrMapping/>
-  </p:clrMapOvr>
-  <mc:AlternateContent xmlns:mc="http://schemas.openxmlformats.org/markup-compatibility/2006">
-    <mc:Choice xmlns:p159="http://schemas.microsoft.com/office/powerpoint/2015/09/main" Requires="p159">
-      <p:transition xmlns:p14="http://schemas.microsoft.com/office/powerpoint/2010/main" spd="slow" p14:dur="2000">
-        <p159:morph option="byObject"/>
-      </p:transition>
-    </mc:Choice>
-    <mc:Fallback>
-      <p:transition spd="slow">
-        <p:fade/>
-      </p:transition>
-    </mc:Fallback>
-  </mc:AlternateContent>
-</p:sld>
-</file>
-
-<file path=ppt/slides/slide27.xml><?xml version="1.0" encoding="utf-8"?>
+<file path=ppt/slides/slide29.xml><?xml version="1.0" encoding="utf-8"?>
 <p:sld xmlns:a="http://schemas.openxmlformats.org/drawingml/2006/main" xmlns:r="http://schemas.openxmlformats.org/officeDocument/2006/relationships" xmlns:p="http://schemas.openxmlformats.org/presentationml/2006/main">
   <p:cSld>
     <p:spTree>
@@ -19269,7 +20197,7 @@
           <a:p>
             <a:fld id="{A2A60F54-5110-435E-A473-0EC8A1832DD2}" type="slidenum">
               <a:rPr lang="en-US" smtClean="0"/>
-              <a:t>27</a:t>
+              <a:t>29</a:t>
             </a:fld>
             <a:endParaRPr lang="en-US"/>
           </a:p>
@@ -19285,1027 +20213,13 @@
   <p:clrMapOvr>
     <a:masterClrMapping/>
   </p:clrMapOvr>
-  <mc:AlternateContent xmlns:mc="http://schemas.openxmlformats.org/markup-compatibility/2006">
-    <mc:Choice xmlns:p159="http://schemas.microsoft.com/office/powerpoint/2015/09/main" Requires="p159">
+  <mc:AlternateContent xmlns:mc="http://schemas.openxmlformats.org/markup-compatibility/2006" xmlns:p159="http://schemas.microsoft.com/office/powerpoint/2015/09/main">
+    <mc:Choice Requires="p159">
       <p:transition xmlns:p14="http://schemas.microsoft.com/office/powerpoint/2010/main" spd="slow" p14:dur="2000">
         <p159:morph option="byObject"/>
       </p:transition>
     </mc:Choice>
-    <mc:Fallback>
-      <p:transition spd="slow">
-        <p:fade/>
-      </p:transition>
-    </mc:Fallback>
-  </mc:AlternateContent>
-</p:sld>
-</file>
-
-<file path=ppt/slides/slide28.xml><?xml version="1.0" encoding="utf-8"?>
-<p:sld xmlns:a="http://schemas.openxmlformats.org/drawingml/2006/main" xmlns:r="http://schemas.openxmlformats.org/officeDocument/2006/relationships" xmlns:p="http://schemas.openxmlformats.org/presentationml/2006/main">
-  <p:cSld>
-    <p:spTree>
-      <p:nvGrpSpPr>
-        <p:cNvPr id="1" name=""/>
-        <p:cNvGrpSpPr/>
-        <p:nvPr/>
-      </p:nvGrpSpPr>
-      <p:grpSpPr>
-        <a:xfrm>
-          <a:off x="0" y="0"/>
-          <a:ext cx="0" cy="0"/>
-          <a:chOff x="0" y="0"/>
-          <a:chExt cx="0" cy="0"/>
-        </a:xfrm>
-      </p:grpSpPr>
-      <p:sp>
-        <p:nvSpPr>
-          <p:cNvPr id="2" name="Titre 1">
-            <a:extLst>
-              <a:ext uri="{FF2B5EF4-FFF2-40B4-BE49-F238E27FC236}">
-                <a16:creationId xmlns:a16="http://schemas.microsoft.com/office/drawing/2014/main" id="{7D5BB864-7BA5-53D6-CBFA-32B3875B8D7C}"/>
-              </a:ext>
-            </a:extLst>
-          </p:cNvPr>
-          <p:cNvSpPr>
-            <a:spLocks noGrp="1"/>
-          </p:cNvSpPr>
-          <p:nvPr>
-            <p:ph type="title"/>
-          </p:nvPr>
-        </p:nvSpPr>
-        <p:spPr/>
-        <p:txBody>
-          <a:bodyPr/>
-          <a:lstStyle/>
-          <a:p>
-            <a:r>
-              <a:rPr lang="fr-CA" dirty="0"/>
-              <a:t>Les  chaînes de caractères</a:t>
-            </a:r>
-            <a:endParaRPr lang="en-US" dirty="0"/>
-          </a:p>
-        </p:txBody>
-      </p:sp>
-      <p:sp>
-        <p:nvSpPr>
-          <p:cNvPr id="3" name="Espace réservé du contenu 2">
-            <a:extLst>
-              <a:ext uri="{FF2B5EF4-FFF2-40B4-BE49-F238E27FC236}">
-                <a16:creationId xmlns:a16="http://schemas.microsoft.com/office/drawing/2014/main" id="{3A5C2E54-7DB2-EBF3-9D2B-D65219435956}"/>
-              </a:ext>
-            </a:extLst>
-          </p:cNvPr>
-          <p:cNvSpPr>
-            <a:spLocks noGrp="1"/>
-          </p:cNvSpPr>
-          <p:nvPr>
-            <p:ph idx="1"/>
-          </p:nvPr>
-        </p:nvSpPr>
-        <p:spPr/>
-        <p:txBody>
-          <a:bodyPr>
-            <a:normAutofit/>
-          </a:bodyPr>
-          <a:lstStyle/>
-          <a:p>
-            <a:r>
-              <a:rPr lang="fr-CA" sz="2400" dirty="0"/>
-              <a:t>Une </a:t>
-            </a:r>
-            <a:r>
-              <a:rPr lang="fr-CA" sz="2400" b="1" dirty="0"/>
-              <a:t>chaîne de caractères  </a:t>
-            </a:r>
-            <a:r>
-              <a:rPr lang="fr-CA" sz="2400" dirty="0"/>
-              <a:t>sert à désigner du </a:t>
-            </a:r>
-            <a:r>
-              <a:rPr lang="fr-CA" sz="2400" b="1" dirty="0"/>
-              <a:t>texte pouvant être traité par un programme informatique</a:t>
-            </a:r>
-            <a:r>
-              <a:rPr lang="fr-CA" sz="2400" dirty="0"/>
-              <a:t>. Le texte doit être placer entre guillemets comme ci-bas:</a:t>
-            </a:r>
-            <a:endParaRPr lang="en-US" sz="2400" dirty="0"/>
-          </a:p>
-        </p:txBody>
-      </p:sp>
-      <p:pic>
-        <p:nvPicPr>
-          <p:cNvPr id="6" name="Image 5">
-            <a:extLst>
-              <a:ext uri="{FF2B5EF4-FFF2-40B4-BE49-F238E27FC236}">
-                <a16:creationId xmlns:a16="http://schemas.microsoft.com/office/drawing/2014/main" id="{D026C78D-4384-127D-1B60-9F09DC86D4CC}"/>
-              </a:ext>
-            </a:extLst>
-          </p:cNvPr>
-          <p:cNvPicPr>
-            <a:picLocks noChangeAspect="1"/>
-          </p:cNvPicPr>
-          <p:nvPr/>
-        </p:nvPicPr>
-        <p:blipFill rotWithShape="1">
-          <a:blip r:embed="rId3"/>
-          <a:srcRect t="1" b="1656"/>
-          <a:stretch/>
-        </p:blipFill>
-        <p:spPr>
-          <a:xfrm>
-            <a:off x="2734520" y="2688554"/>
-            <a:ext cx="6722960" cy="1391077"/>
-          </a:xfrm>
-          <a:prstGeom prst="rect">
-            <a:avLst/>
-          </a:prstGeom>
-        </p:spPr>
-      </p:pic>
-      <p:sp>
-        <p:nvSpPr>
-          <p:cNvPr id="7" name="Espace réservé du contenu 2">
-            <a:extLst>
-              <a:ext uri="{FF2B5EF4-FFF2-40B4-BE49-F238E27FC236}">
-                <a16:creationId xmlns:a16="http://schemas.microsoft.com/office/drawing/2014/main" id="{D9CB6C8E-9984-56E6-38AE-28280AD94CC4}"/>
-              </a:ext>
-            </a:extLst>
-          </p:cNvPr>
-          <p:cNvSpPr txBox="1">
-            <a:spLocks/>
-          </p:cNvSpPr>
-          <p:nvPr/>
-        </p:nvSpPr>
-        <p:spPr>
-          <a:xfrm>
-            <a:off x="1531620" y="4513383"/>
-            <a:ext cx="9128760" cy="1746740"/>
-          </a:xfrm>
-          <a:prstGeom prst="rect">
-            <a:avLst/>
-          </a:prstGeom>
-          <a:ln w="57150">
-            <a:solidFill>
-              <a:srgbClr val="FF0000"/>
-            </a:solidFill>
-          </a:ln>
-        </p:spPr>
-        <p:txBody>
-          <a:bodyPr vert="horz" lIns="0" tIns="45720" rIns="0" bIns="45720" rtlCol="0">
-            <a:normAutofit/>
-          </a:bodyPr>
-          <a:lstStyle>
-            <a:lvl1pPr marL="91440" indent="-91440" algn="l" defTabSz="914400" rtl="0" eaLnBrk="1" latinLnBrk="0" hangingPunct="1">
-              <a:lnSpc>
-                <a:spcPct val="90000"/>
-              </a:lnSpc>
-              <a:spcBef>
-                <a:spcPts val="1200"/>
-              </a:spcBef>
-              <a:spcAft>
-                <a:spcPts val="200"/>
-              </a:spcAft>
-              <a:buClr>
-                <a:schemeClr val="accent1"/>
-              </a:buClr>
-              <a:buSzPct val="100000"/>
-              <a:buFont typeface="Calibri" panose="020F0502020204030204" pitchFamily="34" charset="0"/>
-              <a:buChar char=" "/>
-              <a:defRPr sz="2000" kern="1200">
-                <a:solidFill>
-                  <a:schemeClr val="tx1">
-                    <a:lumMod val="75000"/>
-                    <a:lumOff val="25000"/>
-                  </a:schemeClr>
-                </a:solidFill>
-                <a:latin typeface="+mn-lt"/>
-                <a:ea typeface="+mn-ea"/>
-                <a:cs typeface="+mn-cs"/>
-              </a:defRPr>
-            </a:lvl1pPr>
-            <a:lvl2pPr marL="384048" indent="-182880" algn="l" defTabSz="914400" rtl="0" eaLnBrk="1" latinLnBrk="0" hangingPunct="1">
-              <a:lnSpc>
-                <a:spcPct val="90000"/>
-              </a:lnSpc>
-              <a:spcBef>
-                <a:spcPts val="200"/>
-              </a:spcBef>
-              <a:spcAft>
-                <a:spcPts val="400"/>
-              </a:spcAft>
-              <a:buClr>
-                <a:schemeClr val="accent1"/>
-              </a:buClr>
-              <a:buFont typeface="Calibri" pitchFamily="34" charset="0"/>
-              <a:buChar char="◦"/>
-              <a:defRPr sz="1800" kern="1200">
-                <a:solidFill>
-                  <a:schemeClr val="tx1">
-                    <a:lumMod val="75000"/>
-                    <a:lumOff val="25000"/>
-                  </a:schemeClr>
-                </a:solidFill>
-                <a:latin typeface="+mn-lt"/>
-                <a:ea typeface="+mn-ea"/>
-                <a:cs typeface="+mn-cs"/>
-              </a:defRPr>
-            </a:lvl2pPr>
-            <a:lvl3pPr marL="566928" indent="-182880" algn="l" defTabSz="914400" rtl="0" eaLnBrk="1" latinLnBrk="0" hangingPunct="1">
-              <a:lnSpc>
-                <a:spcPct val="90000"/>
-              </a:lnSpc>
-              <a:spcBef>
-                <a:spcPts val="200"/>
-              </a:spcBef>
-              <a:spcAft>
-                <a:spcPts val="400"/>
-              </a:spcAft>
-              <a:buClr>
-                <a:schemeClr val="accent1"/>
-              </a:buClr>
-              <a:buFont typeface="Calibri" pitchFamily="34" charset="0"/>
-              <a:buChar char="◦"/>
-              <a:defRPr sz="1400" kern="1200">
-                <a:solidFill>
-                  <a:schemeClr val="tx1">
-                    <a:lumMod val="75000"/>
-                    <a:lumOff val="25000"/>
-                  </a:schemeClr>
-                </a:solidFill>
-                <a:latin typeface="+mn-lt"/>
-                <a:ea typeface="+mn-ea"/>
-                <a:cs typeface="+mn-cs"/>
-              </a:defRPr>
-            </a:lvl3pPr>
-            <a:lvl4pPr marL="749808" indent="-182880" algn="l" defTabSz="914400" rtl="0" eaLnBrk="1" latinLnBrk="0" hangingPunct="1">
-              <a:lnSpc>
-                <a:spcPct val="90000"/>
-              </a:lnSpc>
-              <a:spcBef>
-                <a:spcPts val="200"/>
-              </a:spcBef>
-              <a:spcAft>
-                <a:spcPts val="400"/>
-              </a:spcAft>
-              <a:buClr>
-                <a:schemeClr val="accent1"/>
-              </a:buClr>
-              <a:buFont typeface="Calibri" pitchFamily="34" charset="0"/>
-              <a:buChar char="◦"/>
-              <a:defRPr sz="1400" kern="1200">
-                <a:solidFill>
-                  <a:schemeClr val="tx1">
-                    <a:lumMod val="75000"/>
-                    <a:lumOff val="25000"/>
-                  </a:schemeClr>
-                </a:solidFill>
-                <a:latin typeface="+mn-lt"/>
-                <a:ea typeface="+mn-ea"/>
-                <a:cs typeface="+mn-cs"/>
-              </a:defRPr>
-            </a:lvl4pPr>
-            <a:lvl5pPr marL="932688" indent="-182880" algn="l" defTabSz="914400" rtl="0" eaLnBrk="1" latinLnBrk="0" hangingPunct="1">
-              <a:lnSpc>
-                <a:spcPct val="90000"/>
-              </a:lnSpc>
-              <a:spcBef>
-                <a:spcPts val="200"/>
-              </a:spcBef>
-              <a:spcAft>
-                <a:spcPts val="400"/>
-              </a:spcAft>
-              <a:buClr>
-                <a:schemeClr val="accent1"/>
-              </a:buClr>
-              <a:buFont typeface="Calibri" pitchFamily="34" charset="0"/>
-              <a:buChar char="◦"/>
-              <a:defRPr sz="1400" kern="1200">
-                <a:solidFill>
-                  <a:schemeClr val="tx1">
-                    <a:lumMod val="75000"/>
-                    <a:lumOff val="25000"/>
-                  </a:schemeClr>
-                </a:solidFill>
-                <a:latin typeface="+mn-lt"/>
-                <a:ea typeface="+mn-ea"/>
-                <a:cs typeface="+mn-cs"/>
-              </a:defRPr>
-            </a:lvl5pPr>
-            <a:lvl6pPr marL="1100000" indent="-228600" algn="l" defTabSz="914400" rtl="0" eaLnBrk="1" latinLnBrk="0" hangingPunct="1">
-              <a:lnSpc>
-                <a:spcPct val="90000"/>
-              </a:lnSpc>
-              <a:spcBef>
-                <a:spcPts val="200"/>
-              </a:spcBef>
-              <a:spcAft>
-                <a:spcPts val="400"/>
-              </a:spcAft>
-              <a:buClr>
-                <a:schemeClr val="accent1"/>
-              </a:buClr>
-              <a:buFont typeface="Calibri" pitchFamily="34" charset="0"/>
-              <a:buChar char="◦"/>
-              <a:defRPr sz="1400" kern="1200">
-                <a:solidFill>
-                  <a:schemeClr val="tx1">
-                    <a:lumMod val="75000"/>
-                    <a:lumOff val="25000"/>
-                  </a:schemeClr>
-                </a:solidFill>
-                <a:latin typeface="+mn-lt"/>
-                <a:ea typeface="+mn-ea"/>
-                <a:cs typeface="+mn-cs"/>
-              </a:defRPr>
-            </a:lvl6pPr>
-            <a:lvl7pPr marL="1300000" indent="-228600" algn="l" defTabSz="914400" rtl="0" eaLnBrk="1" latinLnBrk="0" hangingPunct="1">
-              <a:lnSpc>
-                <a:spcPct val="90000"/>
-              </a:lnSpc>
-              <a:spcBef>
-                <a:spcPts val="200"/>
-              </a:spcBef>
-              <a:spcAft>
-                <a:spcPts val="400"/>
-              </a:spcAft>
-              <a:buClr>
-                <a:schemeClr val="accent1"/>
-              </a:buClr>
-              <a:buFont typeface="Calibri" pitchFamily="34" charset="0"/>
-              <a:buChar char="◦"/>
-              <a:defRPr sz="1400" kern="1200">
-                <a:solidFill>
-                  <a:schemeClr val="tx1">
-                    <a:lumMod val="75000"/>
-                    <a:lumOff val="25000"/>
-                  </a:schemeClr>
-                </a:solidFill>
-                <a:latin typeface="+mn-lt"/>
-                <a:ea typeface="+mn-ea"/>
-                <a:cs typeface="+mn-cs"/>
-              </a:defRPr>
-            </a:lvl7pPr>
-            <a:lvl8pPr marL="1500000" indent="-228600" algn="l" defTabSz="914400" rtl="0" eaLnBrk="1" latinLnBrk="0" hangingPunct="1">
-              <a:lnSpc>
-                <a:spcPct val="90000"/>
-              </a:lnSpc>
-              <a:spcBef>
-                <a:spcPts val="200"/>
-              </a:spcBef>
-              <a:spcAft>
-                <a:spcPts val="400"/>
-              </a:spcAft>
-              <a:buClr>
-                <a:schemeClr val="accent1"/>
-              </a:buClr>
-              <a:buFont typeface="Calibri" pitchFamily="34" charset="0"/>
-              <a:buChar char="◦"/>
-              <a:defRPr sz="1400" kern="1200">
-                <a:solidFill>
-                  <a:schemeClr val="tx1">
-                    <a:lumMod val="75000"/>
-                    <a:lumOff val="25000"/>
-                  </a:schemeClr>
-                </a:solidFill>
-                <a:latin typeface="+mn-lt"/>
-                <a:ea typeface="+mn-ea"/>
-                <a:cs typeface="+mn-cs"/>
-              </a:defRPr>
-            </a:lvl8pPr>
-            <a:lvl9pPr marL="1700000" indent="-228600" algn="l" defTabSz="914400" rtl="0" eaLnBrk="1" latinLnBrk="0" hangingPunct="1">
-              <a:lnSpc>
-                <a:spcPct val="90000"/>
-              </a:lnSpc>
-              <a:spcBef>
-                <a:spcPts val="200"/>
-              </a:spcBef>
-              <a:spcAft>
-                <a:spcPts val="400"/>
-              </a:spcAft>
-              <a:buClr>
-                <a:schemeClr val="accent1"/>
-              </a:buClr>
-              <a:buFont typeface="Calibri" pitchFamily="34" charset="0"/>
-              <a:buChar char="◦"/>
-              <a:defRPr sz="1400" kern="1200">
-                <a:solidFill>
-                  <a:schemeClr val="tx1">
-                    <a:lumMod val="75000"/>
-                    <a:lumOff val="25000"/>
-                  </a:schemeClr>
-                </a:solidFill>
-                <a:latin typeface="+mn-lt"/>
-                <a:ea typeface="+mn-ea"/>
-                <a:cs typeface="+mn-cs"/>
-              </a:defRPr>
-            </a:lvl9pPr>
-          </a:lstStyle>
-          <a:p>
-            <a:pPr algn="ctr"/>
-            <a:r>
-              <a:rPr lang="fr-CA" sz="2800" dirty="0">
-                <a:solidFill>
-                  <a:srgbClr val="FF0000"/>
-                </a:solidFill>
-              </a:rPr>
-              <a:t>!!! ATTENTION !!!</a:t>
-            </a:r>
-          </a:p>
-          <a:p>
-            <a:r>
-              <a:rPr lang="fr-CA" dirty="0"/>
-              <a:t>Pour insérer des guillemets dans une chaîne de caractère, il faut les faire précéder d’une barre oblique inversé.</a:t>
-            </a:r>
-            <a:endParaRPr lang="en-US" dirty="0"/>
-          </a:p>
-        </p:txBody>
-      </p:sp>
-      <p:pic>
-        <p:nvPicPr>
-          <p:cNvPr id="11" name="Image 10">
-            <a:extLst>
-              <a:ext uri="{FF2B5EF4-FFF2-40B4-BE49-F238E27FC236}">
-                <a16:creationId xmlns:a16="http://schemas.microsoft.com/office/drawing/2014/main" id="{F175CB75-5225-3B1C-5070-C91CB0E5DE17}"/>
-              </a:ext>
-            </a:extLst>
-          </p:cNvPr>
-          <p:cNvPicPr>
-            <a:picLocks noChangeAspect="1"/>
-          </p:cNvPicPr>
-          <p:nvPr/>
-        </p:nvPicPr>
-        <p:blipFill>
-          <a:blip r:embed="rId4"/>
-          <a:stretch>
-            <a:fillRect/>
-          </a:stretch>
-        </p:blipFill>
-        <p:spPr>
-          <a:xfrm>
-            <a:off x="2586824" y="5748022"/>
-            <a:ext cx="7018352" cy="458892"/>
-          </a:xfrm>
-          <a:prstGeom prst="rect">
-            <a:avLst/>
-          </a:prstGeom>
-        </p:spPr>
-      </p:pic>
-      <p:sp>
-        <p:nvSpPr>
-          <p:cNvPr id="4" name="Espace réservé du numéro de diapositive 3">
-            <a:extLst>
-              <a:ext uri="{FF2B5EF4-FFF2-40B4-BE49-F238E27FC236}">
-                <a16:creationId xmlns:a16="http://schemas.microsoft.com/office/drawing/2014/main" id="{C9770111-2149-FA95-173D-DDF9B4F62A4A}"/>
-              </a:ext>
-            </a:extLst>
-          </p:cNvPr>
-          <p:cNvSpPr>
-            <a:spLocks noGrp="1"/>
-          </p:cNvSpPr>
-          <p:nvPr>
-            <p:ph type="sldNum" sz="quarter" idx="12"/>
-          </p:nvPr>
-        </p:nvSpPr>
-        <p:spPr/>
-        <p:txBody>
-          <a:bodyPr/>
-          <a:lstStyle/>
-          <a:p>
-            <a:fld id="{A2A60F54-5110-435E-A473-0EC8A1832DD2}" type="slidenum">
-              <a:rPr lang="en-US" smtClean="0"/>
-              <a:t>28</a:t>
-            </a:fld>
-            <a:endParaRPr lang="en-US"/>
-          </a:p>
-        </p:txBody>
-      </p:sp>
-    </p:spTree>
-    <p:extLst>
-      <p:ext uri="{BB962C8B-B14F-4D97-AF65-F5344CB8AC3E}">
-        <p14:creationId xmlns:p14="http://schemas.microsoft.com/office/powerpoint/2010/main" val="2537530102"/>
-      </p:ext>
-    </p:extLst>
-  </p:cSld>
-  <p:clrMapOvr>
-    <a:masterClrMapping/>
-  </p:clrMapOvr>
-  <mc:AlternateContent xmlns:mc="http://schemas.openxmlformats.org/markup-compatibility/2006">
-    <mc:Choice xmlns:p159="http://schemas.microsoft.com/office/powerpoint/2015/09/main" Requires="p159">
-      <p:transition xmlns:p14="http://schemas.microsoft.com/office/powerpoint/2010/main" spd="slow" p14:dur="2000">
-        <p159:morph option="byObject"/>
-      </p:transition>
-    </mc:Choice>
-    <mc:Fallback>
-      <p:transition spd="slow">
-        <p:fade/>
-      </p:transition>
-    </mc:Fallback>
-  </mc:AlternateContent>
-</p:sld>
-</file>
-
-<file path=ppt/slides/slide29.xml><?xml version="1.0" encoding="utf-8"?>
-<p:sld xmlns:a="http://schemas.openxmlformats.org/drawingml/2006/main" xmlns:r="http://schemas.openxmlformats.org/officeDocument/2006/relationships" xmlns:p="http://schemas.openxmlformats.org/presentationml/2006/main">
-  <p:cSld>
-    <p:spTree>
-      <p:nvGrpSpPr>
-        <p:cNvPr id="1" name=""/>
-        <p:cNvGrpSpPr/>
-        <p:nvPr/>
-      </p:nvGrpSpPr>
-      <p:grpSpPr>
-        <a:xfrm>
-          <a:off x="0" y="0"/>
-          <a:ext cx="0" cy="0"/>
-          <a:chOff x="0" y="0"/>
-          <a:chExt cx="0" cy="0"/>
-        </a:xfrm>
-      </p:grpSpPr>
-      <p:sp>
-        <p:nvSpPr>
-          <p:cNvPr id="2" name="Titre 1">
-            <a:extLst>
-              <a:ext uri="{FF2B5EF4-FFF2-40B4-BE49-F238E27FC236}">
-                <a16:creationId xmlns:a16="http://schemas.microsoft.com/office/drawing/2014/main" id="{7D5BB864-7BA5-53D6-CBFA-32B3875B8D7C}"/>
-              </a:ext>
-            </a:extLst>
-          </p:cNvPr>
-          <p:cNvSpPr>
-            <a:spLocks noGrp="1"/>
-          </p:cNvSpPr>
-          <p:nvPr>
-            <p:ph type="title"/>
-          </p:nvPr>
-        </p:nvSpPr>
-        <p:spPr/>
-        <p:txBody>
-          <a:bodyPr/>
-          <a:lstStyle/>
-          <a:p>
-            <a:r>
-              <a:rPr lang="fr-CA" dirty="0"/>
-              <a:t>La fonction </a:t>
-            </a:r>
-            <a:r>
-              <a:rPr lang="fr-CA" dirty="0" err="1"/>
-              <a:t>print</a:t>
-            </a:r>
-            <a:r>
-              <a:rPr lang="fr-CA" dirty="0"/>
-              <a:t>()</a:t>
-            </a:r>
-            <a:endParaRPr lang="en-US" dirty="0"/>
-          </a:p>
-        </p:txBody>
-      </p:sp>
-      <p:sp>
-        <p:nvSpPr>
-          <p:cNvPr id="3" name="Espace réservé du contenu 2">
-            <a:extLst>
-              <a:ext uri="{FF2B5EF4-FFF2-40B4-BE49-F238E27FC236}">
-                <a16:creationId xmlns:a16="http://schemas.microsoft.com/office/drawing/2014/main" id="{3A5C2E54-7DB2-EBF3-9D2B-D65219435956}"/>
-              </a:ext>
-            </a:extLst>
-          </p:cNvPr>
-          <p:cNvSpPr>
-            <a:spLocks noGrp="1"/>
-          </p:cNvSpPr>
-          <p:nvPr>
-            <p:ph idx="1"/>
-          </p:nvPr>
-        </p:nvSpPr>
-        <p:spPr>
-          <a:xfrm>
-            <a:off x="1097280" y="1845734"/>
-            <a:ext cx="10058400" cy="505048"/>
-          </a:xfrm>
-        </p:spPr>
-        <p:txBody>
-          <a:bodyPr>
-            <a:normAutofit/>
-          </a:bodyPr>
-          <a:lstStyle/>
-          <a:p>
-            <a:r>
-              <a:rPr lang="fr-CA" sz="2400" dirty="0"/>
-              <a:t>La fonction </a:t>
-            </a:r>
-            <a:r>
-              <a:rPr lang="fr-CA" sz="2400" dirty="0" err="1"/>
-              <a:t>print</a:t>
-            </a:r>
-            <a:r>
-              <a:rPr lang="fr-CA" sz="2400" dirty="0"/>
-              <a:t>() permet également d’afficher plusieurs résultats.</a:t>
-            </a:r>
-            <a:endParaRPr lang="en-US" sz="2400" dirty="0"/>
-          </a:p>
-        </p:txBody>
-      </p:sp>
-      <p:pic>
-        <p:nvPicPr>
-          <p:cNvPr id="5" name="Image 4">
-            <a:extLst>
-              <a:ext uri="{FF2B5EF4-FFF2-40B4-BE49-F238E27FC236}">
-                <a16:creationId xmlns:a16="http://schemas.microsoft.com/office/drawing/2014/main" id="{4BDF3AA7-AE47-1B9C-B999-2681F403C40B}"/>
-              </a:ext>
-            </a:extLst>
-          </p:cNvPr>
-          <p:cNvPicPr>
-            <a:picLocks noChangeAspect="1"/>
-          </p:cNvPicPr>
-          <p:nvPr/>
-        </p:nvPicPr>
-        <p:blipFill>
-          <a:blip r:embed="rId3"/>
-          <a:stretch>
-            <a:fillRect/>
-          </a:stretch>
-        </p:blipFill>
-        <p:spPr>
-          <a:xfrm>
-            <a:off x="3003514" y="2350782"/>
-            <a:ext cx="6184971" cy="1187410"/>
-          </a:xfrm>
-          <a:prstGeom prst="rect">
-            <a:avLst/>
-          </a:prstGeom>
-        </p:spPr>
-      </p:pic>
-      <p:sp>
-        <p:nvSpPr>
-          <p:cNvPr id="8" name="Espace réservé du contenu 2">
-            <a:extLst>
-              <a:ext uri="{FF2B5EF4-FFF2-40B4-BE49-F238E27FC236}">
-                <a16:creationId xmlns:a16="http://schemas.microsoft.com/office/drawing/2014/main" id="{4FC8A46A-B023-78EE-6806-F300942CFE0D}"/>
-              </a:ext>
-            </a:extLst>
-          </p:cNvPr>
-          <p:cNvSpPr txBox="1">
-            <a:spLocks/>
-          </p:cNvSpPr>
-          <p:nvPr/>
-        </p:nvSpPr>
-        <p:spPr>
-          <a:xfrm>
-            <a:off x="914400" y="3756596"/>
-            <a:ext cx="10241280" cy="1073312"/>
-          </a:xfrm>
-          <a:prstGeom prst="rect">
-            <a:avLst/>
-          </a:prstGeom>
-        </p:spPr>
-        <p:txBody>
-          <a:bodyPr vert="horz" lIns="0" tIns="45720" rIns="0" bIns="45720" rtlCol="0">
-            <a:normAutofit lnSpcReduction="10000"/>
-          </a:bodyPr>
-          <a:lstStyle>
-            <a:lvl1pPr marL="91440" indent="-91440" algn="l" defTabSz="914400" rtl="0" eaLnBrk="1" latinLnBrk="0" hangingPunct="1">
-              <a:lnSpc>
-                <a:spcPct val="90000"/>
-              </a:lnSpc>
-              <a:spcBef>
-                <a:spcPts val="1200"/>
-              </a:spcBef>
-              <a:spcAft>
-                <a:spcPts val="200"/>
-              </a:spcAft>
-              <a:buClr>
-                <a:schemeClr val="accent1"/>
-              </a:buClr>
-              <a:buSzPct val="100000"/>
-              <a:buFont typeface="Calibri" panose="020F0502020204030204" pitchFamily="34" charset="0"/>
-              <a:buChar char=" "/>
-              <a:defRPr sz="2000" kern="1200">
-                <a:solidFill>
-                  <a:schemeClr val="tx1">
-                    <a:lumMod val="75000"/>
-                    <a:lumOff val="25000"/>
-                  </a:schemeClr>
-                </a:solidFill>
-                <a:latin typeface="+mn-lt"/>
-                <a:ea typeface="+mn-ea"/>
-                <a:cs typeface="+mn-cs"/>
-              </a:defRPr>
-            </a:lvl1pPr>
-            <a:lvl2pPr marL="384048" indent="-182880" algn="l" defTabSz="914400" rtl="0" eaLnBrk="1" latinLnBrk="0" hangingPunct="1">
-              <a:lnSpc>
-                <a:spcPct val="90000"/>
-              </a:lnSpc>
-              <a:spcBef>
-                <a:spcPts val="200"/>
-              </a:spcBef>
-              <a:spcAft>
-                <a:spcPts val="400"/>
-              </a:spcAft>
-              <a:buClr>
-                <a:schemeClr val="accent1"/>
-              </a:buClr>
-              <a:buFont typeface="Calibri" pitchFamily="34" charset="0"/>
-              <a:buChar char="◦"/>
-              <a:defRPr sz="1800" kern="1200">
-                <a:solidFill>
-                  <a:schemeClr val="tx1">
-                    <a:lumMod val="75000"/>
-                    <a:lumOff val="25000"/>
-                  </a:schemeClr>
-                </a:solidFill>
-                <a:latin typeface="+mn-lt"/>
-                <a:ea typeface="+mn-ea"/>
-                <a:cs typeface="+mn-cs"/>
-              </a:defRPr>
-            </a:lvl2pPr>
-            <a:lvl3pPr marL="566928" indent="-182880" algn="l" defTabSz="914400" rtl="0" eaLnBrk="1" latinLnBrk="0" hangingPunct="1">
-              <a:lnSpc>
-                <a:spcPct val="90000"/>
-              </a:lnSpc>
-              <a:spcBef>
-                <a:spcPts val="200"/>
-              </a:spcBef>
-              <a:spcAft>
-                <a:spcPts val="400"/>
-              </a:spcAft>
-              <a:buClr>
-                <a:schemeClr val="accent1"/>
-              </a:buClr>
-              <a:buFont typeface="Calibri" pitchFamily="34" charset="0"/>
-              <a:buChar char="◦"/>
-              <a:defRPr sz="1400" kern="1200">
-                <a:solidFill>
-                  <a:schemeClr val="tx1">
-                    <a:lumMod val="75000"/>
-                    <a:lumOff val="25000"/>
-                  </a:schemeClr>
-                </a:solidFill>
-                <a:latin typeface="+mn-lt"/>
-                <a:ea typeface="+mn-ea"/>
-                <a:cs typeface="+mn-cs"/>
-              </a:defRPr>
-            </a:lvl3pPr>
-            <a:lvl4pPr marL="749808" indent="-182880" algn="l" defTabSz="914400" rtl="0" eaLnBrk="1" latinLnBrk="0" hangingPunct="1">
-              <a:lnSpc>
-                <a:spcPct val="90000"/>
-              </a:lnSpc>
-              <a:spcBef>
-                <a:spcPts val="200"/>
-              </a:spcBef>
-              <a:spcAft>
-                <a:spcPts val="400"/>
-              </a:spcAft>
-              <a:buClr>
-                <a:schemeClr val="accent1"/>
-              </a:buClr>
-              <a:buFont typeface="Calibri" pitchFamily="34" charset="0"/>
-              <a:buChar char="◦"/>
-              <a:defRPr sz="1400" kern="1200">
-                <a:solidFill>
-                  <a:schemeClr val="tx1">
-                    <a:lumMod val="75000"/>
-                    <a:lumOff val="25000"/>
-                  </a:schemeClr>
-                </a:solidFill>
-                <a:latin typeface="+mn-lt"/>
-                <a:ea typeface="+mn-ea"/>
-                <a:cs typeface="+mn-cs"/>
-              </a:defRPr>
-            </a:lvl4pPr>
-            <a:lvl5pPr marL="932688" indent="-182880" algn="l" defTabSz="914400" rtl="0" eaLnBrk="1" latinLnBrk="0" hangingPunct="1">
-              <a:lnSpc>
-                <a:spcPct val="90000"/>
-              </a:lnSpc>
-              <a:spcBef>
-                <a:spcPts val="200"/>
-              </a:spcBef>
-              <a:spcAft>
-                <a:spcPts val="400"/>
-              </a:spcAft>
-              <a:buClr>
-                <a:schemeClr val="accent1"/>
-              </a:buClr>
-              <a:buFont typeface="Calibri" pitchFamily="34" charset="0"/>
-              <a:buChar char="◦"/>
-              <a:defRPr sz="1400" kern="1200">
-                <a:solidFill>
-                  <a:schemeClr val="tx1">
-                    <a:lumMod val="75000"/>
-                    <a:lumOff val="25000"/>
-                  </a:schemeClr>
-                </a:solidFill>
-                <a:latin typeface="+mn-lt"/>
-                <a:ea typeface="+mn-ea"/>
-                <a:cs typeface="+mn-cs"/>
-              </a:defRPr>
-            </a:lvl5pPr>
-            <a:lvl6pPr marL="1100000" indent="-228600" algn="l" defTabSz="914400" rtl="0" eaLnBrk="1" latinLnBrk="0" hangingPunct="1">
-              <a:lnSpc>
-                <a:spcPct val="90000"/>
-              </a:lnSpc>
-              <a:spcBef>
-                <a:spcPts val="200"/>
-              </a:spcBef>
-              <a:spcAft>
-                <a:spcPts val="400"/>
-              </a:spcAft>
-              <a:buClr>
-                <a:schemeClr val="accent1"/>
-              </a:buClr>
-              <a:buFont typeface="Calibri" pitchFamily="34" charset="0"/>
-              <a:buChar char="◦"/>
-              <a:defRPr sz="1400" kern="1200">
-                <a:solidFill>
-                  <a:schemeClr val="tx1">
-                    <a:lumMod val="75000"/>
-                    <a:lumOff val="25000"/>
-                  </a:schemeClr>
-                </a:solidFill>
-                <a:latin typeface="+mn-lt"/>
-                <a:ea typeface="+mn-ea"/>
-                <a:cs typeface="+mn-cs"/>
-              </a:defRPr>
-            </a:lvl6pPr>
-            <a:lvl7pPr marL="1300000" indent="-228600" algn="l" defTabSz="914400" rtl="0" eaLnBrk="1" latinLnBrk="0" hangingPunct="1">
-              <a:lnSpc>
-                <a:spcPct val="90000"/>
-              </a:lnSpc>
-              <a:spcBef>
-                <a:spcPts val="200"/>
-              </a:spcBef>
-              <a:spcAft>
-                <a:spcPts val="400"/>
-              </a:spcAft>
-              <a:buClr>
-                <a:schemeClr val="accent1"/>
-              </a:buClr>
-              <a:buFont typeface="Calibri" pitchFamily="34" charset="0"/>
-              <a:buChar char="◦"/>
-              <a:defRPr sz="1400" kern="1200">
-                <a:solidFill>
-                  <a:schemeClr val="tx1">
-                    <a:lumMod val="75000"/>
-                    <a:lumOff val="25000"/>
-                  </a:schemeClr>
-                </a:solidFill>
-                <a:latin typeface="+mn-lt"/>
-                <a:ea typeface="+mn-ea"/>
-                <a:cs typeface="+mn-cs"/>
-              </a:defRPr>
-            </a:lvl7pPr>
-            <a:lvl8pPr marL="1500000" indent="-228600" algn="l" defTabSz="914400" rtl="0" eaLnBrk="1" latinLnBrk="0" hangingPunct="1">
-              <a:lnSpc>
-                <a:spcPct val="90000"/>
-              </a:lnSpc>
-              <a:spcBef>
-                <a:spcPts val="200"/>
-              </a:spcBef>
-              <a:spcAft>
-                <a:spcPts val="400"/>
-              </a:spcAft>
-              <a:buClr>
-                <a:schemeClr val="accent1"/>
-              </a:buClr>
-              <a:buFont typeface="Calibri" pitchFamily="34" charset="0"/>
-              <a:buChar char="◦"/>
-              <a:defRPr sz="1400" kern="1200">
-                <a:solidFill>
-                  <a:schemeClr val="tx1">
-                    <a:lumMod val="75000"/>
-                    <a:lumOff val="25000"/>
-                  </a:schemeClr>
-                </a:solidFill>
-                <a:latin typeface="+mn-lt"/>
-                <a:ea typeface="+mn-ea"/>
-                <a:cs typeface="+mn-cs"/>
-              </a:defRPr>
-            </a:lvl8pPr>
-            <a:lvl9pPr marL="1700000" indent="-228600" algn="l" defTabSz="914400" rtl="0" eaLnBrk="1" latinLnBrk="0" hangingPunct="1">
-              <a:lnSpc>
-                <a:spcPct val="90000"/>
-              </a:lnSpc>
-              <a:spcBef>
-                <a:spcPts val="200"/>
-              </a:spcBef>
-              <a:spcAft>
-                <a:spcPts val="400"/>
-              </a:spcAft>
-              <a:buClr>
-                <a:schemeClr val="accent1"/>
-              </a:buClr>
-              <a:buFont typeface="Calibri" pitchFamily="34" charset="0"/>
-              <a:buChar char="◦"/>
-              <a:defRPr sz="1400" kern="1200">
-                <a:solidFill>
-                  <a:schemeClr val="tx1">
-                    <a:lumMod val="75000"/>
-                    <a:lumOff val="25000"/>
-                  </a:schemeClr>
-                </a:solidFill>
-                <a:latin typeface="+mn-lt"/>
-                <a:ea typeface="+mn-ea"/>
-                <a:cs typeface="+mn-cs"/>
-              </a:defRPr>
-            </a:lvl9pPr>
-          </a:lstStyle>
-          <a:p>
-            <a:r>
-              <a:rPr lang="fr-CA" sz="2400" dirty="0"/>
-              <a:t>Vous pouvez également utiliser les chaînes de caractères formatés, appelées </a:t>
-            </a:r>
-            <a:r>
-              <a:rPr lang="fr-CA" sz="2400" b="1" dirty="0"/>
-              <a:t>f-strings</a:t>
-            </a:r>
-            <a:r>
-              <a:rPr lang="fr-CA" sz="2400" dirty="0"/>
-              <a:t>. Ces </a:t>
-            </a:r>
-            <a:r>
-              <a:rPr lang="fr-CA" sz="2400" b="1" dirty="0"/>
-              <a:t>chaînes de caractères permettent qu’on y insère directement des variables</a:t>
-            </a:r>
-            <a:r>
-              <a:rPr lang="fr-CA" sz="2400" dirty="0"/>
-              <a:t>.</a:t>
-            </a:r>
-            <a:endParaRPr lang="en-US" sz="2400" dirty="0"/>
-          </a:p>
-        </p:txBody>
-      </p:sp>
-      <p:pic>
-        <p:nvPicPr>
-          <p:cNvPr id="10" name="Image 9">
-            <a:extLst>
-              <a:ext uri="{FF2B5EF4-FFF2-40B4-BE49-F238E27FC236}">
-                <a16:creationId xmlns:a16="http://schemas.microsoft.com/office/drawing/2014/main" id="{998B37A8-985D-1C81-4EAE-17BA9C8D3621}"/>
-              </a:ext>
-            </a:extLst>
-          </p:cNvPr>
-          <p:cNvPicPr>
-            <a:picLocks noChangeAspect="1"/>
-          </p:cNvPicPr>
-          <p:nvPr/>
-        </p:nvPicPr>
-        <p:blipFill>
-          <a:blip r:embed="rId4"/>
-          <a:stretch>
-            <a:fillRect/>
-          </a:stretch>
-        </p:blipFill>
-        <p:spPr>
-          <a:xfrm>
-            <a:off x="2970766" y="4724400"/>
-            <a:ext cx="6217719" cy="1174210"/>
-          </a:xfrm>
-          <a:prstGeom prst="rect">
-            <a:avLst/>
-          </a:prstGeom>
-        </p:spPr>
-      </p:pic>
-      <p:sp>
-        <p:nvSpPr>
-          <p:cNvPr id="12" name="Espace réservé du numéro de diapositive 11">
-            <a:extLst>
-              <a:ext uri="{FF2B5EF4-FFF2-40B4-BE49-F238E27FC236}">
-                <a16:creationId xmlns:a16="http://schemas.microsoft.com/office/drawing/2014/main" id="{D1A9E247-7BCF-3A6D-DC4A-2F124C5C1143}"/>
-              </a:ext>
-            </a:extLst>
-          </p:cNvPr>
-          <p:cNvSpPr>
-            <a:spLocks noGrp="1"/>
-          </p:cNvSpPr>
-          <p:nvPr>
-            <p:ph type="sldNum" sz="quarter" idx="12"/>
-          </p:nvPr>
-        </p:nvSpPr>
-        <p:spPr/>
-        <p:txBody>
-          <a:bodyPr/>
-          <a:lstStyle/>
-          <a:p>
-            <a:fld id="{A2A60F54-5110-435E-A473-0EC8A1832DD2}" type="slidenum">
-              <a:rPr lang="en-US" smtClean="0"/>
-              <a:t>29</a:t>
-            </a:fld>
-            <a:endParaRPr lang="en-US"/>
-          </a:p>
-        </p:txBody>
-      </p:sp>
-    </p:spTree>
-    <p:extLst>
-      <p:ext uri="{BB962C8B-B14F-4D97-AF65-F5344CB8AC3E}">
-        <p14:creationId xmlns:p14="http://schemas.microsoft.com/office/powerpoint/2010/main" val="3280767121"/>
-      </p:ext>
-    </p:extLst>
-  </p:cSld>
-  <p:clrMapOvr>
-    <a:masterClrMapping/>
-  </p:clrMapOvr>
-  <mc:AlternateContent xmlns:mc="http://schemas.openxmlformats.org/markup-compatibility/2006">
-    <mc:Choice xmlns:p159="http://schemas.microsoft.com/office/powerpoint/2015/09/main" Requires="p159">
-      <p:transition xmlns:p14="http://schemas.microsoft.com/office/powerpoint/2010/main" spd="slow" p14:dur="2000">
-        <p159:morph option="byObject"/>
-      </p:transition>
-    </mc:Choice>
-    <mc:Fallback>
+    <mc:Fallback xmlns="">
       <p:transition spd="slow">
         <p:fade/>
       </p:transition>
@@ -20665,6 +20579,510 @@
 </file>
 
 <file path=ppt/slides/slide30.xml><?xml version="1.0" encoding="utf-8"?>
+<p:sld xmlns:a="http://schemas.openxmlformats.org/drawingml/2006/main" xmlns:r="http://schemas.openxmlformats.org/officeDocument/2006/relationships" xmlns:p="http://schemas.openxmlformats.org/presentationml/2006/main">
+  <p:cSld>
+    <p:spTree>
+      <p:nvGrpSpPr>
+        <p:cNvPr id="1" name=""/>
+        <p:cNvGrpSpPr/>
+        <p:nvPr/>
+      </p:nvGrpSpPr>
+      <p:grpSpPr>
+        <a:xfrm>
+          <a:off x="0" y="0"/>
+          <a:ext cx="0" cy="0"/>
+          <a:chOff x="0" y="0"/>
+          <a:chExt cx="0" cy="0"/>
+        </a:xfrm>
+      </p:grpSpPr>
+      <p:sp>
+        <p:nvSpPr>
+          <p:cNvPr id="2" name="Titre 1">
+            <a:extLst>
+              <a:ext uri="{FF2B5EF4-FFF2-40B4-BE49-F238E27FC236}">
+                <a16:creationId xmlns:a16="http://schemas.microsoft.com/office/drawing/2014/main" id="{7D5BB864-7BA5-53D6-CBFA-32B3875B8D7C}"/>
+              </a:ext>
+            </a:extLst>
+          </p:cNvPr>
+          <p:cNvSpPr>
+            <a:spLocks noGrp="1"/>
+          </p:cNvSpPr>
+          <p:nvPr>
+            <p:ph type="title"/>
+          </p:nvPr>
+        </p:nvSpPr>
+        <p:spPr/>
+        <p:txBody>
+          <a:bodyPr/>
+          <a:lstStyle/>
+          <a:p>
+            <a:r>
+              <a:rPr lang="fr-CA" dirty="0"/>
+              <a:t>Les  chaînes de caractères</a:t>
+            </a:r>
+            <a:endParaRPr lang="en-US" dirty="0"/>
+          </a:p>
+        </p:txBody>
+      </p:sp>
+      <p:sp>
+        <p:nvSpPr>
+          <p:cNvPr id="3" name="Espace réservé du contenu 2">
+            <a:extLst>
+              <a:ext uri="{FF2B5EF4-FFF2-40B4-BE49-F238E27FC236}">
+                <a16:creationId xmlns:a16="http://schemas.microsoft.com/office/drawing/2014/main" id="{3A5C2E54-7DB2-EBF3-9D2B-D65219435956}"/>
+              </a:ext>
+            </a:extLst>
+          </p:cNvPr>
+          <p:cNvSpPr>
+            <a:spLocks noGrp="1"/>
+          </p:cNvSpPr>
+          <p:nvPr>
+            <p:ph idx="1"/>
+          </p:nvPr>
+        </p:nvSpPr>
+        <p:spPr/>
+        <p:txBody>
+          <a:bodyPr>
+            <a:normAutofit/>
+          </a:bodyPr>
+          <a:lstStyle/>
+          <a:p>
+            <a:r>
+              <a:rPr lang="fr-CA" sz="2400" dirty="0"/>
+              <a:t>Une </a:t>
+            </a:r>
+            <a:r>
+              <a:rPr lang="fr-CA" sz="2400" b="1" dirty="0"/>
+              <a:t>chaîne de caractères  </a:t>
+            </a:r>
+            <a:r>
+              <a:rPr lang="fr-CA" sz="2400" dirty="0"/>
+              <a:t>sert à désigner du </a:t>
+            </a:r>
+            <a:r>
+              <a:rPr lang="fr-CA" sz="2400" b="1" dirty="0"/>
+              <a:t>texte pouvant être traité par un programme informatique</a:t>
+            </a:r>
+            <a:r>
+              <a:rPr lang="fr-CA" sz="2400" dirty="0"/>
+              <a:t>. Le texte doit être placer entre guillemets comme ci-bas:</a:t>
+            </a:r>
+            <a:endParaRPr lang="en-US" sz="2400" dirty="0"/>
+          </a:p>
+        </p:txBody>
+      </p:sp>
+      <p:pic>
+        <p:nvPicPr>
+          <p:cNvPr id="6" name="Image 5">
+            <a:extLst>
+              <a:ext uri="{FF2B5EF4-FFF2-40B4-BE49-F238E27FC236}">
+                <a16:creationId xmlns:a16="http://schemas.microsoft.com/office/drawing/2014/main" id="{D026C78D-4384-127D-1B60-9F09DC86D4CC}"/>
+              </a:ext>
+            </a:extLst>
+          </p:cNvPr>
+          <p:cNvPicPr>
+            <a:picLocks noChangeAspect="1"/>
+          </p:cNvPicPr>
+          <p:nvPr/>
+        </p:nvPicPr>
+        <p:blipFill rotWithShape="1">
+          <a:blip r:embed="rId3"/>
+          <a:srcRect t="1" b="1656"/>
+          <a:stretch/>
+        </p:blipFill>
+        <p:spPr>
+          <a:xfrm>
+            <a:off x="2734520" y="2688554"/>
+            <a:ext cx="6722960" cy="1391077"/>
+          </a:xfrm>
+          <a:prstGeom prst="rect">
+            <a:avLst/>
+          </a:prstGeom>
+        </p:spPr>
+      </p:pic>
+      <p:sp>
+        <p:nvSpPr>
+          <p:cNvPr id="7" name="Espace réservé du contenu 2">
+            <a:extLst>
+              <a:ext uri="{FF2B5EF4-FFF2-40B4-BE49-F238E27FC236}">
+                <a16:creationId xmlns:a16="http://schemas.microsoft.com/office/drawing/2014/main" id="{D9CB6C8E-9984-56E6-38AE-28280AD94CC4}"/>
+              </a:ext>
+            </a:extLst>
+          </p:cNvPr>
+          <p:cNvSpPr txBox="1">
+            <a:spLocks/>
+          </p:cNvSpPr>
+          <p:nvPr/>
+        </p:nvSpPr>
+        <p:spPr>
+          <a:xfrm>
+            <a:off x="1531620" y="4513383"/>
+            <a:ext cx="9128760" cy="1746740"/>
+          </a:xfrm>
+          <a:prstGeom prst="rect">
+            <a:avLst/>
+          </a:prstGeom>
+          <a:ln w="57150">
+            <a:solidFill>
+              <a:srgbClr val="FF0000"/>
+            </a:solidFill>
+          </a:ln>
+        </p:spPr>
+        <p:txBody>
+          <a:bodyPr vert="horz" lIns="0" tIns="45720" rIns="0" bIns="45720" rtlCol="0">
+            <a:normAutofit/>
+          </a:bodyPr>
+          <a:lstStyle>
+            <a:lvl1pPr marL="91440" indent="-91440" algn="l" defTabSz="914400" rtl="0" eaLnBrk="1" latinLnBrk="0" hangingPunct="1">
+              <a:lnSpc>
+                <a:spcPct val="90000"/>
+              </a:lnSpc>
+              <a:spcBef>
+                <a:spcPts val="1200"/>
+              </a:spcBef>
+              <a:spcAft>
+                <a:spcPts val="200"/>
+              </a:spcAft>
+              <a:buClr>
+                <a:schemeClr val="accent1"/>
+              </a:buClr>
+              <a:buSzPct val="100000"/>
+              <a:buFont typeface="Calibri" panose="020F0502020204030204" pitchFamily="34" charset="0"/>
+              <a:buChar char=" "/>
+              <a:defRPr sz="2000" kern="1200">
+                <a:solidFill>
+                  <a:schemeClr val="tx1">
+                    <a:lumMod val="75000"/>
+                    <a:lumOff val="25000"/>
+                  </a:schemeClr>
+                </a:solidFill>
+                <a:latin typeface="+mn-lt"/>
+                <a:ea typeface="+mn-ea"/>
+                <a:cs typeface="+mn-cs"/>
+              </a:defRPr>
+            </a:lvl1pPr>
+            <a:lvl2pPr marL="384048" indent="-182880" algn="l" defTabSz="914400" rtl="0" eaLnBrk="1" latinLnBrk="0" hangingPunct="1">
+              <a:lnSpc>
+                <a:spcPct val="90000"/>
+              </a:lnSpc>
+              <a:spcBef>
+                <a:spcPts val="200"/>
+              </a:spcBef>
+              <a:spcAft>
+                <a:spcPts val="400"/>
+              </a:spcAft>
+              <a:buClr>
+                <a:schemeClr val="accent1"/>
+              </a:buClr>
+              <a:buFont typeface="Calibri" pitchFamily="34" charset="0"/>
+              <a:buChar char="◦"/>
+              <a:defRPr sz="1800" kern="1200">
+                <a:solidFill>
+                  <a:schemeClr val="tx1">
+                    <a:lumMod val="75000"/>
+                    <a:lumOff val="25000"/>
+                  </a:schemeClr>
+                </a:solidFill>
+                <a:latin typeface="+mn-lt"/>
+                <a:ea typeface="+mn-ea"/>
+                <a:cs typeface="+mn-cs"/>
+              </a:defRPr>
+            </a:lvl2pPr>
+            <a:lvl3pPr marL="566928" indent="-182880" algn="l" defTabSz="914400" rtl="0" eaLnBrk="1" latinLnBrk="0" hangingPunct="1">
+              <a:lnSpc>
+                <a:spcPct val="90000"/>
+              </a:lnSpc>
+              <a:spcBef>
+                <a:spcPts val="200"/>
+              </a:spcBef>
+              <a:spcAft>
+                <a:spcPts val="400"/>
+              </a:spcAft>
+              <a:buClr>
+                <a:schemeClr val="accent1"/>
+              </a:buClr>
+              <a:buFont typeface="Calibri" pitchFamily="34" charset="0"/>
+              <a:buChar char="◦"/>
+              <a:defRPr sz="1400" kern="1200">
+                <a:solidFill>
+                  <a:schemeClr val="tx1">
+                    <a:lumMod val="75000"/>
+                    <a:lumOff val="25000"/>
+                  </a:schemeClr>
+                </a:solidFill>
+                <a:latin typeface="+mn-lt"/>
+                <a:ea typeface="+mn-ea"/>
+                <a:cs typeface="+mn-cs"/>
+              </a:defRPr>
+            </a:lvl3pPr>
+            <a:lvl4pPr marL="749808" indent="-182880" algn="l" defTabSz="914400" rtl="0" eaLnBrk="1" latinLnBrk="0" hangingPunct="1">
+              <a:lnSpc>
+                <a:spcPct val="90000"/>
+              </a:lnSpc>
+              <a:spcBef>
+                <a:spcPts val="200"/>
+              </a:spcBef>
+              <a:spcAft>
+                <a:spcPts val="400"/>
+              </a:spcAft>
+              <a:buClr>
+                <a:schemeClr val="accent1"/>
+              </a:buClr>
+              <a:buFont typeface="Calibri" pitchFamily="34" charset="0"/>
+              <a:buChar char="◦"/>
+              <a:defRPr sz="1400" kern="1200">
+                <a:solidFill>
+                  <a:schemeClr val="tx1">
+                    <a:lumMod val="75000"/>
+                    <a:lumOff val="25000"/>
+                  </a:schemeClr>
+                </a:solidFill>
+                <a:latin typeface="+mn-lt"/>
+                <a:ea typeface="+mn-ea"/>
+                <a:cs typeface="+mn-cs"/>
+              </a:defRPr>
+            </a:lvl4pPr>
+            <a:lvl5pPr marL="932688" indent="-182880" algn="l" defTabSz="914400" rtl="0" eaLnBrk="1" latinLnBrk="0" hangingPunct="1">
+              <a:lnSpc>
+                <a:spcPct val="90000"/>
+              </a:lnSpc>
+              <a:spcBef>
+                <a:spcPts val="200"/>
+              </a:spcBef>
+              <a:spcAft>
+                <a:spcPts val="400"/>
+              </a:spcAft>
+              <a:buClr>
+                <a:schemeClr val="accent1"/>
+              </a:buClr>
+              <a:buFont typeface="Calibri" pitchFamily="34" charset="0"/>
+              <a:buChar char="◦"/>
+              <a:defRPr sz="1400" kern="1200">
+                <a:solidFill>
+                  <a:schemeClr val="tx1">
+                    <a:lumMod val="75000"/>
+                    <a:lumOff val="25000"/>
+                  </a:schemeClr>
+                </a:solidFill>
+                <a:latin typeface="+mn-lt"/>
+                <a:ea typeface="+mn-ea"/>
+                <a:cs typeface="+mn-cs"/>
+              </a:defRPr>
+            </a:lvl5pPr>
+            <a:lvl6pPr marL="1100000" indent="-228600" algn="l" defTabSz="914400" rtl="0" eaLnBrk="1" latinLnBrk="0" hangingPunct="1">
+              <a:lnSpc>
+                <a:spcPct val="90000"/>
+              </a:lnSpc>
+              <a:spcBef>
+                <a:spcPts val="200"/>
+              </a:spcBef>
+              <a:spcAft>
+                <a:spcPts val="400"/>
+              </a:spcAft>
+              <a:buClr>
+                <a:schemeClr val="accent1"/>
+              </a:buClr>
+              <a:buFont typeface="Calibri" pitchFamily="34" charset="0"/>
+              <a:buChar char="◦"/>
+              <a:defRPr sz="1400" kern="1200">
+                <a:solidFill>
+                  <a:schemeClr val="tx1">
+                    <a:lumMod val="75000"/>
+                    <a:lumOff val="25000"/>
+                  </a:schemeClr>
+                </a:solidFill>
+                <a:latin typeface="+mn-lt"/>
+                <a:ea typeface="+mn-ea"/>
+                <a:cs typeface="+mn-cs"/>
+              </a:defRPr>
+            </a:lvl6pPr>
+            <a:lvl7pPr marL="1300000" indent="-228600" algn="l" defTabSz="914400" rtl="0" eaLnBrk="1" latinLnBrk="0" hangingPunct="1">
+              <a:lnSpc>
+                <a:spcPct val="90000"/>
+              </a:lnSpc>
+              <a:spcBef>
+                <a:spcPts val="200"/>
+              </a:spcBef>
+              <a:spcAft>
+                <a:spcPts val="400"/>
+              </a:spcAft>
+              <a:buClr>
+                <a:schemeClr val="accent1"/>
+              </a:buClr>
+              <a:buFont typeface="Calibri" pitchFamily="34" charset="0"/>
+              <a:buChar char="◦"/>
+              <a:defRPr sz="1400" kern="1200">
+                <a:solidFill>
+                  <a:schemeClr val="tx1">
+                    <a:lumMod val="75000"/>
+                    <a:lumOff val="25000"/>
+                  </a:schemeClr>
+                </a:solidFill>
+                <a:latin typeface="+mn-lt"/>
+                <a:ea typeface="+mn-ea"/>
+                <a:cs typeface="+mn-cs"/>
+              </a:defRPr>
+            </a:lvl7pPr>
+            <a:lvl8pPr marL="1500000" indent="-228600" algn="l" defTabSz="914400" rtl="0" eaLnBrk="1" latinLnBrk="0" hangingPunct="1">
+              <a:lnSpc>
+                <a:spcPct val="90000"/>
+              </a:lnSpc>
+              <a:spcBef>
+                <a:spcPts val="200"/>
+              </a:spcBef>
+              <a:spcAft>
+                <a:spcPts val="400"/>
+              </a:spcAft>
+              <a:buClr>
+                <a:schemeClr val="accent1"/>
+              </a:buClr>
+              <a:buFont typeface="Calibri" pitchFamily="34" charset="0"/>
+              <a:buChar char="◦"/>
+              <a:defRPr sz="1400" kern="1200">
+                <a:solidFill>
+                  <a:schemeClr val="tx1">
+                    <a:lumMod val="75000"/>
+                    <a:lumOff val="25000"/>
+                  </a:schemeClr>
+                </a:solidFill>
+                <a:latin typeface="+mn-lt"/>
+                <a:ea typeface="+mn-ea"/>
+                <a:cs typeface="+mn-cs"/>
+              </a:defRPr>
+            </a:lvl8pPr>
+            <a:lvl9pPr marL="1700000" indent="-228600" algn="l" defTabSz="914400" rtl="0" eaLnBrk="1" latinLnBrk="0" hangingPunct="1">
+              <a:lnSpc>
+                <a:spcPct val="90000"/>
+              </a:lnSpc>
+              <a:spcBef>
+                <a:spcPts val="200"/>
+              </a:spcBef>
+              <a:spcAft>
+                <a:spcPts val="400"/>
+              </a:spcAft>
+              <a:buClr>
+                <a:schemeClr val="accent1"/>
+              </a:buClr>
+              <a:buFont typeface="Calibri" pitchFamily="34" charset="0"/>
+              <a:buChar char="◦"/>
+              <a:defRPr sz="1400" kern="1200">
+                <a:solidFill>
+                  <a:schemeClr val="tx1">
+                    <a:lumMod val="75000"/>
+                    <a:lumOff val="25000"/>
+                  </a:schemeClr>
+                </a:solidFill>
+                <a:latin typeface="+mn-lt"/>
+                <a:ea typeface="+mn-ea"/>
+                <a:cs typeface="+mn-cs"/>
+              </a:defRPr>
+            </a:lvl9pPr>
+          </a:lstStyle>
+          <a:p>
+            <a:pPr algn="ctr"/>
+            <a:r>
+              <a:rPr lang="fr-CA" sz="2800" dirty="0">
+                <a:solidFill>
+                  <a:srgbClr val="FF0000"/>
+                </a:solidFill>
+              </a:rPr>
+              <a:t>!!! ATTENTION !!!</a:t>
+            </a:r>
+          </a:p>
+          <a:p>
+            <a:r>
+              <a:rPr lang="fr-CA" dirty="0"/>
+              <a:t>Pour insérer des guillemets dans une chaîne de caractère, il faut les faire précéder d’une barre oblique inversé.</a:t>
+            </a:r>
+            <a:endParaRPr lang="en-US" dirty="0"/>
+          </a:p>
+        </p:txBody>
+      </p:sp>
+      <p:pic>
+        <p:nvPicPr>
+          <p:cNvPr id="11" name="Image 10">
+            <a:extLst>
+              <a:ext uri="{FF2B5EF4-FFF2-40B4-BE49-F238E27FC236}">
+                <a16:creationId xmlns:a16="http://schemas.microsoft.com/office/drawing/2014/main" id="{F175CB75-5225-3B1C-5070-C91CB0E5DE17}"/>
+              </a:ext>
+            </a:extLst>
+          </p:cNvPr>
+          <p:cNvPicPr>
+            <a:picLocks noChangeAspect="1"/>
+          </p:cNvPicPr>
+          <p:nvPr/>
+        </p:nvPicPr>
+        <p:blipFill>
+          <a:blip r:embed="rId4"/>
+          <a:stretch>
+            <a:fillRect/>
+          </a:stretch>
+        </p:blipFill>
+        <p:spPr>
+          <a:xfrm>
+            <a:off x="2586824" y="5748022"/>
+            <a:ext cx="7018352" cy="458892"/>
+          </a:xfrm>
+          <a:prstGeom prst="rect">
+            <a:avLst/>
+          </a:prstGeom>
+        </p:spPr>
+      </p:pic>
+      <p:sp>
+        <p:nvSpPr>
+          <p:cNvPr id="4" name="Espace réservé du numéro de diapositive 3">
+            <a:extLst>
+              <a:ext uri="{FF2B5EF4-FFF2-40B4-BE49-F238E27FC236}">
+                <a16:creationId xmlns:a16="http://schemas.microsoft.com/office/drawing/2014/main" id="{C9770111-2149-FA95-173D-DDF9B4F62A4A}"/>
+              </a:ext>
+            </a:extLst>
+          </p:cNvPr>
+          <p:cNvSpPr>
+            <a:spLocks noGrp="1"/>
+          </p:cNvSpPr>
+          <p:nvPr>
+            <p:ph type="sldNum" sz="quarter" idx="12"/>
+          </p:nvPr>
+        </p:nvSpPr>
+        <p:spPr/>
+        <p:txBody>
+          <a:bodyPr/>
+          <a:lstStyle/>
+          <a:p>
+            <a:fld id="{A2A60F54-5110-435E-A473-0EC8A1832DD2}" type="slidenum">
+              <a:rPr lang="en-US" smtClean="0"/>
+              <a:t>30</a:t>
+            </a:fld>
+            <a:endParaRPr lang="en-US"/>
+          </a:p>
+        </p:txBody>
+      </p:sp>
+    </p:spTree>
+    <p:extLst>
+      <p:ext uri="{BB962C8B-B14F-4D97-AF65-F5344CB8AC3E}">
+        <p14:creationId xmlns:p14="http://schemas.microsoft.com/office/powerpoint/2010/main" val="2537530102"/>
+      </p:ext>
+    </p:extLst>
+  </p:cSld>
+  <p:clrMapOvr>
+    <a:masterClrMapping/>
+  </p:clrMapOvr>
+  <mc:AlternateContent xmlns:mc="http://schemas.openxmlformats.org/markup-compatibility/2006" xmlns:p159="http://schemas.microsoft.com/office/powerpoint/2015/09/main">
+    <mc:Choice Requires="p159">
+      <p:transition xmlns:p14="http://schemas.microsoft.com/office/powerpoint/2010/main" spd="slow" p14:dur="2000">
+        <p159:morph option="byObject"/>
+      </p:transition>
+    </mc:Choice>
+    <mc:Fallback xmlns="">
+      <p:transition spd="slow">
+        <p:fade/>
+      </p:transition>
+    </mc:Fallback>
+  </mc:AlternateContent>
+</p:sld>
+</file>
+
+<file path=ppt/slides/slide31.xml><?xml version="1.0" encoding="utf-8"?>
 <p:sld xmlns:a="http://schemas.openxmlformats.org/drawingml/2006/main" xmlns:r="http://schemas.openxmlformats.org/officeDocument/2006/relationships" xmlns:p="http://schemas.openxmlformats.org/presentationml/2006/main">
   <p:cSld>
     <p:spTree>
@@ -21573,7 +21991,7 @@
           <a:p>
             <a:fld id="{A2A60F54-5110-435E-A473-0EC8A1832DD2}" type="slidenum">
               <a:rPr lang="en-US" smtClean="0"/>
-              <a:t>30</a:t>
+              <a:t>31</a:t>
             </a:fld>
             <a:endParaRPr lang="en-US"/>
           </a:p>
@@ -21589,13 +22007,13 @@
   <p:clrMapOvr>
     <a:masterClrMapping/>
   </p:clrMapOvr>
-  <mc:AlternateContent xmlns:mc="http://schemas.openxmlformats.org/markup-compatibility/2006">
-    <mc:Choice xmlns:p159="http://schemas.microsoft.com/office/powerpoint/2015/09/main" Requires="p159">
+  <mc:AlternateContent xmlns:mc="http://schemas.openxmlformats.org/markup-compatibility/2006" xmlns:p159="http://schemas.microsoft.com/office/powerpoint/2015/09/main">
+    <mc:Choice Requires="p159">
       <p:transition xmlns:p14="http://schemas.microsoft.com/office/powerpoint/2010/main" spd="slow" p14:dur="2000">
         <p159:morph option="byObject"/>
       </p:transition>
     </mc:Choice>
-    <mc:Fallback>
+    <mc:Fallback xmlns="">
       <p:transition spd="slow">
         <p:fade/>
       </p:transition>
@@ -21604,7 +22022,7 @@
 </p:sld>
 </file>
 
-<file path=ppt/slides/slide31.xml><?xml version="1.0" encoding="utf-8"?>
+<file path=ppt/slides/slide32.xml><?xml version="1.0" encoding="utf-8"?>
 <p:sld xmlns:a="http://schemas.openxmlformats.org/drawingml/2006/main" xmlns:r="http://schemas.openxmlformats.org/officeDocument/2006/relationships" xmlns:p="http://schemas.openxmlformats.org/presentationml/2006/main">
   <p:cSld>
     <p:spTree>
@@ -22742,7 +23160,7 @@
           <a:p>
             <a:fld id="{A2A60F54-5110-435E-A473-0EC8A1832DD2}" type="slidenum">
               <a:rPr lang="en-US" smtClean="0"/>
-              <a:t>31</a:t>
+              <a:t>32</a:t>
             </a:fld>
             <a:endParaRPr lang="en-US"/>
           </a:p>
@@ -22758,13 +23176,13 @@
   <p:clrMapOvr>
     <a:masterClrMapping/>
   </p:clrMapOvr>
-  <mc:AlternateContent xmlns:mc="http://schemas.openxmlformats.org/markup-compatibility/2006">
-    <mc:Choice xmlns:p159="http://schemas.microsoft.com/office/powerpoint/2015/09/main" Requires="p159">
+  <mc:AlternateContent xmlns:mc="http://schemas.openxmlformats.org/markup-compatibility/2006" xmlns:p159="http://schemas.microsoft.com/office/powerpoint/2015/09/main">
+    <mc:Choice Requires="p159">
       <p:transition xmlns:p14="http://schemas.microsoft.com/office/powerpoint/2010/main" spd="slow" p14:dur="2000">
         <p159:morph option="byObject"/>
       </p:transition>
     </mc:Choice>
-    <mc:Fallback>
+    <mc:Fallback xmlns="">
       <p:transition spd="slow">
         <p:fade/>
       </p:transition>
@@ -22773,7 +23191,7 @@
 </p:sld>
 </file>
 
-<file path=ppt/slides/slide32.xml><?xml version="1.0" encoding="utf-8"?>
+<file path=ppt/slides/slide33.xml><?xml version="1.0" encoding="utf-8"?>
 <p:sld xmlns:a="http://schemas.openxmlformats.org/drawingml/2006/main" xmlns:r="http://schemas.openxmlformats.org/officeDocument/2006/relationships" xmlns:p="http://schemas.openxmlformats.org/presentationml/2006/main">
   <p:cSld>
     <p:spTree>
@@ -23500,7 +23918,7 @@
           <a:p>
             <a:fld id="{A2A60F54-5110-435E-A473-0EC8A1832DD2}" type="slidenum">
               <a:rPr lang="en-US" smtClean="0"/>
-              <a:t>32</a:t>
+              <a:t>33</a:t>
             </a:fld>
             <a:endParaRPr lang="en-US"/>
           </a:p>
@@ -23516,13 +23934,13 @@
   <p:clrMapOvr>
     <a:masterClrMapping/>
   </p:clrMapOvr>
-  <mc:AlternateContent xmlns:mc="http://schemas.openxmlformats.org/markup-compatibility/2006">
-    <mc:Choice xmlns:p159="http://schemas.microsoft.com/office/powerpoint/2015/09/main" Requires="p159">
+  <mc:AlternateContent xmlns:mc="http://schemas.openxmlformats.org/markup-compatibility/2006" xmlns:p159="http://schemas.microsoft.com/office/powerpoint/2015/09/main">
+    <mc:Choice Requires="p159">
       <p:transition xmlns:p14="http://schemas.microsoft.com/office/powerpoint/2010/main" spd="slow" p14:dur="2000">
         <p159:morph option="byObject"/>
       </p:transition>
     </mc:Choice>
-    <mc:Fallback>
+    <mc:Fallback xmlns="">
       <p:transition spd="slow">
         <p:fade/>
       </p:transition>
@@ -23531,7 +23949,7 @@
 </p:sld>
 </file>
 
-<file path=ppt/slides/slide33.xml><?xml version="1.0" encoding="utf-8"?>
+<file path=ppt/slides/slide34.xml><?xml version="1.0" encoding="utf-8"?>
 <p:sld xmlns:a="http://schemas.openxmlformats.org/drawingml/2006/main" xmlns:r="http://schemas.openxmlformats.org/officeDocument/2006/relationships" xmlns:p="http://schemas.openxmlformats.org/presentationml/2006/main">
   <p:cSld>
     <p:spTree>
@@ -24215,7 +24633,7 @@
           <a:p>
             <a:fld id="{A2A60F54-5110-435E-A473-0EC8A1832DD2}" type="slidenum">
               <a:rPr lang="en-US" smtClean="0"/>
-              <a:t>33</a:t>
+              <a:t>34</a:t>
             </a:fld>
             <a:endParaRPr lang="en-US"/>
           </a:p>
@@ -24231,13 +24649,13 @@
   <p:clrMapOvr>
     <a:masterClrMapping/>
   </p:clrMapOvr>
-  <mc:AlternateContent xmlns:mc="http://schemas.openxmlformats.org/markup-compatibility/2006">
-    <mc:Choice xmlns:p159="http://schemas.microsoft.com/office/powerpoint/2015/09/main" Requires="p159">
+  <mc:AlternateContent xmlns:mc="http://schemas.openxmlformats.org/markup-compatibility/2006" xmlns:p159="http://schemas.microsoft.com/office/powerpoint/2015/09/main">
+    <mc:Choice Requires="p159">
       <p:transition xmlns:p14="http://schemas.microsoft.com/office/powerpoint/2010/main" spd="slow" p14:dur="2000">
         <p159:morph option="byObject"/>
       </p:transition>
     </mc:Choice>
-    <mc:Fallback>
+    <mc:Fallback xmlns="">
       <p:transition spd="slow">
         <p:fade/>
       </p:transition>
@@ -24246,7 +24664,7 @@
 </p:sld>
 </file>
 
-<file path=ppt/slides/slide34.xml><?xml version="1.0" encoding="utf-8"?>
+<file path=ppt/slides/slide35.xml><?xml version="1.0" encoding="utf-8"?>
 <p:sld xmlns:a="http://schemas.openxmlformats.org/drawingml/2006/main" xmlns:r="http://schemas.openxmlformats.org/officeDocument/2006/relationships" xmlns:p="http://schemas.openxmlformats.org/presentationml/2006/main">
   <p:cSld>
     <p:spTree>
@@ -25118,7 +25536,7 @@
           <a:p>
             <a:fld id="{A2A60F54-5110-435E-A473-0EC8A1832DD2}" type="slidenum">
               <a:rPr lang="en-US" smtClean="0"/>
-              <a:t>34</a:t>
+              <a:t>35</a:t>
             </a:fld>
             <a:endParaRPr lang="en-US"/>
           </a:p>
@@ -25137,7 +25555,7 @@
 </p:sld>
 </file>
 
-<file path=ppt/slides/slide35.xml><?xml version="1.0" encoding="utf-8"?>
+<file path=ppt/slides/slide36.xml><?xml version="1.0" encoding="utf-8"?>
 <p:sld xmlns:a="http://schemas.openxmlformats.org/drawingml/2006/main" xmlns:r="http://schemas.openxmlformats.org/officeDocument/2006/relationships" xmlns:p="http://schemas.openxmlformats.org/presentationml/2006/main">
   <p:cSld>
     <p:spTree>
@@ -26343,7 +26761,7 @@
           <a:p>
             <a:fld id="{A2A60F54-5110-435E-A473-0EC8A1832DD2}" type="slidenum">
               <a:rPr lang="en-US" smtClean="0"/>
-              <a:t>35</a:t>
+              <a:t>36</a:t>
             </a:fld>
             <a:endParaRPr lang="en-US"/>
           </a:p>
@@ -26359,13 +26777,13 @@
   <p:clrMapOvr>
     <a:masterClrMapping/>
   </p:clrMapOvr>
-  <mc:AlternateContent xmlns:mc="http://schemas.openxmlformats.org/markup-compatibility/2006">
-    <mc:Choice xmlns:p159="http://schemas.microsoft.com/office/powerpoint/2015/09/main" Requires="p159">
+  <mc:AlternateContent xmlns:mc="http://schemas.openxmlformats.org/markup-compatibility/2006" xmlns:p159="http://schemas.microsoft.com/office/powerpoint/2015/09/main">
+    <mc:Choice Requires="p159">
       <p:transition xmlns:p14="http://schemas.microsoft.com/office/powerpoint/2010/main" spd="slow" p14:dur="2000">
         <p159:morph option="byObject"/>
       </p:transition>
     </mc:Choice>
-    <mc:Fallback>
+    <mc:Fallback xmlns="">
       <p:transition spd="slow">
         <p:fade/>
       </p:transition>
@@ -26374,7 +26792,7 @@
 </p:sld>
 </file>
 
-<file path=ppt/slides/slide36.xml><?xml version="1.0" encoding="utf-8"?>
+<file path=ppt/slides/slide37.xml><?xml version="1.0" encoding="utf-8"?>
 <p:sld xmlns:a="http://schemas.openxmlformats.org/drawingml/2006/main" xmlns:r="http://schemas.openxmlformats.org/officeDocument/2006/relationships" xmlns:p="http://schemas.openxmlformats.org/presentationml/2006/main">
   <p:cSld>
     <p:spTree>
@@ -26830,7 +27248,7 @@
           <a:p>
             <a:fld id="{A2A60F54-5110-435E-A473-0EC8A1832DD2}" type="slidenum">
               <a:rPr lang="en-US" smtClean="0"/>
-              <a:t>36</a:t>
+              <a:t>37</a:t>
             </a:fld>
             <a:endParaRPr lang="en-US"/>
           </a:p>
@@ -26846,13 +27264,13 @@
   <p:clrMapOvr>
     <a:masterClrMapping/>
   </p:clrMapOvr>
-  <mc:AlternateContent xmlns:mc="http://schemas.openxmlformats.org/markup-compatibility/2006">
-    <mc:Choice xmlns:p159="http://schemas.microsoft.com/office/powerpoint/2015/09/main" Requires="p159">
+  <mc:AlternateContent xmlns:mc="http://schemas.openxmlformats.org/markup-compatibility/2006" xmlns:p159="http://schemas.microsoft.com/office/powerpoint/2015/09/main">
+    <mc:Choice Requires="p159">
       <p:transition xmlns:p14="http://schemas.microsoft.com/office/powerpoint/2010/main" spd="slow" p14:dur="2000">
         <p159:morph option="byObject"/>
       </p:transition>
     </mc:Choice>
-    <mc:Fallback>
+    <mc:Fallback xmlns="">
       <p:transition spd="slow">
         <p:fade/>
       </p:transition>
@@ -26861,7 +27279,7 @@
 </p:sld>
 </file>
 
-<file path=ppt/slides/slide37.xml><?xml version="1.0" encoding="utf-8"?>
+<file path=ppt/slides/slide38.xml><?xml version="1.0" encoding="utf-8"?>
 <p:sld xmlns:a="http://schemas.openxmlformats.org/drawingml/2006/main" xmlns:r="http://schemas.openxmlformats.org/officeDocument/2006/relationships" xmlns:p="http://schemas.openxmlformats.org/presentationml/2006/main">
   <p:cSld>
     <p:spTree>
@@ -27639,7 +28057,7 @@
           <a:p>
             <a:fld id="{A2A60F54-5110-435E-A473-0EC8A1832DD2}" type="slidenum">
               <a:rPr lang="en-US" smtClean="0"/>
-              <a:t>37</a:t>
+              <a:t>38</a:t>
             </a:fld>
             <a:endParaRPr lang="en-US"/>
           </a:p>
@@ -27655,13 +28073,13 @@
   <p:clrMapOvr>
     <a:masterClrMapping/>
   </p:clrMapOvr>
-  <mc:AlternateContent xmlns:mc="http://schemas.openxmlformats.org/markup-compatibility/2006">
-    <mc:Choice xmlns:p159="http://schemas.microsoft.com/office/powerpoint/2015/09/main" Requires="p159">
+  <mc:AlternateContent xmlns:mc="http://schemas.openxmlformats.org/markup-compatibility/2006" xmlns:p159="http://schemas.microsoft.com/office/powerpoint/2015/09/main">
+    <mc:Choice Requires="p159">
       <p:transition xmlns:p14="http://schemas.microsoft.com/office/powerpoint/2010/main" spd="slow" p14:dur="2000">
         <p159:morph option="byObject"/>
       </p:transition>
     </mc:Choice>
-    <mc:Fallback>
+    <mc:Fallback xmlns="">
       <p:transition spd="slow">
         <p:fade/>
       </p:transition>
@@ -27670,7 +28088,7 @@
 </p:sld>
 </file>
 
-<file path=ppt/slides/slide38.xml><?xml version="1.0" encoding="utf-8"?>
+<file path=ppt/slides/slide39.xml><?xml version="1.0" encoding="utf-8"?>
 <p:sld xmlns:a="http://schemas.openxmlformats.org/drawingml/2006/main" xmlns:r="http://schemas.openxmlformats.org/officeDocument/2006/relationships" xmlns:p="http://schemas.openxmlformats.org/presentationml/2006/main">
   <p:cSld>
     <p:spTree>
@@ -27811,7 +28229,7 @@
           <a:p>
             <a:fld id="{A2A60F54-5110-435E-A473-0EC8A1832DD2}" type="slidenum">
               <a:rPr lang="en-US" smtClean="0"/>
-              <a:t>38</a:t>
+              <a:t>39</a:t>
             </a:fld>
             <a:endParaRPr lang="en-US"/>
           </a:p>
@@ -27827,203 +28245,13 @@
   <p:clrMapOvr>
     <a:masterClrMapping/>
   </p:clrMapOvr>
-  <mc:AlternateContent xmlns:mc="http://schemas.openxmlformats.org/markup-compatibility/2006">
-    <mc:Choice xmlns:p159="http://schemas.microsoft.com/office/powerpoint/2015/09/main" Requires="p159">
+  <mc:AlternateContent xmlns:mc="http://schemas.openxmlformats.org/markup-compatibility/2006" xmlns:p159="http://schemas.microsoft.com/office/powerpoint/2015/09/main">
+    <mc:Choice Requires="p159">
       <p:transition xmlns:p14="http://schemas.microsoft.com/office/powerpoint/2010/main" spd="slow" p14:dur="2000">
         <p159:morph option="byObject"/>
       </p:transition>
     </mc:Choice>
-    <mc:Fallback>
-      <p:transition spd="slow">
-        <p:fade/>
-      </p:transition>
-    </mc:Fallback>
-  </mc:AlternateContent>
-</p:sld>
-</file>
-
-<file path=ppt/slides/slide39.xml><?xml version="1.0" encoding="utf-8"?>
-<p:sld xmlns:a="http://schemas.openxmlformats.org/drawingml/2006/main" xmlns:r="http://schemas.openxmlformats.org/officeDocument/2006/relationships" xmlns:p="http://schemas.openxmlformats.org/presentationml/2006/main">
-  <p:cSld>
-    <p:spTree>
-      <p:nvGrpSpPr>
-        <p:cNvPr id="1" name=""/>
-        <p:cNvGrpSpPr/>
-        <p:nvPr/>
-      </p:nvGrpSpPr>
-      <p:grpSpPr>
-        <a:xfrm>
-          <a:off x="0" y="0"/>
-          <a:ext cx="0" cy="0"/>
-          <a:chOff x="0" y="0"/>
-          <a:chExt cx="0" cy="0"/>
-        </a:xfrm>
-      </p:grpSpPr>
-      <p:sp>
-        <p:nvSpPr>
-          <p:cNvPr id="4" name="Titre 1">
-            <a:extLst>
-              <a:ext uri="{FF2B5EF4-FFF2-40B4-BE49-F238E27FC236}">
-                <a16:creationId xmlns:a16="http://schemas.microsoft.com/office/drawing/2014/main" id="{6823DA8F-BBD0-090D-6053-190DEA658D57}"/>
-              </a:ext>
-            </a:extLst>
-          </p:cNvPr>
-          <p:cNvSpPr>
-            <a:spLocks noGrp="1"/>
-          </p:cNvSpPr>
-          <p:nvPr>
-            <p:ph type="title"/>
-          </p:nvPr>
-        </p:nvSpPr>
-        <p:spPr>
-          <a:xfrm>
-            <a:off x="1097280" y="286603"/>
-            <a:ext cx="10058400" cy="1450757"/>
-          </a:xfrm>
-        </p:spPr>
-        <p:txBody>
-          <a:bodyPr/>
-          <a:lstStyle/>
-          <a:p>
-            <a:r>
-              <a:rPr lang="fr-CA" dirty="0"/>
-              <a:t>Les tests unitaires</a:t>
-            </a:r>
-            <a:endParaRPr lang="en-US" dirty="0"/>
-          </a:p>
-        </p:txBody>
-      </p:sp>
-      <p:sp>
-        <p:nvSpPr>
-          <p:cNvPr id="5" name="Espace réservé du contenu 4">
-            <a:extLst>
-              <a:ext uri="{FF2B5EF4-FFF2-40B4-BE49-F238E27FC236}">
-                <a16:creationId xmlns:a16="http://schemas.microsoft.com/office/drawing/2014/main" id="{8E266F8B-3EC7-D32F-D4A6-967854220ED9}"/>
-              </a:ext>
-            </a:extLst>
-          </p:cNvPr>
-          <p:cNvSpPr>
-            <a:spLocks noGrp="1"/>
-          </p:cNvSpPr>
-          <p:nvPr>
-            <p:ph idx="1"/>
-          </p:nvPr>
-        </p:nvSpPr>
-        <p:spPr>
-          <a:xfrm>
-            <a:off x="1097280" y="2077590"/>
-            <a:ext cx="4991685" cy="2702820"/>
-          </a:xfrm>
-        </p:spPr>
-        <p:txBody>
-          <a:bodyPr>
-            <a:noAutofit/>
-          </a:bodyPr>
-          <a:lstStyle/>
-          <a:p>
-            <a:pPr marL="0" indent="0">
-              <a:buNone/>
-            </a:pPr>
-            <a:r>
-              <a:rPr lang="fr-CA" sz="2400" dirty="0"/>
-              <a:t>Pour les projets de programmations qui ont une certaine envergure, nous utilisons des </a:t>
-            </a:r>
-            <a:r>
-              <a:rPr lang="fr-CA" sz="2400" b="1" dirty="0"/>
-              <a:t>tests unitaires </a:t>
-            </a:r>
-            <a:r>
-              <a:rPr lang="fr-CA" sz="2400" dirty="0"/>
-              <a:t>qui consistent à </a:t>
-            </a:r>
-            <a:r>
-              <a:rPr lang="fr-CA" sz="2400" b="1" dirty="0"/>
-              <a:t>tester les fonctions pour être certains d’avoir les résultats attendus</a:t>
-            </a:r>
-            <a:r>
-              <a:rPr lang="fr-CA" sz="2400" dirty="0"/>
-              <a:t>.</a:t>
-            </a:r>
-            <a:endParaRPr lang="en-US" sz="2400" dirty="0"/>
-          </a:p>
-        </p:txBody>
-      </p:sp>
-      <p:pic>
-        <p:nvPicPr>
-          <p:cNvPr id="10" name="Image 9">
-            <a:extLst>
-              <a:ext uri="{FF2B5EF4-FFF2-40B4-BE49-F238E27FC236}">
-                <a16:creationId xmlns:a16="http://schemas.microsoft.com/office/drawing/2014/main" id="{CF4BB4BF-EF40-583B-5C6E-7EA30545FACD}"/>
-              </a:ext>
-            </a:extLst>
-          </p:cNvPr>
-          <p:cNvPicPr>
-            <a:picLocks noChangeAspect="1"/>
-          </p:cNvPicPr>
-          <p:nvPr/>
-        </p:nvPicPr>
-        <p:blipFill>
-          <a:blip r:embed="rId3"/>
-          <a:stretch>
-            <a:fillRect/>
-          </a:stretch>
-        </p:blipFill>
-        <p:spPr>
-          <a:xfrm>
-            <a:off x="6103036" y="1804790"/>
-            <a:ext cx="5209734" cy="4534069"/>
-          </a:xfrm>
-          <a:prstGeom prst="rect">
-            <a:avLst/>
-          </a:prstGeom>
-        </p:spPr>
-      </p:pic>
-      <p:sp>
-        <p:nvSpPr>
-          <p:cNvPr id="11" name="Espace réservé du numéro de diapositive 10">
-            <a:extLst>
-              <a:ext uri="{FF2B5EF4-FFF2-40B4-BE49-F238E27FC236}">
-                <a16:creationId xmlns:a16="http://schemas.microsoft.com/office/drawing/2014/main" id="{3B0CBF64-B830-5077-0371-3A25183DFCB7}"/>
-              </a:ext>
-            </a:extLst>
-          </p:cNvPr>
-          <p:cNvSpPr>
-            <a:spLocks noGrp="1"/>
-          </p:cNvSpPr>
-          <p:nvPr>
-            <p:ph type="sldNum" sz="quarter" idx="12"/>
-          </p:nvPr>
-        </p:nvSpPr>
-        <p:spPr/>
-        <p:txBody>
-          <a:bodyPr/>
-          <a:lstStyle/>
-          <a:p>
-            <a:fld id="{A2A60F54-5110-435E-A473-0EC8A1832DD2}" type="slidenum">
-              <a:rPr lang="en-US" smtClean="0"/>
-              <a:t>39</a:t>
-            </a:fld>
-            <a:endParaRPr lang="en-US"/>
-          </a:p>
-        </p:txBody>
-      </p:sp>
-    </p:spTree>
-    <p:extLst>
-      <p:ext uri="{BB962C8B-B14F-4D97-AF65-F5344CB8AC3E}">
-        <p14:creationId xmlns:p14="http://schemas.microsoft.com/office/powerpoint/2010/main" val="2489351507"/>
-      </p:ext>
-    </p:extLst>
-  </p:cSld>
-  <p:clrMapOvr>
-    <a:masterClrMapping/>
-  </p:clrMapOvr>
-  <mc:AlternateContent xmlns:mc="http://schemas.openxmlformats.org/markup-compatibility/2006">
-    <mc:Choice xmlns:p159="http://schemas.microsoft.com/office/powerpoint/2015/09/main" Requires="p159">
-      <p:transition xmlns:p14="http://schemas.microsoft.com/office/powerpoint/2010/main" spd="slow" p14:dur="2000">
-        <p159:morph option="byObject"/>
-      </p:transition>
-    </mc:Choice>
-    <mc:Fallback>
+    <mc:Fallback xmlns="">
       <p:transition spd="slow">
         <p:fade/>
       </p:transition>
@@ -28415,6 +28643,196 @@
       </p:grpSpPr>
       <p:sp>
         <p:nvSpPr>
+          <p:cNvPr id="4" name="Titre 1">
+            <a:extLst>
+              <a:ext uri="{FF2B5EF4-FFF2-40B4-BE49-F238E27FC236}">
+                <a16:creationId xmlns:a16="http://schemas.microsoft.com/office/drawing/2014/main" id="{6823DA8F-BBD0-090D-6053-190DEA658D57}"/>
+              </a:ext>
+            </a:extLst>
+          </p:cNvPr>
+          <p:cNvSpPr>
+            <a:spLocks noGrp="1"/>
+          </p:cNvSpPr>
+          <p:nvPr>
+            <p:ph type="title"/>
+          </p:nvPr>
+        </p:nvSpPr>
+        <p:spPr>
+          <a:xfrm>
+            <a:off x="1097280" y="286603"/>
+            <a:ext cx="10058400" cy="1450757"/>
+          </a:xfrm>
+        </p:spPr>
+        <p:txBody>
+          <a:bodyPr/>
+          <a:lstStyle/>
+          <a:p>
+            <a:r>
+              <a:rPr lang="fr-CA" dirty="0"/>
+              <a:t>Les tests unitaires</a:t>
+            </a:r>
+            <a:endParaRPr lang="en-US" dirty="0"/>
+          </a:p>
+        </p:txBody>
+      </p:sp>
+      <p:sp>
+        <p:nvSpPr>
+          <p:cNvPr id="5" name="Espace réservé du contenu 4">
+            <a:extLst>
+              <a:ext uri="{FF2B5EF4-FFF2-40B4-BE49-F238E27FC236}">
+                <a16:creationId xmlns:a16="http://schemas.microsoft.com/office/drawing/2014/main" id="{8E266F8B-3EC7-D32F-D4A6-967854220ED9}"/>
+              </a:ext>
+            </a:extLst>
+          </p:cNvPr>
+          <p:cNvSpPr>
+            <a:spLocks noGrp="1"/>
+          </p:cNvSpPr>
+          <p:nvPr>
+            <p:ph idx="1"/>
+          </p:nvPr>
+        </p:nvSpPr>
+        <p:spPr>
+          <a:xfrm>
+            <a:off x="1097280" y="2077590"/>
+            <a:ext cx="4991685" cy="2702820"/>
+          </a:xfrm>
+        </p:spPr>
+        <p:txBody>
+          <a:bodyPr>
+            <a:noAutofit/>
+          </a:bodyPr>
+          <a:lstStyle/>
+          <a:p>
+            <a:pPr marL="0" indent="0">
+              <a:buNone/>
+            </a:pPr>
+            <a:r>
+              <a:rPr lang="fr-CA" sz="2400" dirty="0"/>
+              <a:t>Pour les projets de programmations qui ont une certaine envergure, nous utilisons des </a:t>
+            </a:r>
+            <a:r>
+              <a:rPr lang="fr-CA" sz="2400" b="1" dirty="0"/>
+              <a:t>tests unitaires </a:t>
+            </a:r>
+            <a:r>
+              <a:rPr lang="fr-CA" sz="2400" dirty="0"/>
+              <a:t>qui consistent à </a:t>
+            </a:r>
+            <a:r>
+              <a:rPr lang="fr-CA" sz="2400" b="1" dirty="0"/>
+              <a:t>tester les fonctions pour être certains d’avoir les résultats attendus</a:t>
+            </a:r>
+            <a:r>
+              <a:rPr lang="fr-CA" sz="2400" dirty="0"/>
+              <a:t>.</a:t>
+            </a:r>
+            <a:endParaRPr lang="en-US" sz="2400" dirty="0"/>
+          </a:p>
+        </p:txBody>
+      </p:sp>
+      <p:pic>
+        <p:nvPicPr>
+          <p:cNvPr id="10" name="Image 9">
+            <a:extLst>
+              <a:ext uri="{FF2B5EF4-FFF2-40B4-BE49-F238E27FC236}">
+                <a16:creationId xmlns:a16="http://schemas.microsoft.com/office/drawing/2014/main" id="{CF4BB4BF-EF40-583B-5C6E-7EA30545FACD}"/>
+              </a:ext>
+            </a:extLst>
+          </p:cNvPr>
+          <p:cNvPicPr>
+            <a:picLocks noChangeAspect="1"/>
+          </p:cNvPicPr>
+          <p:nvPr/>
+        </p:nvPicPr>
+        <p:blipFill>
+          <a:blip r:embed="rId3"/>
+          <a:stretch>
+            <a:fillRect/>
+          </a:stretch>
+        </p:blipFill>
+        <p:spPr>
+          <a:xfrm>
+            <a:off x="6103036" y="1804790"/>
+            <a:ext cx="5209734" cy="4534069"/>
+          </a:xfrm>
+          <a:prstGeom prst="rect">
+            <a:avLst/>
+          </a:prstGeom>
+        </p:spPr>
+      </p:pic>
+      <p:sp>
+        <p:nvSpPr>
+          <p:cNvPr id="11" name="Espace réservé du numéro de diapositive 10">
+            <a:extLst>
+              <a:ext uri="{FF2B5EF4-FFF2-40B4-BE49-F238E27FC236}">
+                <a16:creationId xmlns:a16="http://schemas.microsoft.com/office/drawing/2014/main" id="{3B0CBF64-B830-5077-0371-3A25183DFCB7}"/>
+              </a:ext>
+            </a:extLst>
+          </p:cNvPr>
+          <p:cNvSpPr>
+            <a:spLocks noGrp="1"/>
+          </p:cNvSpPr>
+          <p:nvPr>
+            <p:ph type="sldNum" sz="quarter" idx="12"/>
+          </p:nvPr>
+        </p:nvSpPr>
+        <p:spPr/>
+        <p:txBody>
+          <a:bodyPr/>
+          <a:lstStyle/>
+          <a:p>
+            <a:fld id="{A2A60F54-5110-435E-A473-0EC8A1832DD2}" type="slidenum">
+              <a:rPr lang="en-US" smtClean="0"/>
+              <a:t>40</a:t>
+            </a:fld>
+            <a:endParaRPr lang="en-US"/>
+          </a:p>
+        </p:txBody>
+      </p:sp>
+    </p:spTree>
+    <p:extLst>
+      <p:ext uri="{BB962C8B-B14F-4D97-AF65-F5344CB8AC3E}">
+        <p14:creationId xmlns:p14="http://schemas.microsoft.com/office/powerpoint/2010/main" val="2489351507"/>
+      </p:ext>
+    </p:extLst>
+  </p:cSld>
+  <p:clrMapOvr>
+    <a:masterClrMapping/>
+  </p:clrMapOvr>
+  <mc:AlternateContent xmlns:mc="http://schemas.openxmlformats.org/markup-compatibility/2006" xmlns:p159="http://schemas.microsoft.com/office/powerpoint/2015/09/main">
+    <mc:Choice Requires="p159">
+      <p:transition xmlns:p14="http://schemas.microsoft.com/office/powerpoint/2010/main" spd="slow" p14:dur="2000">
+        <p159:morph option="byObject"/>
+      </p:transition>
+    </mc:Choice>
+    <mc:Fallback xmlns="">
+      <p:transition spd="slow">
+        <p:fade/>
+      </p:transition>
+    </mc:Fallback>
+  </mc:AlternateContent>
+</p:sld>
+</file>
+
+<file path=ppt/slides/slide41.xml><?xml version="1.0" encoding="utf-8"?>
+<p:sld xmlns:a="http://schemas.openxmlformats.org/drawingml/2006/main" xmlns:r="http://schemas.openxmlformats.org/officeDocument/2006/relationships" xmlns:p="http://schemas.openxmlformats.org/presentationml/2006/main">
+  <p:cSld>
+    <p:spTree>
+      <p:nvGrpSpPr>
+        <p:cNvPr id="1" name=""/>
+        <p:cNvGrpSpPr/>
+        <p:nvPr/>
+      </p:nvGrpSpPr>
+      <p:grpSpPr>
+        <a:xfrm>
+          <a:off x="0" y="0"/>
+          <a:ext cx="0" cy="0"/>
+          <a:chOff x="0" y="0"/>
+          <a:chExt cx="0" cy="0"/>
+        </a:xfrm>
+      </p:grpSpPr>
+      <p:sp>
+        <p:nvSpPr>
           <p:cNvPr id="3" name="Espace réservé du contenu 2">
             <a:extLst>
               <a:ext uri="{FF2B5EF4-FFF2-40B4-BE49-F238E27FC236}">
@@ -28646,7 +29064,7 @@
           <a:p>
             <a:fld id="{A2A60F54-5110-435E-A473-0EC8A1832DD2}" type="slidenum">
               <a:rPr lang="en-US" smtClean="0"/>
-              <a:t>40</a:t>
+              <a:t>41</a:t>
             </a:fld>
             <a:endParaRPr lang="en-US"/>
           </a:p>
@@ -28662,13 +29080,13 @@
   <p:clrMapOvr>
     <a:masterClrMapping/>
   </p:clrMapOvr>
-  <mc:AlternateContent xmlns:mc="http://schemas.openxmlformats.org/markup-compatibility/2006">
-    <mc:Choice xmlns:p14="http://schemas.microsoft.com/office/powerpoint/2010/main" Requires="p14">
+  <mc:AlternateContent xmlns:mc="http://schemas.openxmlformats.org/markup-compatibility/2006" xmlns:p14="http://schemas.microsoft.com/office/powerpoint/2010/main">
+    <mc:Choice Requires="p14">
       <p:transition spd="med" p14:dur="700">
         <p:fade/>
       </p:transition>
     </mc:Choice>
-    <mc:Fallback>
+    <mc:Fallback xmlns="">
       <p:transition spd="med">
         <p:fade/>
       </p:transition>
@@ -28677,7 +29095,7 @@
 </p:sld>
 </file>
 
-<file path=ppt/slides/slide41.xml><?xml version="1.0" encoding="utf-8"?>
+<file path=ppt/slides/slide42.xml><?xml version="1.0" encoding="utf-8"?>
 <p:sld xmlns:a="http://schemas.openxmlformats.org/drawingml/2006/main" xmlns:r="http://schemas.openxmlformats.org/officeDocument/2006/relationships" xmlns:p="http://schemas.openxmlformats.org/presentationml/2006/main">
   <p:cSld>
     <p:spTree>
@@ -28994,7 +29412,7 @@
           <a:p>
             <a:fld id="{A2A60F54-5110-435E-A473-0EC8A1832DD2}" type="slidenum">
               <a:rPr lang="en-US" smtClean="0"/>
-              <a:t>41</a:t>
+              <a:t>42</a:t>
             </a:fld>
             <a:endParaRPr lang="en-US"/>
           </a:p>
@@ -29010,13 +29428,13 @@
   <p:clrMapOvr>
     <a:masterClrMapping/>
   </p:clrMapOvr>
-  <mc:AlternateContent xmlns:mc="http://schemas.openxmlformats.org/markup-compatibility/2006">
-    <mc:Choice xmlns:p14="http://schemas.microsoft.com/office/powerpoint/2010/main" Requires="p14">
+  <mc:AlternateContent xmlns:mc="http://schemas.openxmlformats.org/markup-compatibility/2006" xmlns:p14="http://schemas.microsoft.com/office/powerpoint/2010/main">
+    <mc:Choice Requires="p14">
       <p:transition spd="med" p14:dur="700">
         <p:fade/>
       </p:transition>
     </mc:Choice>
-    <mc:Fallback>
+    <mc:Fallback xmlns="">
       <p:transition spd="med">
         <p:fade/>
       </p:transition>
@@ -29025,7 +29443,7 @@
 </p:sld>
 </file>
 
-<file path=ppt/slides/slide42.xml><?xml version="1.0" encoding="utf-8"?>
+<file path=ppt/slides/slide43.xml><?xml version="1.0" encoding="utf-8"?>
 <p:sld xmlns:a="http://schemas.openxmlformats.org/drawingml/2006/main" xmlns:r="http://schemas.openxmlformats.org/officeDocument/2006/relationships" xmlns:p="http://schemas.openxmlformats.org/presentationml/2006/main">
   <p:cSld>
     <p:spTree>
@@ -29839,7 +30257,7 @@
           <a:p>
             <a:fld id="{A2A60F54-5110-435E-A473-0EC8A1832DD2}" type="slidenum">
               <a:rPr lang="en-US" smtClean="0"/>
-              <a:t>42</a:t>
+              <a:t>43</a:t>
             </a:fld>
             <a:endParaRPr lang="en-US"/>
           </a:p>
@@ -29855,13 +30273,13 @@
   <p:clrMapOvr>
     <a:masterClrMapping/>
   </p:clrMapOvr>
-  <mc:AlternateContent xmlns:mc="http://schemas.openxmlformats.org/markup-compatibility/2006">
-    <mc:Choice xmlns:p14="http://schemas.microsoft.com/office/powerpoint/2010/main" Requires="p14">
+  <mc:AlternateContent xmlns:mc="http://schemas.openxmlformats.org/markup-compatibility/2006" xmlns:p14="http://schemas.microsoft.com/office/powerpoint/2010/main">
+    <mc:Choice Requires="p14">
       <p:transition spd="med" p14:dur="700">
         <p:fade/>
       </p:transition>
     </mc:Choice>
-    <mc:Fallback>
+    <mc:Fallback xmlns="">
       <p:transition spd="med">
         <p:fade/>
       </p:transition>
